--- a/캡스톤디자인/DB구상.pptx
+++ b/캡스톤디자인/DB구상.pptx
@@ -8,7 +8,8 @@
     <p:sldId id="256" r:id="rId2"/>
     <p:sldId id="258" r:id="rId3"/>
     <p:sldId id="260" r:id="rId4"/>
-    <p:sldId id="259" r:id="rId5"/>
+    <p:sldId id="261" r:id="rId5"/>
+    <p:sldId id="259" r:id="rId6"/>
   </p:sldIdLst>
   <p:sldSz cx="12192000" cy="6858000"/>
   <p:notesSz cx="6858000" cy="9144000"/>
@@ -107,6 +108,11 @@
       </a:defRPr>
     </a:lvl9pPr>
   </p:defaultTextStyle>
+  <p:extLst>
+    <p:ext uri="{EFAFB233-063F-42B5-8137-9DF3F51BA10A}">
+      <p15:sldGuideLst xmlns:p15="http://schemas.microsoft.com/office/powerpoint/2012/main"/>
+    </p:ext>
+  </p:extLst>
 </p:presentation>
 </file>
 
@@ -257,7 +263,7 @@
           <a:p>
             <a:fld id="{0D57721B-373F-4F81-AA53-B87291A6C800}" type="datetimeFigureOut">
               <a:rPr lang="ko-KR" altLang="en-US" smtClean="0"/>
-              <a:t>2022-04-04</a:t>
+              <a:t>2022-04-08</a:t>
             </a:fld>
             <a:endParaRPr lang="ko-KR" altLang="en-US"/>
           </a:p>
@@ -455,7 +461,7 @@
           <a:p>
             <a:fld id="{0D57721B-373F-4F81-AA53-B87291A6C800}" type="datetimeFigureOut">
               <a:rPr lang="ko-KR" altLang="en-US" smtClean="0"/>
-              <a:t>2022-04-04</a:t>
+              <a:t>2022-04-08</a:t>
             </a:fld>
             <a:endParaRPr lang="ko-KR" altLang="en-US"/>
           </a:p>
@@ -663,7 +669,7 @@
           <a:p>
             <a:fld id="{0D57721B-373F-4F81-AA53-B87291A6C800}" type="datetimeFigureOut">
               <a:rPr lang="ko-KR" altLang="en-US" smtClean="0"/>
-              <a:t>2022-04-04</a:t>
+              <a:t>2022-04-08</a:t>
             </a:fld>
             <a:endParaRPr lang="ko-KR" altLang="en-US"/>
           </a:p>
@@ -861,7 +867,7 @@
           <a:p>
             <a:fld id="{0D57721B-373F-4F81-AA53-B87291A6C800}" type="datetimeFigureOut">
               <a:rPr lang="ko-KR" altLang="en-US" smtClean="0"/>
-              <a:t>2022-04-04</a:t>
+              <a:t>2022-04-08</a:t>
             </a:fld>
             <a:endParaRPr lang="ko-KR" altLang="en-US"/>
           </a:p>
@@ -1136,7 +1142,7 @@
           <a:p>
             <a:fld id="{0D57721B-373F-4F81-AA53-B87291A6C800}" type="datetimeFigureOut">
               <a:rPr lang="ko-KR" altLang="en-US" smtClean="0"/>
-              <a:t>2022-04-04</a:t>
+              <a:t>2022-04-08</a:t>
             </a:fld>
             <a:endParaRPr lang="ko-KR" altLang="en-US"/>
           </a:p>
@@ -1401,7 +1407,7 @@
           <a:p>
             <a:fld id="{0D57721B-373F-4F81-AA53-B87291A6C800}" type="datetimeFigureOut">
               <a:rPr lang="ko-KR" altLang="en-US" smtClean="0"/>
-              <a:t>2022-04-04</a:t>
+              <a:t>2022-04-08</a:t>
             </a:fld>
             <a:endParaRPr lang="ko-KR" altLang="en-US"/>
           </a:p>
@@ -1813,7 +1819,7 @@
           <a:p>
             <a:fld id="{0D57721B-373F-4F81-AA53-B87291A6C800}" type="datetimeFigureOut">
               <a:rPr lang="ko-KR" altLang="en-US" smtClean="0"/>
-              <a:t>2022-04-04</a:t>
+              <a:t>2022-04-08</a:t>
             </a:fld>
             <a:endParaRPr lang="ko-KR" altLang="en-US"/>
           </a:p>
@@ -1954,7 +1960,7 @@
           <a:p>
             <a:fld id="{0D57721B-373F-4F81-AA53-B87291A6C800}" type="datetimeFigureOut">
               <a:rPr lang="ko-KR" altLang="en-US" smtClean="0"/>
-              <a:t>2022-04-04</a:t>
+              <a:t>2022-04-08</a:t>
             </a:fld>
             <a:endParaRPr lang="ko-KR" altLang="en-US"/>
           </a:p>
@@ -2067,7 +2073,7 @@
           <a:p>
             <a:fld id="{0D57721B-373F-4F81-AA53-B87291A6C800}" type="datetimeFigureOut">
               <a:rPr lang="ko-KR" altLang="en-US" smtClean="0"/>
-              <a:t>2022-04-04</a:t>
+              <a:t>2022-04-08</a:t>
             </a:fld>
             <a:endParaRPr lang="ko-KR" altLang="en-US"/>
           </a:p>
@@ -2378,7 +2384,7 @@
           <a:p>
             <a:fld id="{0D57721B-373F-4F81-AA53-B87291A6C800}" type="datetimeFigureOut">
               <a:rPr lang="ko-KR" altLang="en-US" smtClean="0"/>
-              <a:t>2022-04-04</a:t>
+              <a:t>2022-04-08</a:t>
             </a:fld>
             <a:endParaRPr lang="ko-KR" altLang="en-US"/>
           </a:p>
@@ -2666,7 +2672,7 @@
           <a:p>
             <a:fld id="{0D57721B-373F-4F81-AA53-B87291A6C800}" type="datetimeFigureOut">
               <a:rPr lang="ko-KR" altLang="en-US" smtClean="0"/>
-              <a:t>2022-04-04</a:t>
+              <a:t>2022-04-08</a:t>
             </a:fld>
             <a:endParaRPr lang="ko-KR" altLang="en-US"/>
           </a:p>
@@ -2907,7 +2913,7 @@
           <a:p>
             <a:fld id="{0D57721B-373F-4F81-AA53-B87291A6C800}" type="datetimeFigureOut">
               <a:rPr lang="ko-KR" altLang="en-US" smtClean="0"/>
-              <a:t>2022-04-04</a:t>
+              <a:t>2022-04-08</a:t>
             </a:fld>
             <a:endParaRPr lang="ko-KR" altLang="en-US"/>
           </a:p>
@@ -5275,6 +5281,809 @@
       </p:grpSpPr>
       <p:sp>
         <p:nvSpPr>
+          <p:cNvPr id="12" name="직사각형 11">
+            <a:extLst>
+              <a:ext uri="{FF2B5EF4-FFF2-40B4-BE49-F238E27FC236}">
+                <a16:creationId xmlns:a16="http://schemas.microsoft.com/office/drawing/2014/main" id="{FFDF0A2D-A1C9-4BEC-A975-9F13002153D3}"/>
+              </a:ext>
+            </a:extLst>
+          </p:cNvPr>
+          <p:cNvSpPr/>
+          <p:nvPr/>
+        </p:nvSpPr>
+        <p:spPr>
+          <a:xfrm>
+            <a:off x="448574" y="679192"/>
+            <a:ext cx="11222409" cy="1752600"/>
+          </a:xfrm>
+          <a:prstGeom prst="rect">
+            <a:avLst/>
+          </a:prstGeom>
+          <a:solidFill>
+            <a:schemeClr val="accent1">
+              <a:lumMod val="20000"/>
+              <a:lumOff val="80000"/>
+            </a:schemeClr>
+          </a:solidFill>
+        </p:spPr>
+        <p:style>
+          <a:lnRef idx="2">
+            <a:schemeClr val="accent1">
+              <a:shade val="50000"/>
+            </a:schemeClr>
+          </a:lnRef>
+          <a:fillRef idx="1">
+            <a:schemeClr val="accent1"/>
+          </a:fillRef>
+          <a:effectRef idx="0">
+            <a:schemeClr val="accent1"/>
+          </a:effectRef>
+          <a:fontRef idx="minor">
+            <a:schemeClr val="lt1"/>
+          </a:fontRef>
+        </p:style>
+        <p:txBody>
+          <a:bodyPr rtlCol="0" anchor="ctr"/>
+          <a:lstStyle/>
+          <a:p>
+            <a:pPr algn="ctr"/>
+            <a:endParaRPr lang="ko-KR" altLang="en-US"/>
+          </a:p>
+        </p:txBody>
+      </p:sp>
+      <p:sp>
+        <p:nvSpPr>
+          <p:cNvPr id="4" name="사각형: 둥근 모서리 3">
+            <a:extLst>
+              <a:ext uri="{FF2B5EF4-FFF2-40B4-BE49-F238E27FC236}">
+                <a16:creationId xmlns:a16="http://schemas.microsoft.com/office/drawing/2014/main" id="{41FA1739-07D5-428E-BFE6-2D727B88408D}"/>
+              </a:ext>
+            </a:extLst>
+          </p:cNvPr>
+          <p:cNvSpPr/>
+          <p:nvPr/>
+        </p:nvSpPr>
+        <p:spPr>
+          <a:xfrm>
+            <a:off x="567581" y="1186629"/>
+            <a:ext cx="5127001" cy="1150776"/>
+          </a:xfrm>
+          <a:prstGeom prst="roundRect">
+            <a:avLst/>
+          </a:prstGeom>
+          <a:solidFill>
+            <a:schemeClr val="accent6">
+              <a:lumMod val="60000"/>
+              <a:lumOff val="40000"/>
+            </a:schemeClr>
+          </a:solidFill>
+          <a:ln>
+            <a:noFill/>
+          </a:ln>
+        </p:spPr>
+        <p:style>
+          <a:lnRef idx="2">
+            <a:schemeClr val="accent1">
+              <a:shade val="50000"/>
+            </a:schemeClr>
+          </a:lnRef>
+          <a:fillRef idx="1">
+            <a:schemeClr val="accent1"/>
+          </a:fillRef>
+          <a:effectRef idx="0">
+            <a:schemeClr val="accent1"/>
+          </a:effectRef>
+          <a:fontRef idx="minor">
+            <a:schemeClr val="lt1"/>
+          </a:fontRef>
+        </p:style>
+        <p:txBody>
+          <a:bodyPr rtlCol="0" anchor="ctr"/>
+          <a:lstStyle/>
+          <a:p>
+            <a:pPr algn="ctr"/>
+            <a:endParaRPr lang="ko-KR" altLang="en-US"/>
+          </a:p>
+        </p:txBody>
+      </p:sp>
+      <p:sp>
+        <p:nvSpPr>
+          <p:cNvPr id="5" name="TextBox 4">
+            <a:extLst>
+              <a:ext uri="{FF2B5EF4-FFF2-40B4-BE49-F238E27FC236}">
+                <a16:creationId xmlns:a16="http://schemas.microsoft.com/office/drawing/2014/main" id="{3C22A2E1-A53B-4832-B687-1F921423CCE9}"/>
+              </a:ext>
+            </a:extLst>
+          </p:cNvPr>
+          <p:cNvSpPr txBox="1"/>
+          <p:nvPr/>
+        </p:nvSpPr>
+        <p:spPr>
+          <a:xfrm>
+            <a:off x="166058" y="147451"/>
+            <a:ext cx="1705874" cy="369332"/>
+          </a:xfrm>
+          <a:prstGeom prst="rect">
+            <a:avLst/>
+          </a:prstGeom>
+          <a:noFill/>
+        </p:spPr>
+        <p:txBody>
+          <a:bodyPr wrap="square">
+            <a:spAutoFit/>
+          </a:bodyPr>
+          <a:lstStyle/>
+          <a:p>
+            <a:r>
+              <a:rPr lang="ko-KR" altLang="en-US" b="1" dirty="0">
+                <a:solidFill>
+                  <a:srgbClr val="666666"/>
+                </a:solidFill>
+                <a:latin typeface="Noto Sans" panose="020B0502040204020203" pitchFamily="34" charset="0"/>
+              </a:rPr>
+              <a:t>요구사항 분석</a:t>
+            </a:r>
+            <a:endParaRPr lang="ko-KR" altLang="en-US" dirty="0"/>
+          </a:p>
+        </p:txBody>
+      </p:sp>
+      <p:sp>
+        <p:nvSpPr>
+          <p:cNvPr id="2" name="직사각형 1">
+            <a:extLst>
+              <a:ext uri="{FF2B5EF4-FFF2-40B4-BE49-F238E27FC236}">
+                <a16:creationId xmlns:a16="http://schemas.microsoft.com/office/drawing/2014/main" id="{3D5F2260-B851-4DC3-BA05-14F2F2CDD58C}"/>
+              </a:ext>
+            </a:extLst>
+          </p:cNvPr>
+          <p:cNvSpPr/>
+          <p:nvPr/>
+        </p:nvSpPr>
+        <p:spPr>
+          <a:xfrm>
+            <a:off x="750498" y="1613208"/>
+            <a:ext cx="2070340" cy="603849"/>
+          </a:xfrm>
+          <a:prstGeom prst="rect">
+            <a:avLst/>
+          </a:prstGeom>
+        </p:spPr>
+        <p:style>
+          <a:lnRef idx="2">
+            <a:schemeClr val="accent1">
+              <a:shade val="50000"/>
+            </a:schemeClr>
+          </a:lnRef>
+          <a:fillRef idx="1">
+            <a:schemeClr val="accent1"/>
+          </a:fillRef>
+          <a:effectRef idx="0">
+            <a:schemeClr val="accent1"/>
+          </a:effectRef>
+          <a:fontRef idx="minor">
+            <a:schemeClr val="lt1"/>
+          </a:fontRef>
+        </p:style>
+        <p:txBody>
+          <a:bodyPr rtlCol="0" anchor="ctr"/>
+          <a:lstStyle/>
+          <a:p>
+            <a:pPr algn="ctr"/>
+            <a:r>
+              <a:rPr lang="ko-KR" altLang="en-US" dirty="0"/>
+              <a:t>관리자</a:t>
+            </a:r>
+          </a:p>
+        </p:txBody>
+      </p:sp>
+      <p:sp>
+        <p:nvSpPr>
+          <p:cNvPr id="6" name="직사각형 5">
+            <a:extLst>
+              <a:ext uri="{FF2B5EF4-FFF2-40B4-BE49-F238E27FC236}">
+                <a16:creationId xmlns:a16="http://schemas.microsoft.com/office/drawing/2014/main" id="{0D35495E-C86C-4A10-8EA1-D8556AC8A0BF}"/>
+              </a:ext>
+            </a:extLst>
+          </p:cNvPr>
+          <p:cNvSpPr/>
+          <p:nvPr/>
+        </p:nvSpPr>
+        <p:spPr>
+          <a:xfrm>
+            <a:off x="3352800" y="1613208"/>
+            <a:ext cx="2070340" cy="603849"/>
+          </a:xfrm>
+          <a:prstGeom prst="rect">
+            <a:avLst/>
+          </a:prstGeom>
+        </p:spPr>
+        <p:style>
+          <a:lnRef idx="2">
+            <a:schemeClr val="accent1">
+              <a:shade val="50000"/>
+            </a:schemeClr>
+          </a:lnRef>
+          <a:fillRef idx="1">
+            <a:schemeClr val="accent1"/>
+          </a:fillRef>
+          <a:effectRef idx="0">
+            <a:schemeClr val="accent1"/>
+          </a:effectRef>
+          <a:fontRef idx="minor">
+            <a:schemeClr val="lt1"/>
+          </a:fontRef>
+        </p:style>
+        <p:txBody>
+          <a:bodyPr rtlCol="0" anchor="ctr"/>
+          <a:lstStyle/>
+          <a:p>
+            <a:pPr algn="ctr"/>
+            <a:r>
+              <a:rPr lang="ko-KR" altLang="en-US" dirty="0"/>
+              <a:t>사용자</a:t>
+            </a:r>
+          </a:p>
+        </p:txBody>
+      </p:sp>
+      <p:sp>
+        <p:nvSpPr>
+          <p:cNvPr id="8" name="직사각형 7">
+            <a:extLst>
+              <a:ext uri="{FF2B5EF4-FFF2-40B4-BE49-F238E27FC236}">
+                <a16:creationId xmlns:a16="http://schemas.microsoft.com/office/drawing/2014/main" id="{B1B626F8-FD35-47C7-BB11-C296BD64EA68}"/>
+              </a:ext>
+            </a:extLst>
+          </p:cNvPr>
+          <p:cNvSpPr/>
+          <p:nvPr/>
+        </p:nvSpPr>
+        <p:spPr>
+          <a:xfrm>
+            <a:off x="6119004" y="1613208"/>
+            <a:ext cx="2070340" cy="603849"/>
+          </a:xfrm>
+          <a:prstGeom prst="rect">
+            <a:avLst/>
+          </a:prstGeom>
+        </p:spPr>
+        <p:style>
+          <a:lnRef idx="2">
+            <a:schemeClr val="accent1">
+              <a:shade val="50000"/>
+            </a:schemeClr>
+          </a:lnRef>
+          <a:fillRef idx="1">
+            <a:schemeClr val="accent1"/>
+          </a:fillRef>
+          <a:effectRef idx="0">
+            <a:schemeClr val="accent1"/>
+          </a:effectRef>
+          <a:fontRef idx="minor">
+            <a:schemeClr val="lt1"/>
+          </a:fontRef>
+        </p:style>
+        <p:txBody>
+          <a:bodyPr rtlCol="0" anchor="ctr"/>
+          <a:lstStyle/>
+          <a:p>
+            <a:pPr algn="ctr"/>
+            <a:r>
+              <a:rPr lang="ko-KR" altLang="en-US" dirty="0"/>
+              <a:t>관리 물품</a:t>
+            </a:r>
+          </a:p>
+        </p:txBody>
+      </p:sp>
+      <p:sp>
+        <p:nvSpPr>
+          <p:cNvPr id="9" name="직사각형 8">
+            <a:extLst>
+              <a:ext uri="{FF2B5EF4-FFF2-40B4-BE49-F238E27FC236}">
+                <a16:creationId xmlns:a16="http://schemas.microsoft.com/office/drawing/2014/main" id="{9D878B4E-4D24-4ECE-9EC9-4ED9F1407322}"/>
+              </a:ext>
+            </a:extLst>
+          </p:cNvPr>
+          <p:cNvSpPr/>
+          <p:nvPr/>
+        </p:nvSpPr>
+        <p:spPr>
+          <a:xfrm>
+            <a:off x="9057736" y="1613208"/>
+            <a:ext cx="2070340" cy="603849"/>
+          </a:xfrm>
+          <a:prstGeom prst="rect">
+            <a:avLst/>
+          </a:prstGeom>
+        </p:spPr>
+        <p:style>
+          <a:lnRef idx="2">
+            <a:schemeClr val="accent1">
+              <a:shade val="50000"/>
+            </a:schemeClr>
+          </a:lnRef>
+          <a:fillRef idx="1">
+            <a:schemeClr val="accent1"/>
+          </a:fillRef>
+          <a:effectRef idx="0">
+            <a:schemeClr val="accent1"/>
+          </a:effectRef>
+          <a:fontRef idx="minor">
+            <a:schemeClr val="lt1"/>
+          </a:fontRef>
+        </p:style>
+        <p:txBody>
+          <a:bodyPr rtlCol="0" anchor="ctr"/>
+          <a:lstStyle/>
+          <a:p>
+            <a:pPr algn="ctr"/>
+            <a:r>
+              <a:rPr lang="ko-KR" altLang="en-US" dirty="0"/>
+              <a:t>기관</a:t>
+            </a:r>
+          </a:p>
+        </p:txBody>
+      </p:sp>
+      <p:sp>
+        <p:nvSpPr>
+          <p:cNvPr id="15" name="TextBox 14">
+            <a:extLst>
+              <a:ext uri="{FF2B5EF4-FFF2-40B4-BE49-F238E27FC236}">
+                <a16:creationId xmlns:a16="http://schemas.microsoft.com/office/drawing/2014/main" id="{9B1550E5-2791-47AE-9934-8210079B5A45}"/>
+              </a:ext>
+            </a:extLst>
+          </p:cNvPr>
+          <p:cNvSpPr txBox="1"/>
+          <p:nvPr/>
+        </p:nvSpPr>
+        <p:spPr>
+          <a:xfrm>
+            <a:off x="5591680" y="679192"/>
+            <a:ext cx="646331" cy="369332"/>
+          </a:xfrm>
+          <a:prstGeom prst="rect">
+            <a:avLst/>
+          </a:prstGeom>
+          <a:noFill/>
+        </p:spPr>
+        <p:txBody>
+          <a:bodyPr wrap="none" rtlCol="0">
+            <a:spAutoFit/>
+          </a:bodyPr>
+          <a:lstStyle/>
+          <a:p>
+            <a:r>
+              <a:rPr lang="ko-KR" altLang="en-US" b="1"/>
+              <a:t>개체</a:t>
+            </a:r>
+          </a:p>
+        </p:txBody>
+      </p:sp>
+      <p:graphicFrame>
+        <p:nvGraphicFramePr>
+          <p:cNvPr id="3" name="표 3">
+            <a:extLst>
+              <a:ext uri="{FF2B5EF4-FFF2-40B4-BE49-F238E27FC236}">
+                <a16:creationId xmlns:a16="http://schemas.microsoft.com/office/drawing/2014/main" id="{6D0E6656-3EC8-4F29-AE9C-3530E82BA4CA}"/>
+              </a:ext>
+            </a:extLst>
+          </p:cNvPr>
+          <p:cNvGraphicFramePr>
+            <a:graphicFrameLocks noGrp="1"/>
+          </p:cNvGraphicFramePr>
+          <p:nvPr>
+            <p:extLst>
+              <p:ext uri="{D42A27DB-BD31-4B8C-83A1-F6EECF244321}">
+                <p14:modId xmlns:p14="http://schemas.microsoft.com/office/powerpoint/2010/main" val="4053536748"/>
+              </p:ext>
+            </p:extLst>
+          </p:nvPr>
+        </p:nvGraphicFramePr>
+        <p:xfrm>
+          <a:off x="448574" y="2643636"/>
+          <a:ext cx="11222409" cy="2021840"/>
+        </p:xfrm>
+        <a:graphic>
+          <a:graphicData uri="http://schemas.openxmlformats.org/drawingml/2006/table">
+            <a:tbl>
+              <a:tblPr firstRow="1" bandRow="1">
+                <a:tableStyleId>{7E9639D4-E3E2-4D34-9284-5A2195B3D0D7}</a:tableStyleId>
+              </a:tblPr>
+              <a:tblGrid>
+                <a:gridCol w="2458872">
+                  <a:extLst>
+                    <a:ext uri="{9D8B030D-6E8A-4147-A177-3AD203B41FA5}">
+                      <a16:colId xmlns:a16="http://schemas.microsoft.com/office/drawing/2014/main" val="605694967"/>
+                    </a:ext>
+                  </a:extLst>
+                </a:gridCol>
+                <a:gridCol w="8763537">
+                  <a:extLst>
+                    <a:ext uri="{9D8B030D-6E8A-4147-A177-3AD203B41FA5}">
+                      <a16:colId xmlns:a16="http://schemas.microsoft.com/office/drawing/2014/main" val="1232328844"/>
+                    </a:ext>
+                  </a:extLst>
+                </a:gridCol>
+              </a:tblGrid>
+              <a:tr h="370840">
+                <a:tc>
+                  <a:txBody>
+                    <a:bodyPr/>
+                    <a:lstStyle/>
+                    <a:p>
+                      <a:pPr algn="ctr" latinLnBrk="1"/>
+                      <a:r>
+                        <a:rPr lang="ko-KR" altLang="en-US" dirty="0"/>
+                        <a:t>개체</a:t>
+                      </a:r>
+                    </a:p>
+                  </a:txBody>
+                  <a:tcPr/>
+                </a:tc>
+                <a:tc>
+                  <a:txBody>
+                    <a:bodyPr/>
+                    <a:lstStyle/>
+                    <a:p>
+                      <a:pPr algn="ctr" latinLnBrk="1"/>
+                      <a:r>
+                        <a:rPr lang="ko-KR" altLang="en-US" dirty="0"/>
+                        <a:t>속성</a:t>
+                      </a:r>
+                    </a:p>
+                  </a:txBody>
+                  <a:tcPr/>
+                </a:tc>
+                <a:extLst>
+                  <a:ext uri="{0D108BD9-81ED-4DB2-BD59-A6C34878D82A}">
+                    <a16:rowId xmlns:a16="http://schemas.microsoft.com/office/drawing/2014/main" val="2088154018"/>
+                  </a:ext>
+                </a:extLst>
+              </a:tr>
+              <a:tr h="370840">
+                <a:tc>
+                  <a:txBody>
+                    <a:bodyPr/>
+                    <a:lstStyle/>
+                    <a:p>
+                      <a:pPr algn="ctr" latinLnBrk="1"/>
+                      <a:r>
+                        <a:rPr lang="ko-KR" altLang="en-US" b="1" dirty="0"/>
+                        <a:t>이용자</a:t>
+                      </a:r>
+                    </a:p>
+                  </a:txBody>
+                  <a:tcPr/>
+                </a:tc>
+                <a:tc>
+                  <a:txBody>
+                    <a:bodyPr/>
+                    <a:lstStyle/>
+                    <a:p>
+                      <a:pPr algn="l" latinLnBrk="1"/>
+                      <a:r>
+                        <a:rPr lang="ko-KR" altLang="en-US" dirty="0"/>
+                        <a:t>아이디</a:t>
+                      </a:r>
+                      <a:r>
+                        <a:rPr lang="en-US" altLang="ko-KR" dirty="0"/>
+                        <a:t>, </a:t>
+                      </a:r>
+                      <a:r>
+                        <a:rPr lang="ko-KR" altLang="en-US" dirty="0"/>
+                        <a:t>비밀번호</a:t>
+                      </a:r>
+                      <a:r>
+                        <a:rPr lang="en-US" altLang="ko-KR" dirty="0"/>
+                        <a:t>, </a:t>
+                      </a:r>
+                      <a:r>
+                        <a:rPr lang="ko-KR" altLang="en-US" dirty="0"/>
+                        <a:t>이름</a:t>
+                      </a:r>
+                      <a:r>
+                        <a:rPr lang="en-US" altLang="ko-KR" dirty="0"/>
+                        <a:t>, </a:t>
+                      </a:r>
+                      <a:r>
+                        <a:rPr lang="ko-KR" altLang="en-US" dirty="0"/>
+                        <a:t>전화번호</a:t>
+                      </a:r>
+                      <a:r>
+                        <a:rPr lang="en-US" altLang="ko-KR" dirty="0"/>
+                        <a:t>, </a:t>
+                      </a:r>
+                      <a:r>
+                        <a:rPr lang="ko-KR" altLang="en-US" dirty="0"/>
+                        <a:t>약관 동의정보</a:t>
+                      </a:r>
+                      <a:r>
+                        <a:rPr lang="en-US" altLang="ko-KR" dirty="0"/>
+                        <a:t>,</a:t>
+                      </a:r>
+                    </a:p>
+                    <a:p>
+                      <a:pPr algn="l" latinLnBrk="1"/>
+                      <a:r>
+                        <a:rPr lang="ko-KR" altLang="en-US" dirty="0"/>
+                        <a:t>이용자 권한</a:t>
+                      </a:r>
+                      <a:r>
+                        <a:rPr lang="en-US" altLang="ko-KR" dirty="0"/>
+                        <a:t>(</a:t>
+                      </a:r>
+                      <a:r>
+                        <a:rPr lang="ko-KR" altLang="en-US" dirty="0"/>
+                        <a:t>사용자</a:t>
+                      </a:r>
+                      <a:r>
+                        <a:rPr lang="en-US" altLang="ko-KR" dirty="0"/>
+                        <a:t>/</a:t>
+                      </a:r>
+                      <a:r>
+                        <a:rPr lang="ko-KR" altLang="en-US" dirty="0"/>
+                        <a:t>관리자</a:t>
+                      </a:r>
+                      <a:r>
+                        <a:rPr lang="en-US" altLang="ko-KR" dirty="0"/>
+                        <a:t>), </a:t>
+                      </a:r>
+                      <a:r>
+                        <a:rPr lang="ko-KR" altLang="en-US" dirty="0"/>
+                        <a:t>직급 및 부서</a:t>
+                      </a:r>
+                      <a:r>
+                        <a:rPr lang="en-US" altLang="ko-KR" dirty="0"/>
+                        <a:t> </a:t>
+                      </a:r>
+                      <a:endParaRPr lang="ko-KR" altLang="en-US" dirty="0"/>
+                    </a:p>
+                  </a:txBody>
+                  <a:tcPr/>
+                </a:tc>
+                <a:extLst>
+                  <a:ext uri="{0D108BD9-81ED-4DB2-BD59-A6C34878D82A}">
+                    <a16:rowId xmlns:a16="http://schemas.microsoft.com/office/drawing/2014/main" val="3624177872"/>
+                  </a:ext>
+                </a:extLst>
+              </a:tr>
+              <a:tr h="370840">
+                <a:tc>
+                  <a:txBody>
+                    <a:bodyPr/>
+                    <a:lstStyle/>
+                    <a:p>
+                      <a:pPr algn="ctr" latinLnBrk="1"/>
+                      <a:r>
+                        <a:rPr lang="ko-KR" altLang="en-US" b="1" dirty="0"/>
+                        <a:t>관리물품</a:t>
+                      </a:r>
+                    </a:p>
+                  </a:txBody>
+                  <a:tcPr/>
+                </a:tc>
+                <a:tc>
+                  <a:txBody>
+                    <a:bodyPr/>
+                    <a:lstStyle/>
+                    <a:p>
+                      <a:pPr algn="l" latinLnBrk="1"/>
+                      <a:r>
+                        <a:rPr lang="en-US" altLang="ko-KR" dirty="0"/>
+                        <a:t>QR</a:t>
+                      </a:r>
+                      <a:r>
+                        <a:rPr lang="ko-KR" altLang="en-US" dirty="0"/>
+                        <a:t>코드</a:t>
+                      </a:r>
+                      <a:r>
+                        <a:rPr lang="en-US" altLang="ko-KR" dirty="0"/>
+                        <a:t>(</a:t>
+                      </a:r>
+                      <a:r>
+                        <a:rPr lang="ko-KR" altLang="en-US" dirty="0"/>
+                        <a:t>물품코드</a:t>
+                      </a:r>
+                      <a:r>
+                        <a:rPr lang="en-US" altLang="ko-KR" dirty="0"/>
+                        <a:t>+</a:t>
+                      </a:r>
+                      <a:r>
+                        <a:rPr lang="ko-KR" altLang="en-US" dirty="0"/>
+                        <a:t>**기관코드</a:t>
+                      </a:r>
+                      <a:r>
+                        <a:rPr lang="en-US" altLang="ko-KR" dirty="0"/>
+                        <a:t>), </a:t>
+                      </a:r>
+                      <a:r>
+                        <a:rPr lang="ko-KR" altLang="en-US" dirty="0"/>
+                        <a:t>등록일</a:t>
+                      </a:r>
+                      <a:r>
+                        <a:rPr lang="en-US" altLang="ko-KR" dirty="0"/>
+                        <a:t>, </a:t>
+                      </a:r>
+                      <a:r>
+                        <a:rPr lang="ko-KR" altLang="en-US" dirty="0"/>
+                        <a:t>물건이름</a:t>
+                      </a:r>
+                      <a:r>
+                        <a:rPr lang="en-US" altLang="ko-KR" dirty="0"/>
+                        <a:t>, </a:t>
+                      </a:r>
+                      <a:r>
+                        <a:rPr lang="ko-KR" altLang="en-US" dirty="0"/>
+                        <a:t>썸네일</a:t>
+                      </a:r>
+                      <a:r>
+                        <a:rPr lang="en-US" altLang="ko-KR" dirty="0"/>
+                        <a:t>, </a:t>
+                      </a:r>
+                      <a:r>
+                        <a:rPr lang="ko-KR" altLang="en-US" dirty="0"/>
+                        <a:t>세부정보</a:t>
+                      </a:r>
+                      <a:r>
+                        <a:rPr lang="en-US" altLang="ko-KR" dirty="0"/>
+                        <a:t>, </a:t>
+                      </a:r>
+                      <a:r>
+                        <a:rPr lang="ko-KR" altLang="en-US" dirty="0"/>
+                        <a:t>카테고리</a:t>
+                      </a:r>
+                      <a:r>
+                        <a:rPr lang="en-US" altLang="ko-KR" dirty="0"/>
+                        <a:t>, </a:t>
+                      </a:r>
+                      <a:r>
+                        <a:rPr lang="ko-KR" altLang="en-US" dirty="0"/>
+                        <a:t>*대여횟수</a:t>
+                      </a:r>
+                      <a:r>
+                        <a:rPr lang="en-US" altLang="ko-KR" dirty="0"/>
+                        <a:t>, </a:t>
+                      </a:r>
+                      <a:endParaRPr lang="ko-KR" altLang="en-US" dirty="0"/>
+                    </a:p>
+                  </a:txBody>
+                  <a:tcPr/>
+                </a:tc>
+                <a:extLst>
+                  <a:ext uri="{0D108BD9-81ED-4DB2-BD59-A6C34878D82A}">
+                    <a16:rowId xmlns:a16="http://schemas.microsoft.com/office/drawing/2014/main" val="3170263538"/>
+                  </a:ext>
+                </a:extLst>
+              </a:tr>
+              <a:tr h="370840">
+                <a:tc>
+                  <a:txBody>
+                    <a:bodyPr/>
+                    <a:lstStyle/>
+                    <a:p>
+                      <a:pPr algn="ctr" latinLnBrk="1"/>
+                      <a:r>
+                        <a:rPr lang="ko-KR" altLang="en-US" b="1" dirty="0"/>
+                        <a:t>기관</a:t>
+                      </a:r>
+                    </a:p>
+                  </a:txBody>
+                  <a:tcPr/>
+                </a:tc>
+                <a:tc>
+                  <a:txBody>
+                    <a:bodyPr/>
+                    <a:lstStyle/>
+                    <a:p>
+                      <a:pPr algn="l" latinLnBrk="1"/>
+                      <a:r>
+                        <a:rPr lang="ko-KR" altLang="en-US" dirty="0"/>
+                        <a:t>기관명</a:t>
+                      </a:r>
+                      <a:r>
+                        <a:rPr lang="en-US" altLang="ko-KR" dirty="0"/>
+                        <a:t>, </a:t>
+                      </a:r>
+                      <a:r>
+                        <a:rPr lang="ko-KR" altLang="en-US" dirty="0"/>
+                        <a:t>부서명</a:t>
+                      </a:r>
+                      <a:r>
+                        <a:rPr lang="en-US" altLang="ko-KR" dirty="0"/>
+                        <a:t>, </a:t>
+                      </a:r>
+                      <a:r>
+                        <a:rPr lang="ko-KR" altLang="en-US" dirty="0" err="1"/>
+                        <a:t>소개글</a:t>
+                      </a:r>
+                      <a:r>
+                        <a:rPr lang="en-US" altLang="ko-KR" dirty="0"/>
+                        <a:t>, </a:t>
+                      </a:r>
+                      <a:r>
+                        <a:rPr lang="ko-KR" altLang="en-US" dirty="0"/>
+                        <a:t>기관코드</a:t>
+                      </a:r>
+                    </a:p>
+                  </a:txBody>
+                  <a:tcPr/>
+                </a:tc>
+                <a:extLst>
+                  <a:ext uri="{0D108BD9-81ED-4DB2-BD59-A6C34878D82A}">
+                    <a16:rowId xmlns:a16="http://schemas.microsoft.com/office/drawing/2014/main" val="1461988523"/>
+                  </a:ext>
+                </a:extLst>
+              </a:tr>
+            </a:tbl>
+          </a:graphicData>
+        </a:graphic>
+      </p:graphicFrame>
+      <p:sp>
+        <p:nvSpPr>
+          <p:cNvPr id="7" name="TextBox 6">
+            <a:extLst>
+              <a:ext uri="{FF2B5EF4-FFF2-40B4-BE49-F238E27FC236}">
+                <a16:creationId xmlns:a16="http://schemas.microsoft.com/office/drawing/2014/main" id="{A1E32D62-A22B-4F71-8304-BE9D686BBC02}"/>
+              </a:ext>
+            </a:extLst>
+          </p:cNvPr>
+          <p:cNvSpPr txBox="1"/>
+          <p:nvPr/>
+        </p:nvSpPr>
+        <p:spPr>
+          <a:xfrm>
+            <a:off x="2692499" y="1190936"/>
+            <a:ext cx="877163" cy="369332"/>
+          </a:xfrm>
+          <a:prstGeom prst="rect">
+            <a:avLst/>
+          </a:prstGeom>
+          <a:noFill/>
+        </p:spPr>
+        <p:txBody>
+          <a:bodyPr wrap="none" rtlCol="0">
+            <a:spAutoFit/>
+          </a:bodyPr>
+          <a:lstStyle/>
+          <a:p>
+            <a:r>
+              <a:rPr lang="ko-KR" altLang="en-US" b="1" dirty="0"/>
+              <a:t>이용자</a:t>
+            </a:r>
+          </a:p>
+        </p:txBody>
+      </p:sp>
+    </p:spTree>
+    <p:extLst>
+      <p:ext uri="{BB962C8B-B14F-4D97-AF65-F5344CB8AC3E}">
+        <p14:creationId xmlns:p14="http://schemas.microsoft.com/office/powerpoint/2010/main" val="1669643652"/>
+      </p:ext>
+    </p:extLst>
+  </p:cSld>
+  <p:clrMapOvr>
+    <a:masterClrMapping/>
+  </p:clrMapOvr>
+</p:sld>
+</file>
+
+<file path=ppt/slides/slide5.xml><?xml version="1.0" encoding="utf-8"?>
+<p:sld xmlns:a="http://schemas.openxmlformats.org/drawingml/2006/main" xmlns:r="http://schemas.openxmlformats.org/officeDocument/2006/relationships" xmlns:p="http://schemas.openxmlformats.org/presentationml/2006/main">
+  <p:cSld>
+    <p:spTree>
+      <p:nvGrpSpPr>
+        <p:cNvPr id="1" name=""/>
+        <p:cNvGrpSpPr/>
+        <p:nvPr/>
+      </p:nvGrpSpPr>
+      <p:grpSpPr>
+        <a:xfrm>
+          <a:off x="0" y="0"/>
+          <a:ext cx="0" cy="0"/>
+          <a:chOff x="0" y="0"/>
+          <a:chExt cx="0" cy="0"/>
+        </a:xfrm>
+      </p:grpSpPr>
+      <p:sp>
+        <p:nvSpPr>
           <p:cNvPr id="7" name="TextBox 6">
             <a:extLst>
               <a:ext uri="{FF2B5EF4-FFF2-40B4-BE49-F238E27FC236}">

--- a/캡스톤디자인/DB구상.pptx
+++ b/캡스톤디자인/DB구상.pptx
@@ -10,6 +10,9 @@
     <p:sldId id="260" r:id="rId4"/>
     <p:sldId id="261" r:id="rId5"/>
     <p:sldId id="259" r:id="rId6"/>
+    <p:sldId id="263" r:id="rId7"/>
+    <p:sldId id="264" r:id="rId8"/>
+    <p:sldId id="265" r:id="rId9"/>
   </p:sldIdLst>
   <p:sldSz cx="12192000" cy="6858000"/>
   <p:notesSz cx="6858000" cy="9144000"/>
@@ -263,7 +266,7 @@
           <a:p>
             <a:fld id="{0D57721B-373F-4F81-AA53-B87291A6C800}" type="datetimeFigureOut">
               <a:rPr lang="ko-KR" altLang="en-US" smtClean="0"/>
-              <a:t>2022-04-08</a:t>
+              <a:t>2022-04-11</a:t>
             </a:fld>
             <a:endParaRPr lang="ko-KR" altLang="en-US"/>
           </a:p>
@@ -461,7 +464,7 @@
           <a:p>
             <a:fld id="{0D57721B-373F-4F81-AA53-B87291A6C800}" type="datetimeFigureOut">
               <a:rPr lang="ko-KR" altLang="en-US" smtClean="0"/>
-              <a:t>2022-04-08</a:t>
+              <a:t>2022-04-11</a:t>
             </a:fld>
             <a:endParaRPr lang="ko-KR" altLang="en-US"/>
           </a:p>
@@ -669,7 +672,7 @@
           <a:p>
             <a:fld id="{0D57721B-373F-4F81-AA53-B87291A6C800}" type="datetimeFigureOut">
               <a:rPr lang="ko-KR" altLang="en-US" smtClean="0"/>
-              <a:t>2022-04-08</a:t>
+              <a:t>2022-04-11</a:t>
             </a:fld>
             <a:endParaRPr lang="ko-KR" altLang="en-US"/>
           </a:p>
@@ -867,7 +870,7 @@
           <a:p>
             <a:fld id="{0D57721B-373F-4F81-AA53-B87291A6C800}" type="datetimeFigureOut">
               <a:rPr lang="ko-KR" altLang="en-US" smtClean="0"/>
-              <a:t>2022-04-08</a:t>
+              <a:t>2022-04-11</a:t>
             </a:fld>
             <a:endParaRPr lang="ko-KR" altLang="en-US"/>
           </a:p>
@@ -1142,7 +1145,7 @@
           <a:p>
             <a:fld id="{0D57721B-373F-4F81-AA53-B87291A6C800}" type="datetimeFigureOut">
               <a:rPr lang="ko-KR" altLang="en-US" smtClean="0"/>
-              <a:t>2022-04-08</a:t>
+              <a:t>2022-04-11</a:t>
             </a:fld>
             <a:endParaRPr lang="ko-KR" altLang="en-US"/>
           </a:p>
@@ -1407,7 +1410,7 @@
           <a:p>
             <a:fld id="{0D57721B-373F-4F81-AA53-B87291A6C800}" type="datetimeFigureOut">
               <a:rPr lang="ko-KR" altLang="en-US" smtClean="0"/>
-              <a:t>2022-04-08</a:t>
+              <a:t>2022-04-11</a:t>
             </a:fld>
             <a:endParaRPr lang="ko-KR" altLang="en-US"/>
           </a:p>
@@ -1819,7 +1822,7 @@
           <a:p>
             <a:fld id="{0D57721B-373F-4F81-AA53-B87291A6C800}" type="datetimeFigureOut">
               <a:rPr lang="ko-KR" altLang="en-US" smtClean="0"/>
-              <a:t>2022-04-08</a:t>
+              <a:t>2022-04-11</a:t>
             </a:fld>
             <a:endParaRPr lang="ko-KR" altLang="en-US"/>
           </a:p>
@@ -1960,7 +1963,7 @@
           <a:p>
             <a:fld id="{0D57721B-373F-4F81-AA53-B87291A6C800}" type="datetimeFigureOut">
               <a:rPr lang="ko-KR" altLang="en-US" smtClean="0"/>
-              <a:t>2022-04-08</a:t>
+              <a:t>2022-04-11</a:t>
             </a:fld>
             <a:endParaRPr lang="ko-KR" altLang="en-US"/>
           </a:p>
@@ -2073,7 +2076,7 @@
           <a:p>
             <a:fld id="{0D57721B-373F-4F81-AA53-B87291A6C800}" type="datetimeFigureOut">
               <a:rPr lang="ko-KR" altLang="en-US" smtClean="0"/>
-              <a:t>2022-04-08</a:t>
+              <a:t>2022-04-11</a:t>
             </a:fld>
             <a:endParaRPr lang="ko-KR" altLang="en-US"/>
           </a:p>
@@ -2384,7 +2387,7 @@
           <a:p>
             <a:fld id="{0D57721B-373F-4F81-AA53-B87291A6C800}" type="datetimeFigureOut">
               <a:rPr lang="ko-KR" altLang="en-US" smtClean="0"/>
-              <a:t>2022-04-08</a:t>
+              <a:t>2022-04-11</a:t>
             </a:fld>
             <a:endParaRPr lang="ko-KR" altLang="en-US"/>
           </a:p>
@@ -2672,7 +2675,7 @@
           <a:p>
             <a:fld id="{0D57721B-373F-4F81-AA53-B87291A6C800}" type="datetimeFigureOut">
               <a:rPr lang="ko-KR" altLang="en-US" smtClean="0"/>
-              <a:t>2022-04-08</a:t>
+              <a:t>2022-04-11</a:t>
             </a:fld>
             <a:endParaRPr lang="ko-KR" altLang="en-US"/>
           </a:p>
@@ -2913,7 +2916,7 @@
           <a:p>
             <a:fld id="{0D57721B-373F-4F81-AA53-B87291A6C800}" type="datetimeFigureOut">
               <a:rPr lang="ko-KR" altLang="en-US" smtClean="0"/>
-              <a:t>2022-04-08</a:t>
+              <a:t>2022-04-11</a:t>
             </a:fld>
             <a:endParaRPr lang="ko-KR" altLang="en-US"/>
           </a:p>
@@ -5673,14 +5676,14 @@
           <p:nvPr>
             <p:extLst>
               <p:ext uri="{D42A27DB-BD31-4B8C-83A1-F6EECF244321}">
-                <p14:modId xmlns:p14="http://schemas.microsoft.com/office/powerpoint/2010/main" val="4053536748"/>
+                <p14:modId xmlns:p14="http://schemas.microsoft.com/office/powerpoint/2010/main" val="3798418110"/>
               </p:ext>
             </p:extLst>
           </p:nvPr>
         </p:nvGraphicFramePr>
         <p:xfrm>
           <a:off x="448574" y="2643636"/>
-          <a:ext cx="11222409" cy="2021840"/>
+          <a:ext cx="11222409" cy="1483360"/>
         </p:xfrm>
         <a:graphic>
           <a:graphicData uri="http://schemas.openxmlformats.org/drawingml/2006/table">
@@ -5800,41 +5803,6 @@
                         <a:rPr lang="en-US" altLang="ko-KR" dirty="0"/>
                         <a:t>,</a:t>
                       </a:r>
-                    </a:p>
-                    <a:p>
-                      <a:pPr algn="l" latinLnBrk="1"/>
-                      <a:r>
-                        <a:rPr lang="ko-KR" altLang="en-US" dirty="0"/>
-                        <a:t>이용자 권한</a:t>
-                      </a:r>
-                      <a:r>
-                        <a:rPr lang="en-US" altLang="ko-KR" dirty="0"/>
-                        <a:t>(</a:t>
-                      </a:r>
-                      <a:r>
-                        <a:rPr lang="ko-KR" altLang="en-US" dirty="0"/>
-                        <a:t>사용자</a:t>
-                      </a:r>
-                      <a:r>
-                        <a:rPr lang="en-US" altLang="ko-KR" dirty="0"/>
-                        <a:t>/</a:t>
-                      </a:r>
-                      <a:r>
-                        <a:rPr lang="ko-KR" altLang="en-US" dirty="0"/>
-                        <a:t>관리자</a:t>
-                      </a:r>
-                      <a:r>
-                        <a:rPr lang="en-US" altLang="ko-KR" dirty="0"/>
-                        <a:t>), </a:t>
-                      </a:r>
-                      <a:r>
-                        <a:rPr lang="ko-KR" altLang="en-US" dirty="0"/>
-                        <a:t>직급 및 부서</a:t>
-                      </a:r>
-                      <a:r>
-                        <a:rPr lang="en-US" altLang="ko-KR" dirty="0"/>
-                        <a:t> </a:t>
-                      </a:r>
                       <a:endParaRPr lang="ko-KR" altLang="en-US" dirty="0"/>
                     </a:p>
                   </a:txBody>
@@ -5868,32 +5836,20 @@
                     <a:p>
                       <a:pPr algn="l" latinLnBrk="1"/>
                       <a:r>
-                        <a:rPr lang="en-US" altLang="ko-KR" dirty="0"/>
-                        <a:t>QR</a:t>
-                      </a:r>
-                      <a:r>
-                        <a:rPr lang="ko-KR" altLang="en-US" dirty="0"/>
-                        <a:t>코드</a:t>
-                      </a:r>
-                      <a:r>
-                        <a:rPr lang="en-US" altLang="ko-KR" dirty="0"/>
-                        <a:t>(</a:t>
-                      </a:r>
-                      <a:r>
                         <a:rPr lang="ko-KR" altLang="en-US" dirty="0"/>
                         <a:t>물품코드</a:t>
                       </a:r>
                       <a:r>
                         <a:rPr lang="en-US" altLang="ko-KR" dirty="0"/>
-                        <a:t>+</a:t>
+                        <a:t>, </a:t>
                       </a:r>
                       <a:r>
                         <a:rPr lang="ko-KR" altLang="en-US" dirty="0"/>
-                        <a:t>**기관코드</a:t>
+                        <a:t>기관코드</a:t>
                       </a:r>
                       <a:r>
                         <a:rPr lang="en-US" altLang="ko-KR" dirty="0"/>
-                        <a:t>), </a:t>
+                        <a:t>, </a:t>
                       </a:r>
                       <a:r>
                         <a:rPr lang="ko-KR" altLang="en-US" dirty="0"/>
@@ -5931,19 +5887,6 @@
                         <a:rPr lang="ko-KR" altLang="en-US" dirty="0"/>
                         <a:t>카테고리</a:t>
                       </a:r>
-                      <a:r>
-                        <a:rPr lang="en-US" altLang="ko-KR" dirty="0"/>
-                        <a:t>, </a:t>
-                      </a:r>
-                      <a:r>
-                        <a:rPr lang="ko-KR" altLang="en-US" dirty="0"/>
-                        <a:t>*대여횟수</a:t>
-                      </a:r>
-                      <a:r>
-                        <a:rPr lang="en-US" altLang="ko-KR" dirty="0"/>
-                        <a:t>, </a:t>
-                      </a:r>
-                      <a:endParaRPr lang="ko-KR" altLang="en-US" dirty="0"/>
                     </a:p>
                   </a:txBody>
                   <a:tcPr/>
@@ -5978,14 +5921,6 @@
                       <a:r>
                         <a:rPr lang="ko-KR" altLang="en-US" dirty="0"/>
                         <a:t>기관명</a:t>
-                      </a:r>
-                      <a:r>
-                        <a:rPr lang="en-US" altLang="ko-KR" dirty="0"/>
-                        <a:t>, </a:t>
-                      </a:r>
-                      <a:r>
-                        <a:rPr lang="ko-KR" altLang="en-US" dirty="0"/>
-                        <a:t>부서명</a:t>
                       </a:r>
                       <a:r>
                         <a:rPr lang="en-US" altLang="ko-KR" dirty="0"/>
@@ -6225,6 +6160,5536 @@
     <p:extLst>
       <p:ext uri="{BB962C8B-B14F-4D97-AF65-F5344CB8AC3E}">
         <p14:creationId xmlns:p14="http://schemas.microsoft.com/office/powerpoint/2010/main" val="2353044891"/>
+      </p:ext>
+    </p:extLst>
+  </p:cSld>
+  <p:clrMapOvr>
+    <a:masterClrMapping/>
+  </p:clrMapOvr>
+</p:sld>
+</file>
+
+<file path=ppt/slides/slide6.xml><?xml version="1.0" encoding="utf-8"?>
+<p:sld xmlns:a="http://schemas.openxmlformats.org/drawingml/2006/main" xmlns:r="http://schemas.openxmlformats.org/officeDocument/2006/relationships" xmlns:p="http://schemas.openxmlformats.org/presentationml/2006/main">
+  <p:cSld>
+    <p:spTree>
+      <p:nvGrpSpPr>
+        <p:cNvPr id="1" name=""/>
+        <p:cNvGrpSpPr/>
+        <p:nvPr/>
+      </p:nvGrpSpPr>
+      <p:grpSpPr>
+        <a:xfrm>
+          <a:off x="0" y="0"/>
+          <a:ext cx="0" cy="0"/>
+          <a:chOff x="0" y="0"/>
+          <a:chExt cx="0" cy="0"/>
+        </a:xfrm>
+      </p:grpSpPr>
+      <p:grpSp>
+        <p:nvGrpSpPr>
+          <p:cNvPr id="33" name="그룹 32">
+            <a:extLst>
+              <a:ext uri="{FF2B5EF4-FFF2-40B4-BE49-F238E27FC236}">
+                <a16:creationId xmlns:a16="http://schemas.microsoft.com/office/drawing/2014/main" id="{34C75CCA-555A-4313-99FF-0C8C49B9F9F9}"/>
+              </a:ext>
+            </a:extLst>
+          </p:cNvPr>
+          <p:cNvGrpSpPr/>
+          <p:nvPr/>
+        </p:nvGrpSpPr>
+        <p:grpSpPr>
+          <a:xfrm>
+            <a:off x="1161535" y="989426"/>
+            <a:ext cx="10107825" cy="3427298"/>
+            <a:chOff x="1161535" y="2502244"/>
+            <a:chExt cx="10107825" cy="3427298"/>
+          </a:xfrm>
+        </p:grpSpPr>
+        <p:sp>
+          <p:nvSpPr>
+            <p:cNvPr id="4" name="다이아몬드 3">
+              <a:extLst>
+                <a:ext uri="{FF2B5EF4-FFF2-40B4-BE49-F238E27FC236}">
+                  <a16:creationId xmlns:a16="http://schemas.microsoft.com/office/drawing/2014/main" id="{923F19B7-88BB-4694-B38E-6B2A8B638877}"/>
+                </a:ext>
+              </a:extLst>
+            </p:cNvPr>
+            <p:cNvSpPr/>
+            <p:nvPr/>
+          </p:nvSpPr>
+          <p:spPr>
+            <a:xfrm>
+              <a:off x="4720280" y="2502244"/>
+              <a:ext cx="2990335" cy="926756"/>
+            </a:xfrm>
+            <a:prstGeom prst="diamond">
+              <a:avLst/>
+            </a:prstGeom>
+            <a:solidFill>
+              <a:schemeClr val="accent4">
+                <a:lumMod val="40000"/>
+                <a:lumOff val="60000"/>
+              </a:schemeClr>
+            </a:solidFill>
+            <a:ln>
+              <a:solidFill>
+                <a:schemeClr val="bg2">
+                  <a:lumMod val="10000"/>
+                </a:schemeClr>
+              </a:solidFill>
+            </a:ln>
+          </p:spPr>
+          <p:style>
+            <a:lnRef idx="2">
+              <a:schemeClr val="accent1">
+                <a:shade val="50000"/>
+              </a:schemeClr>
+            </a:lnRef>
+            <a:fillRef idx="1">
+              <a:schemeClr val="accent1"/>
+            </a:fillRef>
+            <a:effectRef idx="0">
+              <a:schemeClr val="accent1"/>
+            </a:effectRef>
+            <a:fontRef idx="minor">
+              <a:schemeClr val="lt1"/>
+            </a:fontRef>
+          </p:style>
+          <p:txBody>
+            <a:bodyPr rtlCol="0" anchor="ctr"/>
+            <a:lstStyle/>
+            <a:p>
+              <a:pPr algn="ctr"/>
+              <a:r>
+                <a:rPr lang="ko-KR" altLang="en-US" b="1" dirty="0">
+                  <a:solidFill>
+                    <a:schemeClr val="tx1">
+                      <a:lumMod val="95000"/>
+                      <a:lumOff val="5000"/>
+                    </a:schemeClr>
+                  </a:solidFill>
+                </a:rPr>
+                <a:t>매칭</a:t>
+              </a:r>
+              <a:endParaRPr lang="en-US" altLang="ko-KR" b="1" dirty="0">
+                <a:solidFill>
+                  <a:schemeClr val="tx1">
+                    <a:lumMod val="95000"/>
+                    <a:lumOff val="5000"/>
+                  </a:schemeClr>
+                </a:solidFill>
+              </a:endParaRPr>
+            </a:p>
+            <a:p>
+              <a:pPr algn="ctr"/>
+              <a:r>
+                <a:rPr lang="ko-KR" altLang="en-US" sz="1400" b="1" dirty="0">
+                  <a:solidFill>
+                    <a:schemeClr val="tx1">
+                      <a:lumMod val="95000"/>
+                      <a:lumOff val="5000"/>
+                    </a:schemeClr>
+                  </a:solidFill>
+                </a:rPr>
+                <a:t>릴레이션</a:t>
+              </a:r>
+            </a:p>
+          </p:txBody>
+        </p:sp>
+        <p:sp>
+          <p:nvSpPr>
+            <p:cNvPr id="5" name="직사각형 4">
+              <a:extLst>
+                <a:ext uri="{FF2B5EF4-FFF2-40B4-BE49-F238E27FC236}">
+                  <a16:creationId xmlns:a16="http://schemas.microsoft.com/office/drawing/2014/main" id="{C690AA2D-6C48-4671-A163-B017C3B671DD}"/>
+                </a:ext>
+              </a:extLst>
+            </p:cNvPr>
+            <p:cNvSpPr/>
+            <p:nvPr/>
+          </p:nvSpPr>
+          <p:spPr>
+            <a:xfrm>
+              <a:off x="1161535" y="2502244"/>
+              <a:ext cx="2446638" cy="926756"/>
+            </a:xfrm>
+            <a:prstGeom prst="rect">
+              <a:avLst/>
+            </a:prstGeom>
+            <a:solidFill>
+              <a:schemeClr val="accent1">
+                <a:lumMod val="40000"/>
+                <a:lumOff val="60000"/>
+              </a:schemeClr>
+            </a:solidFill>
+            <a:ln>
+              <a:solidFill>
+                <a:schemeClr val="tx1">
+                  <a:lumMod val="95000"/>
+                  <a:lumOff val="5000"/>
+                </a:schemeClr>
+              </a:solidFill>
+            </a:ln>
+          </p:spPr>
+          <p:style>
+            <a:lnRef idx="2">
+              <a:schemeClr val="accent1">
+                <a:shade val="50000"/>
+              </a:schemeClr>
+            </a:lnRef>
+            <a:fillRef idx="1">
+              <a:schemeClr val="accent1"/>
+            </a:fillRef>
+            <a:effectRef idx="0">
+              <a:schemeClr val="accent1"/>
+            </a:effectRef>
+            <a:fontRef idx="minor">
+              <a:schemeClr val="lt1"/>
+            </a:fontRef>
+          </p:style>
+          <p:txBody>
+            <a:bodyPr rtlCol="0" anchor="ctr"/>
+            <a:lstStyle/>
+            <a:p>
+              <a:pPr algn="ctr"/>
+              <a:r>
+                <a:rPr lang="ko-KR" altLang="en-US" b="1" dirty="0">
+                  <a:solidFill>
+                    <a:schemeClr val="tx1">
+                      <a:lumMod val="95000"/>
+                      <a:lumOff val="5000"/>
+                    </a:schemeClr>
+                  </a:solidFill>
+                </a:rPr>
+                <a:t>이용자</a:t>
+              </a:r>
+            </a:p>
+          </p:txBody>
+        </p:sp>
+        <p:sp>
+          <p:nvSpPr>
+            <p:cNvPr id="6" name="직사각형 5">
+              <a:extLst>
+                <a:ext uri="{FF2B5EF4-FFF2-40B4-BE49-F238E27FC236}">
+                  <a16:creationId xmlns:a16="http://schemas.microsoft.com/office/drawing/2014/main" id="{4FEB578B-60A0-4369-8C6B-A7DCBE096DAD}"/>
+                </a:ext>
+              </a:extLst>
+            </p:cNvPr>
+            <p:cNvSpPr/>
+            <p:nvPr/>
+          </p:nvSpPr>
+          <p:spPr>
+            <a:xfrm>
+              <a:off x="8822722" y="2502244"/>
+              <a:ext cx="2446638" cy="926756"/>
+            </a:xfrm>
+            <a:prstGeom prst="rect">
+              <a:avLst/>
+            </a:prstGeom>
+            <a:solidFill>
+              <a:schemeClr val="accent1">
+                <a:lumMod val="40000"/>
+                <a:lumOff val="60000"/>
+              </a:schemeClr>
+            </a:solidFill>
+            <a:ln>
+              <a:solidFill>
+                <a:schemeClr val="tx1">
+                  <a:lumMod val="95000"/>
+                  <a:lumOff val="5000"/>
+                </a:schemeClr>
+              </a:solidFill>
+            </a:ln>
+          </p:spPr>
+          <p:style>
+            <a:lnRef idx="2">
+              <a:schemeClr val="accent1">
+                <a:shade val="50000"/>
+              </a:schemeClr>
+            </a:lnRef>
+            <a:fillRef idx="1">
+              <a:schemeClr val="accent1"/>
+            </a:fillRef>
+            <a:effectRef idx="0">
+              <a:schemeClr val="accent1"/>
+            </a:effectRef>
+            <a:fontRef idx="minor">
+              <a:schemeClr val="lt1"/>
+            </a:fontRef>
+          </p:style>
+          <p:txBody>
+            <a:bodyPr rtlCol="0" anchor="ctr"/>
+            <a:lstStyle/>
+            <a:p>
+              <a:pPr algn="ctr"/>
+              <a:r>
+                <a:rPr lang="ko-KR" altLang="en-US" b="1" dirty="0">
+                  <a:solidFill>
+                    <a:schemeClr val="tx1">
+                      <a:lumMod val="95000"/>
+                      <a:lumOff val="5000"/>
+                    </a:schemeClr>
+                  </a:solidFill>
+                </a:rPr>
+                <a:t>기관</a:t>
+              </a:r>
+            </a:p>
+          </p:txBody>
+        </p:sp>
+        <p:sp>
+          <p:nvSpPr>
+            <p:cNvPr id="8" name="타원 7">
+              <a:extLst>
+                <a:ext uri="{FF2B5EF4-FFF2-40B4-BE49-F238E27FC236}">
+                  <a16:creationId xmlns:a16="http://schemas.microsoft.com/office/drawing/2014/main" id="{CF0D123B-D7D0-414C-A2AF-680436128C83}"/>
+                </a:ext>
+              </a:extLst>
+            </p:cNvPr>
+            <p:cNvSpPr/>
+            <p:nvPr/>
+          </p:nvSpPr>
+          <p:spPr>
+            <a:xfrm>
+              <a:off x="1421027" y="4447582"/>
+              <a:ext cx="2323070" cy="926756"/>
+            </a:xfrm>
+            <a:prstGeom prst="ellipse">
+              <a:avLst/>
+            </a:prstGeom>
+            <a:solidFill>
+              <a:schemeClr val="accent6">
+                <a:lumMod val="60000"/>
+                <a:lumOff val="40000"/>
+              </a:schemeClr>
+            </a:solidFill>
+            <a:ln>
+              <a:solidFill>
+                <a:schemeClr val="tx1">
+                  <a:lumMod val="95000"/>
+                  <a:lumOff val="5000"/>
+                </a:schemeClr>
+              </a:solidFill>
+            </a:ln>
+          </p:spPr>
+          <p:style>
+            <a:lnRef idx="2">
+              <a:schemeClr val="accent1">
+                <a:shade val="50000"/>
+              </a:schemeClr>
+            </a:lnRef>
+            <a:fillRef idx="1">
+              <a:schemeClr val="accent1"/>
+            </a:fillRef>
+            <a:effectRef idx="0">
+              <a:schemeClr val="accent1"/>
+            </a:effectRef>
+            <a:fontRef idx="minor">
+              <a:schemeClr val="lt1"/>
+            </a:fontRef>
+          </p:style>
+          <p:txBody>
+            <a:bodyPr rtlCol="0" anchor="ctr"/>
+            <a:lstStyle/>
+            <a:p>
+              <a:pPr algn="ctr"/>
+              <a:endParaRPr lang="ko-KR" altLang="en-US">
+                <a:solidFill>
+                  <a:schemeClr val="tx1">
+                    <a:lumMod val="95000"/>
+                    <a:lumOff val="5000"/>
+                  </a:schemeClr>
+                </a:solidFill>
+              </a:endParaRPr>
+            </a:p>
+          </p:txBody>
+        </p:sp>
+        <p:sp>
+          <p:nvSpPr>
+            <p:cNvPr id="9" name="TextBox 8">
+              <a:extLst>
+                <a:ext uri="{FF2B5EF4-FFF2-40B4-BE49-F238E27FC236}">
+                  <a16:creationId xmlns:a16="http://schemas.microsoft.com/office/drawing/2014/main" id="{152D5636-0012-48EC-822B-5B0D2EB8B484}"/>
+                </a:ext>
+              </a:extLst>
+            </p:cNvPr>
+            <p:cNvSpPr txBox="1"/>
+            <p:nvPr/>
+          </p:nvSpPr>
+          <p:spPr>
+            <a:xfrm>
+              <a:off x="1161535" y="4726294"/>
+              <a:ext cx="2842054" cy="369332"/>
+            </a:xfrm>
+            <a:prstGeom prst="rect">
+              <a:avLst/>
+            </a:prstGeom>
+            <a:noFill/>
+          </p:spPr>
+          <p:txBody>
+            <a:bodyPr wrap="square" rtlCol="0">
+              <a:spAutoFit/>
+            </a:bodyPr>
+            <a:lstStyle/>
+            <a:p>
+              <a:pPr algn="ctr"/>
+              <a:r>
+                <a:rPr lang="ko-KR" altLang="en-US" b="1" u="sng" dirty="0"/>
+                <a:t>아이디</a:t>
+              </a:r>
+            </a:p>
+          </p:txBody>
+        </p:sp>
+        <p:cxnSp>
+          <p:nvCxnSpPr>
+            <p:cNvPr id="11" name="직선 연결선 10">
+              <a:extLst>
+                <a:ext uri="{FF2B5EF4-FFF2-40B4-BE49-F238E27FC236}">
+                  <a16:creationId xmlns:a16="http://schemas.microsoft.com/office/drawing/2014/main" id="{581A6D25-F1D4-477D-965A-66966817953C}"/>
+                </a:ext>
+              </a:extLst>
+            </p:cNvPr>
+            <p:cNvCxnSpPr>
+              <a:stCxn id="5" idx="3"/>
+              <a:endCxn id="4" idx="1"/>
+            </p:cNvCxnSpPr>
+            <p:nvPr/>
+          </p:nvCxnSpPr>
+          <p:spPr>
+            <a:xfrm>
+              <a:off x="3608173" y="2965622"/>
+              <a:ext cx="1112107" cy="0"/>
+            </a:xfrm>
+            <a:prstGeom prst="line">
+              <a:avLst/>
+            </a:prstGeom>
+            <a:ln w="38100">
+              <a:solidFill>
+                <a:schemeClr val="tx1"/>
+              </a:solidFill>
+            </a:ln>
+          </p:spPr>
+          <p:style>
+            <a:lnRef idx="1">
+              <a:schemeClr val="accent1"/>
+            </a:lnRef>
+            <a:fillRef idx="0">
+              <a:schemeClr val="accent1"/>
+            </a:fillRef>
+            <a:effectRef idx="0">
+              <a:schemeClr val="accent1"/>
+            </a:effectRef>
+            <a:fontRef idx="minor">
+              <a:schemeClr val="tx1"/>
+            </a:fontRef>
+          </p:style>
+        </p:cxnSp>
+        <p:cxnSp>
+          <p:nvCxnSpPr>
+            <p:cNvPr id="12" name="직선 연결선 11">
+              <a:extLst>
+                <a:ext uri="{FF2B5EF4-FFF2-40B4-BE49-F238E27FC236}">
+                  <a16:creationId xmlns:a16="http://schemas.microsoft.com/office/drawing/2014/main" id="{409B6CA8-D712-4F76-B216-3B7B60A0DA92}"/>
+                </a:ext>
+              </a:extLst>
+            </p:cNvPr>
+            <p:cNvCxnSpPr>
+              <a:cxnSpLocks/>
+              <a:stCxn id="4" idx="3"/>
+              <a:endCxn id="6" idx="1"/>
+            </p:cNvCxnSpPr>
+            <p:nvPr/>
+          </p:nvCxnSpPr>
+          <p:spPr>
+            <a:xfrm>
+              <a:off x="7710615" y="2965622"/>
+              <a:ext cx="1112107" cy="0"/>
+            </a:xfrm>
+            <a:prstGeom prst="line">
+              <a:avLst/>
+            </a:prstGeom>
+            <a:ln w="38100">
+              <a:solidFill>
+                <a:schemeClr val="tx1"/>
+              </a:solidFill>
+            </a:ln>
+          </p:spPr>
+          <p:style>
+            <a:lnRef idx="1">
+              <a:schemeClr val="accent1"/>
+            </a:lnRef>
+            <a:fillRef idx="0">
+              <a:schemeClr val="accent1"/>
+            </a:fillRef>
+            <a:effectRef idx="0">
+              <a:schemeClr val="accent1"/>
+            </a:effectRef>
+            <a:fontRef idx="minor">
+              <a:schemeClr val="tx1"/>
+            </a:fontRef>
+          </p:style>
+        </p:cxnSp>
+        <p:cxnSp>
+          <p:nvCxnSpPr>
+            <p:cNvPr id="15" name="직선 연결선 14">
+              <a:extLst>
+                <a:ext uri="{FF2B5EF4-FFF2-40B4-BE49-F238E27FC236}">
+                  <a16:creationId xmlns:a16="http://schemas.microsoft.com/office/drawing/2014/main" id="{E292E08A-9C07-4DFE-B647-4B1429978A6E}"/>
+                </a:ext>
+              </a:extLst>
+            </p:cNvPr>
+            <p:cNvCxnSpPr>
+              <a:cxnSpLocks/>
+              <a:stCxn id="4" idx="2"/>
+              <a:endCxn id="8" idx="0"/>
+            </p:cNvCxnSpPr>
+            <p:nvPr/>
+          </p:nvCxnSpPr>
+          <p:spPr>
+            <a:xfrm flipH="1">
+              <a:off x="2582562" y="3429000"/>
+              <a:ext cx="3632886" cy="1018582"/>
+            </a:xfrm>
+            <a:prstGeom prst="line">
+              <a:avLst/>
+            </a:prstGeom>
+            <a:ln w="38100">
+              <a:solidFill>
+                <a:schemeClr val="tx1"/>
+              </a:solidFill>
+            </a:ln>
+          </p:spPr>
+          <p:style>
+            <a:lnRef idx="1">
+              <a:schemeClr val="accent1"/>
+            </a:lnRef>
+            <a:fillRef idx="0">
+              <a:schemeClr val="accent1"/>
+            </a:fillRef>
+            <a:effectRef idx="0">
+              <a:schemeClr val="accent1"/>
+            </a:effectRef>
+            <a:fontRef idx="minor">
+              <a:schemeClr val="tx1"/>
+            </a:fontRef>
+          </p:style>
+        </p:cxnSp>
+        <p:sp>
+          <p:nvSpPr>
+            <p:cNvPr id="14" name="타원 13">
+              <a:extLst>
+                <a:ext uri="{FF2B5EF4-FFF2-40B4-BE49-F238E27FC236}">
+                  <a16:creationId xmlns:a16="http://schemas.microsoft.com/office/drawing/2014/main" id="{CA04C02D-F156-4E46-A3E7-F14D6FF3BE0B}"/>
+                </a:ext>
+              </a:extLst>
+            </p:cNvPr>
+            <p:cNvSpPr/>
+            <p:nvPr/>
+          </p:nvSpPr>
+          <p:spPr>
+            <a:xfrm>
+              <a:off x="3744097" y="4447582"/>
+              <a:ext cx="2323070" cy="926756"/>
+            </a:xfrm>
+            <a:prstGeom prst="ellipse">
+              <a:avLst/>
+            </a:prstGeom>
+            <a:solidFill>
+              <a:schemeClr val="accent6">
+                <a:lumMod val="60000"/>
+                <a:lumOff val="40000"/>
+              </a:schemeClr>
+            </a:solidFill>
+            <a:ln>
+              <a:solidFill>
+                <a:schemeClr val="tx1">
+                  <a:lumMod val="95000"/>
+                  <a:lumOff val="5000"/>
+                </a:schemeClr>
+              </a:solidFill>
+            </a:ln>
+          </p:spPr>
+          <p:style>
+            <a:lnRef idx="2">
+              <a:schemeClr val="accent1">
+                <a:shade val="50000"/>
+              </a:schemeClr>
+            </a:lnRef>
+            <a:fillRef idx="1">
+              <a:schemeClr val="accent1"/>
+            </a:fillRef>
+            <a:effectRef idx="0">
+              <a:schemeClr val="accent1"/>
+            </a:effectRef>
+            <a:fontRef idx="minor">
+              <a:schemeClr val="lt1"/>
+            </a:fontRef>
+          </p:style>
+          <p:txBody>
+            <a:bodyPr rtlCol="0" anchor="ctr"/>
+            <a:lstStyle/>
+            <a:p>
+              <a:pPr algn="ctr"/>
+              <a:endParaRPr lang="ko-KR" altLang="en-US">
+                <a:solidFill>
+                  <a:schemeClr val="tx1">
+                    <a:lumMod val="95000"/>
+                    <a:lumOff val="5000"/>
+                  </a:schemeClr>
+                </a:solidFill>
+              </a:endParaRPr>
+            </a:p>
+          </p:txBody>
+        </p:sp>
+        <p:sp>
+          <p:nvSpPr>
+            <p:cNvPr id="16" name="TextBox 15">
+              <a:extLst>
+                <a:ext uri="{FF2B5EF4-FFF2-40B4-BE49-F238E27FC236}">
+                  <a16:creationId xmlns:a16="http://schemas.microsoft.com/office/drawing/2014/main" id="{F915B0F0-FD45-4CCA-AFDB-92333D2EA85C}"/>
+                </a:ext>
+              </a:extLst>
+            </p:cNvPr>
+            <p:cNvSpPr txBox="1"/>
+            <p:nvPr/>
+          </p:nvSpPr>
+          <p:spPr>
+            <a:xfrm>
+              <a:off x="3484605" y="4726294"/>
+              <a:ext cx="2842054" cy="369332"/>
+            </a:xfrm>
+            <a:prstGeom prst="rect">
+              <a:avLst/>
+            </a:prstGeom>
+            <a:noFill/>
+          </p:spPr>
+          <p:txBody>
+            <a:bodyPr wrap="square" rtlCol="0">
+              <a:spAutoFit/>
+            </a:bodyPr>
+            <a:lstStyle/>
+            <a:p>
+              <a:pPr algn="ctr"/>
+              <a:r>
+                <a:rPr lang="ko-KR" altLang="en-US" b="1" u="sng" dirty="0"/>
+                <a:t>기관코드</a:t>
+              </a:r>
+            </a:p>
+          </p:txBody>
+        </p:sp>
+        <p:sp>
+          <p:nvSpPr>
+            <p:cNvPr id="17" name="타원 16">
+              <a:extLst>
+                <a:ext uri="{FF2B5EF4-FFF2-40B4-BE49-F238E27FC236}">
+                  <a16:creationId xmlns:a16="http://schemas.microsoft.com/office/drawing/2014/main" id="{AB0AC44E-1978-45F8-A905-7925876EEB3E}"/>
+                </a:ext>
+              </a:extLst>
+            </p:cNvPr>
+            <p:cNvSpPr/>
+            <p:nvPr/>
+          </p:nvSpPr>
+          <p:spPr>
+            <a:xfrm>
+              <a:off x="6085700" y="4447582"/>
+              <a:ext cx="2323070" cy="926756"/>
+            </a:xfrm>
+            <a:prstGeom prst="ellipse">
+              <a:avLst/>
+            </a:prstGeom>
+            <a:solidFill>
+              <a:schemeClr val="accent6">
+                <a:lumMod val="60000"/>
+                <a:lumOff val="40000"/>
+              </a:schemeClr>
+            </a:solidFill>
+            <a:ln>
+              <a:solidFill>
+                <a:schemeClr val="tx1">
+                  <a:lumMod val="95000"/>
+                  <a:lumOff val="5000"/>
+                </a:schemeClr>
+              </a:solidFill>
+            </a:ln>
+          </p:spPr>
+          <p:style>
+            <a:lnRef idx="2">
+              <a:schemeClr val="accent1">
+                <a:shade val="50000"/>
+              </a:schemeClr>
+            </a:lnRef>
+            <a:fillRef idx="1">
+              <a:schemeClr val="accent1"/>
+            </a:fillRef>
+            <a:effectRef idx="0">
+              <a:schemeClr val="accent1"/>
+            </a:effectRef>
+            <a:fontRef idx="minor">
+              <a:schemeClr val="lt1"/>
+            </a:fontRef>
+          </p:style>
+          <p:txBody>
+            <a:bodyPr rtlCol="0" anchor="ctr"/>
+            <a:lstStyle/>
+            <a:p>
+              <a:pPr algn="ctr"/>
+              <a:endParaRPr lang="ko-KR" altLang="en-US">
+                <a:solidFill>
+                  <a:schemeClr val="tx1">
+                    <a:lumMod val="95000"/>
+                    <a:lumOff val="5000"/>
+                  </a:schemeClr>
+                </a:solidFill>
+              </a:endParaRPr>
+            </a:p>
+          </p:txBody>
+        </p:sp>
+        <p:sp>
+          <p:nvSpPr>
+            <p:cNvPr id="21" name="TextBox 20">
+              <a:extLst>
+                <a:ext uri="{FF2B5EF4-FFF2-40B4-BE49-F238E27FC236}">
+                  <a16:creationId xmlns:a16="http://schemas.microsoft.com/office/drawing/2014/main" id="{D383D57B-346B-4ADA-A066-E35F16297A8B}"/>
+                </a:ext>
+              </a:extLst>
+            </p:cNvPr>
+            <p:cNvSpPr txBox="1"/>
+            <p:nvPr/>
+          </p:nvSpPr>
+          <p:spPr>
+            <a:xfrm>
+              <a:off x="5826208" y="4726294"/>
+              <a:ext cx="2842054" cy="369332"/>
+            </a:xfrm>
+            <a:prstGeom prst="rect">
+              <a:avLst/>
+            </a:prstGeom>
+            <a:noFill/>
+          </p:spPr>
+          <p:txBody>
+            <a:bodyPr wrap="square" rtlCol="0">
+              <a:spAutoFit/>
+            </a:bodyPr>
+            <a:lstStyle/>
+            <a:p>
+              <a:pPr algn="ctr"/>
+              <a:r>
+                <a:rPr lang="ko-KR" altLang="en-US" b="1" dirty="0"/>
+                <a:t>이용자 권한</a:t>
+              </a:r>
+            </a:p>
+          </p:txBody>
+        </p:sp>
+        <p:sp>
+          <p:nvSpPr>
+            <p:cNvPr id="22" name="타원 21">
+              <a:extLst>
+                <a:ext uri="{FF2B5EF4-FFF2-40B4-BE49-F238E27FC236}">
+                  <a16:creationId xmlns:a16="http://schemas.microsoft.com/office/drawing/2014/main" id="{21E95030-2B54-4CE7-809B-875190EC452C}"/>
+                </a:ext>
+              </a:extLst>
+            </p:cNvPr>
+            <p:cNvSpPr/>
+            <p:nvPr/>
+          </p:nvSpPr>
+          <p:spPr>
+            <a:xfrm>
+              <a:off x="8408770" y="4447582"/>
+              <a:ext cx="2323070" cy="926756"/>
+            </a:xfrm>
+            <a:prstGeom prst="ellipse">
+              <a:avLst/>
+            </a:prstGeom>
+            <a:solidFill>
+              <a:schemeClr val="accent6">
+                <a:lumMod val="60000"/>
+                <a:lumOff val="40000"/>
+              </a:schemeClr>
+            </a:solidFill>
+            <a:ln>
+              <a:solidFill>
+                <a:schemeClr val="tx1">
+                  <a:lumMod val="95000"/>
+                  <a:lumOff val="5000"/>
+                </a:schemeClr>
+              </a:solidFill>
+            </a:ln>
+          </p:spPr>
+          <p:style>
+            <a:lnRef idx="2">
+              <a:schemeClr val="accent1">
+                <a:shade val="50000"/>
+              </a:schemeClr>
+            </a:lnRef>
+            <a:fillRef idx="1">
+              <a:schemeClr val="accent1"/>
+            </a:fillRef>
+            <a:effectRef idx="0">
+              <a:schemeClr val="accent1"/>
+            </a:effectRef>
+            <a:fontRef idx="minor">
+              <a:schemeClr val="lt1"/>
+            </a:fontRef>
+          </p:style>
+          <p:txBody>
+            <a:bodyPr rtlCol="0" anchor="ctr"/>
+            <a:lstStyle/>
+            <a:p>
+              <a:pPr algn="ctr"/>
+              <a:endParaRPr lang="ko-KR" altLang="en-US">
+                <a:solidFill>
+                  <a:schemeClr val="tx1">
+                    <a:lumMod val="95000"/>
+                    <a:lumOff val="5000"/>
+                  </a:schemeClr>
+                </a:solidFill>
+              </a:endParaRPr>
+            </a:p>
+          </p:txBody>
+        </p:sp>
+        <p:sp>
+          <p:nvSpPr>
+            <p:cNvPr id="23" name="TextBox 22">
+              <a:extLst>
+                <a:ext uri="{FF2B5EF4-FFF2-40B4-BE49-F238E27FC236}">
+                  <a16:creationId xmlns:a16="http://schemas.microsoft.com/office/drawing/2014/main" id="{8B4B0FB7-5B28-4B91-8D38-95F14F69DD4F}"/>
+                </a:ext>
+              </a:extLst>
+            </p:cNvPr>
+            <p:cNvSpPr txBox="1"/>
+            <p:nvPr/>
+          </p:nvSpPr>
+          <p:spPr>
+            <a:xfrm>
+              <a:off x="8149278" y="4726294"/>
+              <a:ext cx="2842054" cy="369332"/>
+            </a:xfrm>
+            <a:prstGeom prst="rect">
+              <a:avLst/>
+            </a:prstGeom>
+            <a:noFill/>
+          </p:spPr>
+          <p:txBody>
+            <a:bodyPr wrap="square" rtlCol="0">
+              <a:spAutoFit/>
+            </a:bodyPr>
+            <a:lstStyle/>
+            <a:p>
+              <a:pPr algn="ctr"/>
+              <a:r>
+                <a:rPr lang="ko-KR" altLang="en-US" b="1" dirty="0"/>
+                <a:t>직급 </a:t>
+              </a:r>
+              <a:r>
+                <a:rPr lang="en-US" altLang="ko-KR" b="1" dirty="0"/>
+                <a:t>/ </a:t>
+              </a:r>
+              <a:r>
+                <a:rPr lang="ko-KR" altLang="en-US" b="1" dirty="0"/>
+                <a:t>부서</a:t>
+              </a:r>
+            </a:p>
+          </p:txBody>
+        </p:sp>
+        <p:cxnSp>
+          <p:nvCxnSpPr>
+            <p:cNvPr id="24" name="직선 연결선 23">
+              <a:extLst>
+                <a:ext uri="{FF2B5EF4-FFF2-40B4-BE49-F238E27FC236}">
+                  <a16:creationId xmlns:a16="http://schemas.microsoft.com/office/drawing/2014/main" id="{E564EB82-011D-4DE7-91DF-5E8FFE77E638}"/>
+                </a:ext>
+              </a:extLst>
+            </p:cNvPr>
+            <p:cNvCxnSpPr>
+              <a:cxnSpLocks/>
+              <a:stCxn id="4" idx="2"/>
+              <a:endCxn id="14" idx="0"/>
+            </p:cNvCxnSpPr>
+            <p:nvPr/>
+          </p:nvCxnSpPr>
+          <p:spPr>
+            <a:xfrm flipH="1">
+              <a:off x="4905632" y="3429000"/>
+              <a:ext cx="1309816" cy="1018582"/>
+            </a:xfrm>
+            <a:prstGeom prst="line">
+              <a:avLst/>
+            </a:prstGeom>
+            <a:ln w="38100">
+              <a:solidFill>
+                <a:schemeClr val="tx1"/>
+              </a:solidFill>
+            </a:ln>
+          </p:spPr>
+          <p:style>
+            <a:lnRef idx="1">
+              <a:schemeClr val="accent1"/>
+            </a:lnRef>
+            <a:fillRef idx="0">
+              <a:schemeClr val="accent1"/>
+            </a:fillRef>
+            <a:effectRef idx="0">
+              <a:schemeClr val="accent1"/>
+            </a:effectRef>
+            <a:fontRef idx="minor">
+              <a:schemeClr val="tx1"/>
+            </a:fontRef>
+          </p:style>
+        </p:cxnSp>
+        <p:cxnSp>
+          <p:nvCxnSpPr>
+            <p:cNvPr id="25" name="직선 연결선 24">
+              <a:extLst>
+                <a:ext uri="{FF2B5EF4-FFF2-40B4-BE49-F238E27FC236}">
+                  <a16:creationId xmlns:a16="http://schemas.microsoft.com/office/drawing/2014/main" id="{8219D2B1-023E-4B79-B70A-85ACF71E0C02}"/>
+                </a:ext>
+              </a:extLst>
+            </p:cNvPr>
+            <p:cNvCxnSpPr>
+              <a:cxnSpLocks/>
+              <a:stCxn id="4" idx="2"/>
+              <a:endCxn id="17" idx="0"/>
+            </p:cNvCxnSpPr>
+            <p:nvPr/>
+          </p:nvCxnSpPr>
+          <p:spPr>
+            <a:xfrm>
+              <a:off x="6215448" y="3429000"/>
+              <a:ext cx="1031787" cy="1018582"/>
+            </a:xfrm>
+            <a:prstGeom prst="line">
+              <a:avLst/>
+            </a:prstGeom>
+            <a:ln w="38100">
+              <a:solidFill>
+                <a:schemeClr val="tx1"/>
+              </a:solidFill>
+            </a:ln>
+          </p:spPr>
+          <p:style>
+            <a:lnRef idx="1">
+              <a:schemeClr val="accent1"/>
+            </a:lnRef>
+            <a:fillRef idx="0">
+              <a:schemeClr val="accent1"/>
+            </a:fillRef>
+            <a:effectRef idx="0">
+              <a:schemeClr val="accent1"/>
+            </a:effectRef>
+            <a:fontRef idx="minor">
+              <a:schemeClr val="tx1"/>
+            </a:fontRef>
+          </p:style>
+        </p:cxnSp>
+        <p:cxnSp>
+          <p:nvCxnSpPr>
+            <p:cNvPr id="27" name="직선 연결선 26">
+              <a:extLst>
+                <a:ext uri="{FF2B5EF4-FFF2-40B4-BE49-F238E27FC236}">
+                  <a16:creationId xmlns:a16="http://schemas.microsoft.com/office/drawing/2014/main" id="{7FEB68DB-2281-4693-A156-A3437FCA2591}"/>
+                </a:ext>
+              </a:extLst>
+            </p:cNvPr>
+            <p:cNvCxnSpPr>
+              <a:cxnSpLocks/>
+              <a:stCxn id="4" idx="2"/>
+              <a:endCxn id="22" idx="0"/>
+            </p:cNvCxnSpPr>
+            <p:nvPr/>
+          </p:nvCxnSpPr>
+          <p:spPr>
+            <a:xfrm>
+              <a:off x="6215448" y="3429000"/>
+              <a:ext cx="3354857" cy="1018582"/>
+            </a:xfrm>
+            <a:prstGeom prst="line">
+              <a:avLst/>
+            </a:prstGeom>
+            <a:ln w="38100">
+              <a:solidFill>
+                <a:schemeClr val="tx1"/>
+              </a:solidFill>
+            </a:ln>
+          </p:spPr>
+          <p:style>
+            <a:lnRef idx="1">
+              <a:schemeClr val="accent1"/>
+            </a:lnRef>
+            <a:fillRef idx="0">
+              <a:schemeClr val="accent1"/>
+            </a:fillRef>
+            <a:effectRef idx="0">
+              <a:schemeClr val="accent1"/>
+            </a:effectRef>
+            <a:fontRef idx="minor">
+              <a:schemeClr val="tx1"/>
+            </a:fontRef>
+          </p:style>
+        </p:cxnSp>
+        <p:sp>
+          <p:nvSpPr>
+            <p:cNvPr id="30" name="직사각형 29">
+              <a:extLst>
+                <a:ext uri="{FF2B5EF4-FFF2-40B4-BE49-F238E27FC236}">
+                  <a16:creationId xmlns:a16="http://schemas.microsoft.com/office/drawing/2014/main" id="{5E1F0F4D-2D5C-4144-B0A4-08CA78F0EBE7}"/>
+                </a:ext>
+              </a:extLst>
+            </p:cNvPr>
+            <p:cNvSpPr/>
+            <p:nvPr/>
+          </p:nvSpPr>
+          <p:spPr>
+            <a:xfrm>
+              <a:off x="1421027" y="4267200"/>
+              <a:ext cx="4664675" cy="1234140"/>
+            </a:xfrm>
+            <a:prstGeom prst="rect">
+              <a:avLst/>
+            </a:prstGeom>
+            <a:noFill/>
+            <a:ln w="57150">
+              <a:solidFill>
+                <a:srgbClr val="FF0000"/>
+              </a:solidFill>
+            </a:ln>
+          </p:spPr>
+          <p:style>
+            <a:lnRef idx="2">
+              <a:schemeClr val="accent1">
+                <a:shade val="50000"/>
+              </a:schemeClr>
+            </a:lnRef>
+            <a:fillRef idx="1">
+              <a:schemeClr val="accent1"/>
+            </a:fillRef>
+            <a:effectRef idx="0">
+              <a:schemeClr val="accent1"/>
+            </a:effectRef>
+            <a:fontRef idx="minor">
+              <a:schemeClr val="lt1"/>
+            </a:fontRef>
+          </p:style>
+          <p:txBody>
+            <a:bodyPr rtlCol="0" anchor="ctr"/>
+            <a:lstStyle/>
+            <a:p>
+              <a:pPr algn="ctr"/>
+              <a:endParaRPr lang="ko-KR" altLang="en-US" dirty="0"/>
+            </a:p>
+          </p:txBody>
+        </p:sp>
+        <p:sp>
+          <p:nvSpPr>
+            <p:cNvPr id="31" name="TextBox 30">
+              <a:extLst>
+                <a:ext uri="{FF2B5EF4-FFF2-40B4-BE49-F238E27FC236}">
+                  <a16:creationId xmlns:a16="http://schemas.microsoft.com/office/drawing/2014/main" id="{BA6A305A-2C7B-4725-A13F-9136C27B5D18}"/>
+                </a:ext>
+              </a:extLst>
+            </p:cNvPr>
+            <p:cNvSpPr txBox="1"/>
+            <p:nvPr/>
+          </p:nvSpPr>
+          <p:spPr>
+            <a:xfrm>
+              <a:off x="2323070" y="5560210"/>
+              <a:ext cx="2842054" cy="369332"/>
+            </a:xfrm>
+            <a:prstGeom prst="rect">
+              <a:avLst/>
+            </a:prstGeom>
+            <a:noFill/>
+          </p:spPr>
+          <p:txBody>
+            <a:bodyPr wrap="square" rtlCol="0">
+              <a:spAutoFit/>
+            </a:bodyPr>
+            <a:lstStyle/>
+            <a:p>
+              <a:pPr algn="ctr"/>
+              <a:r>
+                <a:rPr lang="ko-KR" altLang="en-US" b="1" dirty="0" err="1"/>
+                <a:t>기본키</a:t>
+              </a:r>
+              <a:endParaRPr lang="ko-KR" altLang="en-US" b="1" dirty="0"/>
+            </a:p>
+          </p:txBody>
+        </p:sp>
+      </p:grpSp>
+      <p:sp>
+        <p:nvSpPr>
+          <p:cNvPr id="32" name="TextBox 31">
+            <a:extLst>
+              <a:ext uri="{FF2B5EF4-FFF2-40B4-BE49-F238E27FC236}">
+                <a16:creationId xmlns:a16="http://schemas.microsoft.com/office/drawing/2014/main" id="{73D6195C-077C-437C-8D54-4BEB575A1CEA}"/>
+              </a:ext>
+            </a:extLst>
+          </p:cNvPr>
+          <p:cNvSpPr txBox="1"/>
+          <p:nvPr/>
+        </p:nvSpPr>
+        <p:spPr>
+          <a:xfrm>
+            <a:off x="3663776" y="202765"/>
+            <a:ext cx="5103342" cy="584775"/>
+          </a:xfrm>
+          <a:prstGeom prst="rect">
+            <a:avLst/>
+          </a:prstGeom>
+          <a:noFill/>
+        </p:spPr>
+        <p:txBody>
+          <a:bodyPr wrap="square" rtlCol="0">
+            <a:spAutoFit/>
+          </a:bodyPr>
+          <a:lstStyle/>
+          <a:p>
+            <a:pPr algn="ctr"/>
+            <a:r>
+              <a:rPr lang="ko-KR" altLang="en-US" sz="3200" b="1" dirty="0"/>
+              <a:t>이용자 </a:t>
+            </a:r>
+            <a:r>
+              <a:rPr lang="en-US" altLang="ko-KR" sz="3200" b="1" dirty="0"/>
+              <a:t>: </a:t>
+            </a:r>
+            <a:r>
+              <a:rPr lang="ko-KR" altLang="en-US" sz="3200" b="1" dirty="0"/>
+              <a:t>기관 관계 </a:t>
+            </a:r>
+            <a:r>
+              <a:rPr lang="en-US" altLang="ko-KR" sz="3200" b="1" dirty="0"/>
+              <a:t>- </a:t>
+            </a:r>
+            <a:r>
+              <a:rPr lang="ko-KR" altLang="en-US" sz="3200" b="1" dirty="0"/>
+              <a:t>매칭</a:t>
+            </a:r>
+          </a:p>
+        </p:txBody>
+      </p:sp>
+      <p:sp>
+        <p:nvSpPr>
+          <p:cNvPr id="34" name="사각형: 둥근 모서리 33">
+            <a:extLst>
+              <a:ext uri="{FF2B5EF4-FFF2-40B4-BE49-F238E27FC236}">
+                <a16:creationId xmlns:a16="http://schemas.microsoft.com/office/drawing/2014/main" id="{F8A8D093-B8B4-49A0-8A9A-053080C7EFCA}"/>
+              </a:ext>
+            </a:extLst>
+          </p:cNvPr>
+          <p:cNvSpPr/>
+          <p:nvPr/>
+        </p:nvSpPr>
+        <p:spPr>
+          <a:xfrm>
+            <a:off x="350807" y="4845987"/>
+            <a:ext cx="11490385" cy="1871924"/>
+          </a:xfrm>
+          <a:prstGeom prst="roundRect">
+            <a:avLst>
+              <a:gd name="adj" fmla="val 5747"/>
+            </a:avLst>
+          </a:prstGeom>
+          <a:solidFill>
+            <a:schemeClr val="accent4">
+              <a:lumMod val="20000"/>
+              <a:lumOff val="80000"/>
+            </a:schemeClr>
+          </a:solidFill>
+          <a:ln>
+            <a:noFill/>
+          </a:ln>
+        </p:spPr>
+        <p:style>
+          <a:lnRef idx="2">
+            <a:schemeClr val="accent1">
+              <a:shade val="50000"/>
+            </a:schemeClr>
+          </a:lnRef>
+          <a:fillRef idx="1">
+            <a:schemeClr val="accent1"/>
+          </a:fillRef>
+          <a:effectRef idx="0">
+            <a:schemeClr val="accent1"/>
+          </a:effectRef>
+          <a:fontRef idx="minor">
+            <a:schemeClr val="lt1"/>
+          </a:fontRef>
+        </p:style>
+        <p:txBody>
+          <a:bodyPr rtlCol="0" anchor="ctr"/>
+          <a:lstStyle/>
+          <a:p>
+            <a:pPr algn="ctr"/>
+            <a:endParaRPr lang="ko-KR" altLang="en-US"/>
+          </a:p>
+        </p:txBody>
+      </p:sp>
+      <p:graphicFrame>
+        <p:nvGraphicFramePr>
+          <p:cNvPr id="35" name="표 34">
+            <a:extLst>
+              <a:ext uri="{FF2B5EF4-FFF2-40B4-BE49-F238E27FC236}">
+                <a16:creationId xmlns:a16="http://schemas.microsoft.com/office/drawing/2014/main" id="{5667737E-31B9-4A76-B6E5-0079C2214C15}"/>
+              </a:ext>
+            </a:extLst>
+          </p:cNvPr>
+          <p:cNvGraphicFramePr>
+            <a:graphicFrameLocks noGrp="1"/>
+          </p:cNvGraphicFramePr>
+          <p:nvPr>
+            <p:extLst>
+              <p:ext uri="{D42A27DB-BD31-4B8C-83A1-F6EECF244321}">
+                <p14:modId xmlns:p14="http://schemas.microsoft.com/office/powerpoint/2010/main" val="4180572596"/>
+              </p:ext>
+            </p:extLst>
+          </p:nvPr>
+        </p:nvGraphicFramePr>
+        <p:xfrm>
+          <a:off x="786442" y="4758939"/>
+          <a:ext cx="10619112" cy="365760"/>
+        </p:xfrm>
+        <a:graphic>
+          <a:graphicData uri="http://schemas.openxmlformats.org/drawingml/2006/table">
+            <a:tbl>
+              <a:tblPr/>
+              <a:tblGrid>
+                <a:gridCol w="2654778">
+                  <a:extLst>
+                    <a:ext uri="{9D8B030D-6E8A-4147-A177-3AD203B41FA5}">
+                      <a16:colId xmlns:a16="http://schemas.microsoft.com/office/drawing/2014/main" val="3551545375"/>
+                    </a:ext>
+                  </a:extLst>
+                </a:gridCol>
+                <a:gridCol w="2654778">
+                  <a:extLst>
+                    <a:ext uri="{9D8B030D-6E8A-4147-A177-3AD203B41FA5}">
+                      <a16:colId xmlns:a16="http://schemas.microsoft.com/office/drawing/2014/main" val="330093863"/>
+                    </a:ext>
+                  </a:extLst>
+                </a:gridCol>
+                <a:gridCol w="2654778">
+                  <a:extLst>
+                    <a:ext uri="{9D8B030D-6E8A-4147-A177-3AD203B41FA5}">
+                      <a16:colId xmlns:a16="http://schemas.microsoft.com/office/drawing/2014/main" val="785465922"/>
+                    </a:ext>
+                  </a:extLst>
+                </a:gridCol>
+                <a:gridCol w="2654778">
+                  <a:extLst>
+                    <a:ext uri="{9D8B030D-6E8A-4147-A177-3AD203B41FA5}">
+                      <a16:colId xmlns:a16="http://schemas.microsoft.com/office/drawing/2014/main" val="2590393171"/>
+                    </a:ext>
+                  </a:extLst>
+                </a:gridCol>
+              </a:tblGrid>
+              <a:tr h="0">
+                <a:tc>
+                  <a:txBody>
+                    <a:bodyPr/>
+                    <a:lstStyle/>
+                    <a:p>
+                      <a:pPr algn="ctr"/>
+                      <a:r>
+                        <a:rPr lang="ko-KR" altLang="en-US">
+                          <a:solidFill>
+                            <a:srgbClr val="666666"/>
+                          </a:solidFill>
+                          <a:effectLst/>
+                          <a:latin typeface="Noto Sans" panose="020B0502040504020204" pitchFamily="34" charset="0"/>
+                        </a:rPr>
+                        <a:t>관계</a:t>
+                      </a:r>
+                    </a:p>
+                  </a:txBody>
+                  <a:tcPr anchor="ctr">
+                    <a:lnL w="7620" cap="flat" cmpd="sng" algn="ctr">
+                      <a:solidFill>
+                        <a:srgbClr val="89D7DC"/>
+                      </a:solidFill>
+                      <a:prstDash val="solid"/>
+                      <a:round/>
+                      <a:headEnd type="none" w="med" len="med"/>
+                      <a:tailEnd type="none" w="med" len="med"/>
+                    </a:lnL>
+                    <a:lnR w="7620" cap="flat" cmpd="sng" algn="ctr">
+                      <a:solidFill>
+                        <a:srgbClr val="89D7DC"/>
+                      </a:solidFill>
+                      <a:prstDash val="solid"/>
+                      <a:round/>
+                      <a:headEnd type="none" w="med" len="med"/>
+                      <a:tailEnd type="none" w="med" len="med"/>
+                    </a:lnR>
+                    <a:lnT w="7620" cap="flat" cmpd="sng" algn="ctr">
+                      <a:solidFill>
+                        <a:srgbClr val="89D7DC"/>
+                      </a:solidFill>
+                      <a:prstDash val="solid"/>
+                      <a:round/>
+                      <a:headEnd type="none" w="med" len="med"/>
+                      <a:tailEnd type="none" w="med" len="med"/>
+                    </a:lnT>
+                    <a:lnB w="7620" cap="flat" cmpd="sng" algn="ctr">
+                      <a:solidFill>
+                        <a:srgbClr val="89D7DC"/>
+                      </a:solidFill>
+                      <a:prstDash val="solid"/>
+                      <a:round/>
+                      <a:headEnd type="none" w="med" len="med"/>
+                      <a:tailEnd type="none" w="med" len="med"/>
+                    </a:lnB>
+                    <a:solidFill>
+                      <a:srgbClr val="CDEEF0"/>
+                    </a:solidFill>
+                  </a:tcPr>
+                </a:tc>
+                <a:tc>
+                  <a:txBody>
+                    <a:bodyPr/>
+                    <a:lstStyle/>
+                    <a:p>
+                      <a:pPr algn="ctr"/>
+                      <a:r>
+                        <a:rPr lang="ko-KR" altLang="en-US">
+                          <a:solidFill>
+                            <a:srgbClr val="666666"/>
+                          </a:solidFill>
+                          <a:effectLst/>
+                          <a:latin typeface="Noto Sans" panose="020B0502040504020204" pitchFamily="34" charset="0"/>
+                        </a:rPr>
+                        <a:t>관계에 참여하는 개체</a:t>
+                      </a:r>
+                    </a:p>
+                  </a:txBody>
+                  <a:tcPr anchor="ctr">
+                    <a:lnL w="7620" cap="flat" cmpd="sng" algn="ctr">
+                      <a:solidFill>
+                        <a:srgbClr val="89D7DC"/>
+                      </a:solidFill>
+                      <a:prstDash val="solid"/>
+                      <a:round/>
+                      <a:headEnd type="none" w="med" len="med"/>
+                      <a:tailEnd type="none" w="med" len="med"/>
+                    </a:lnL>
+                    <a:lnR w="7620" cap="flat" cmpd="sng" algn="ctr">
+                      <a:solidFill>
+                        <a:srgbClr val="89D7DC"/>
+                      </a:solidFill>
+                      <a:prstDash val="solid"/>
+                      <a:round/>
+                      <a:headEnd type="none" w="med" len="med"/>
+                      <a:tailEnd type="none" w="med" len="med"/>
+                    </a:lnR>
+                    <a:lnT w="7620" cap="flat" cmpd="sng" algn="ctr">
+                      <a:solidFill>
+                        <a:srgbClr val="89D7DC"/>
+                      </a:solidFill>
+                      <a:prstDash val="solid"/>
+                      <a:round/>
+                      <a:headEnd type="none" w="med" len="med"/>
+                      <a:tailEnd type="none" w="med" len="med"/>
+                    </a:lnT>
+                    <a:lnB w="7620" cap="flat" cmpd="sng" algn="ctr">
+                      <a:solidFill>
+                        <a:srgbClr val="89D7DC"/>
+                      </a:solidFill>
+                      <a:prstDash val="solid"/>
+                      <a:round/>
+                      <a:headEnd type="none" w="med" len="med"/>
+                      <a:tailEnd type="none" w="med" len="med"/>
+                    </a:lnB>
+                    <a:solidFill>
+                      <a:srgbClr val="CDEEF0"/>
+                    </a:solidFill>
+                  </a:tcPr>
+                </a:tc>
+                <a:tc>
+                  <a:txBody>
+                    <a:bodyPr/>
+                    <a:lstStyle/>
+                    <a:p>
+                      <a:pPr algn="ctr"/>
+                      <a:r>
+                        <a:rPr lang="ko-KR" altLang="en-US">
+                          <a:solidFill>
+                            <a:srgbClr val="666666"/>
+                          </a:solidFill>
+                          <a:effectLst/>
+                          <a:latin typeface="Noto Sans" panose="020B0502040504020204" pitchFamily="34" charset="0"/>
+                        </a:rPr>
+                        <a:t>관계유형</a:t>
+                      </a:r>
+                    </a:p>
+                  </a:txBody>
+                  <a:tcPr anchor="ctr">
+                    <a:lnL w="7620" cap="flat" cmpd="sng" algn="ctr">
+                      <a:solidFill>
+                        <a:srgbClr val="89D7DC"/>
+                      </a:solidFill>
+                      <a:prstDash val="solid"/>
+                      <a:round/>
+                      <a:headEnd type="none" w="med" len="med"/>
+                      <a:tailEnd type="none" w="med" len="med"/>
+                    </a:lnL>
+                    <a:lnR w="7620" cap="flat" cmpd="sng" algn="ctr">
+                      <a:solidFill>
+                        <a:srgbClr val="89D7DC"/>
+                      </a:solidFill>
+                      <a:prstDash val="solid"/>
+                      <a:round/>
+                      <a:headEnd type="none" w="med" len="med"/>
+                      <a:tailEnd type="none" w="med" len="med"/>
+                    </a:lnR>
+                    <a:lnT w="7620" cap="flat" cmpd="sng" algn="ctr">
+                      <a:solidFill>
+                        <a:srgbClr val="89D7DC"/>
+                      </a:solidFill>
+                      <a:prstDash val="solid"/>
+                      <a:round/>
+                      <a:headEnd type="none" w="med" len="med"/>
+                      <a:tailEnd type="none" w="med" len="med"/>
+                    </a:lnT>
+                    <a:lnB w="7620" cap="flat" cmpd="sng" algn="ctr">
+                      <a:solidFill>
+                        <a:srgbClr val="89D7DC"/>
+                      </a:solidFill>
+                      <a:prstDash val="solid"/>
+                      <a:round/>
+                      <a:headEnd type="none" w="med" len="med"/>
+                      <a:tailEnd type="none" w="med" len="med"/>
+                    </a:lnB>
+                    <a:solidFill>
+                      <a:srgbClr val="CDEEF0"/>
+                    </a:solidFill>
+                  </a:tcPr>
+                </a:tc>
+                <a:tc>
+                  <a:txBody>
+                    <a:bodyPr/>
+                    <a:lstStyle/>
+                    <a:p>
+                      <a:pPr algn="ctr"/>
+                      <a:r>
+                        <a:rPr lang="ko-KR" altLang="en-US" dirty="0">
+                          <a:solidFill>
+                            <a:srgbClr val="666666"/>
+                          </a:solidFill>
+                          <a:effectLst/>
+                          <a:latin typeface="Noto Sans" panose="020B0502040504020204" pitchFamily="34" charset="0"/>
+                        </a:rPr>
+                        <a:t>관계 속성</a:t>
+                      </a:r>
+                    </a:p>
+                  </a:txBody>
+                  <a:tcPr anchor="ctr">
+                    <a:lnL w="7620" cap="flat" cmpd="sng" algn="ctr">
+                      <a:solidFill>
+                        <a:srgbClr val="89D7DC"/>
+                      </a:solidFill>
+                      <a:prstDash val="solid"/>
+                      <a:round/>
+                      <a:headEnd type="none" w="med" len="med"/>
+                      <a:tailEnd type="none" w="med" len="med"/>
+                    </a:lnL>
+                    <a:lnR w="7620" cap="flat" cmpd="sng" algn="ctr">
+                      <a:solidFill>
+                        <a:srgbClr val="89D7DC"/>
+                      </a:solidFill>
+                      <a:prstDash val="solid"/>
+                      <a:round/>
+                      <a:headEnd type="none" w="med" len="med"/>
+                      <a:tailEnd type="none" w="med" len="med"/>
+                    </a:lnR>
+                    <a:lnT w="7620" cap="flat" cmpd="sng" algn="ctr">
+                      <a:solidFill>
+                        <a:srgbClr val="89D7DC"/>
+                      </a:solidFill>
+                      <a:prstDash val="solid"/>
+                      <a:round/>
+                      <a:headEnd type="none" w="med" len="med"/>
+                      <a:tailEnd type="none" w="med" len="med"/>
+                    </a:lnT>
+                    <a:lnB w="7620" cap="flat" cmpd="sng" algn="ctr">
+                      <a:solidFill>
+                        <a:srgbClr val="89D7DC"/>
+                      </a:solidFill>
+                      <a:prstDash val="solid"/>
+                      <a:round/>
+                      <a:headEnd type="none" w="med" len="med"/>
+                      <a:tailEnd type="none" w="med" len="med"/>
+                    </a:lnB>
+                    <a:solidFill>
+                      <a:srgbClr val="CDEEF0"/>
+                    </a:solidFill>
+                  </a:tcPr>
+                </a:tc>
+                <a:extLst>
+                  <a:ext uri="{0D108BD9-81ED-4DB2-BD59-A6C34878D82A}">
+                    <a16:rowId xmlns:a16="http://schemas.microsoft.com/office/drawing/2014/main" val="606524450"/>
+                  </a:ext>
+                </a:extLst>
+              </a:tr>
+            </a:tbl>
+          </a:graphicData>
+        </a:graphic>
+      </p:graphicFrame>
+      <p:sp>
+        <p:nvSpPr>
+          <p:cNvPr id="36" name="TextBox 35">
+            <a:extLst>
+              <a:ext uri="{FF2B5EF4-FFF2-40B4-BE49-F238E27FC236}">
+                <a16:creationId xmlns:a16="http://schemas.microsoft.com/office/drawing/2014/main" id="{0A67A240-66C4-4AFB-BB41-95C6F6B937B3}"/>
+              </a:ext>
+            </a:extLst>
+          </p:cNvPr>
+          <p:cNvSpPr txBox="1"/>
+          <p:nvPr/>
+        </p:nvSpPr>
+        <p:spPr>
+          <a:xfrm>
+            <a:off x="523387" y="5251307"/>
+            <a:ext cx="11124626" cy="1600438"/>
+          </a:xfrm>
+          <a:prstGeom prst="rect">
+            <a:avLst/>
+          </a:prstGeom>
+          <a:noFill/>
+        </p:spPr>
+        <p:txBody>
+          <a:bodyPr wrap="square" rtlCol="0">
+            <a:spAutoFit/>
+          </a:bodyPr>
+          <a:lstStyle/>
+          <a:p>
+            <a:pPr marL="285750" indent="-285750">
+              <a:buFont typeface="Arial" panose="020B0604020202020204" pitchFamily="34" charset="0"/>
+              <a:buChar char="•"/>
+            </a:pPr>
+            <a:r>
+              <a:rPr lang="ko-KR" altLang="en-US" sz="1400" dirty="0"/>
+              <a:t>이용자가 </a:t>
+            </a:r>
+            <a:r>
+              <a:rPr lang="ko-KR" altLang="en-US" sz="1400" b="1" dirty="0"/>
+              <a:t>기관 등록 시</a:t>
+            </a:r>
+            <a:r>
+              <a:rPr lang="en-US" altLang="ko-KR" sz="1400" dirty="0"/>
+              <a:t>, </a:t>
+            </a:r>
+            <a:r>
+              <a:rPr lang="ko-KR" altLang="en-US" sz="1400" dirty="0"/>
+              <a:t>관리자인 경우 </a:t>
+            </a:r>
+            <a:r>
+              <a:rPr lang="en-US" altLang="ko-KR" sz="1400" b="1" dirty="0"/>
+              <a:t>“</a:t>
+            </a:r>
+            <a:r>
+              <a:rPr lang="ko-KR" altLang="en-US" sz="1400" b="1" dirty="0"/>
+              <a:t>이용자 권한</a:t>
+            </a:r>
+            <a:r>
+              <a:rPr lang="en-US" altLang="ko-KR" sz="1400" b="1" dirty="0"/>
+              <a:t>” </a:t>
+            </a:r>
+            <a:r>
+              <a:rPr lang="ko-KR" altLang="en-US" sz="1400" b="1" dirty="0"/>
+              <a:t>값을 </a:t>
+            </a:r>
+            <a:r>
+              <a:rPr lang="en-US" altLang="ko-KR" sz="1400" b="1" dirty="0"/>
+              <a:t>0</a:t>
+            </a:r>
+            <a:r>
+              <a:rPr lang="ko-KR" altLang="en-US" sz="1400" dirty="0"/>
+              <a:t>으로 가지고</a:t>
+            </a:r>
+            <a:r>
+              <a:rPr lang="en-US" altLang="ko-KR" sz="1400" dirty="0"/>
+              <a:t>, </a:t>
+            </a:r>
+            <a:r>
+              <a:rPr lang="ko-KR" altLang="en-US" sz="1400" dirty="0"/>
+              <a:t>일반 이용자는 </a:t>
+            </a:r>
+            <a:r>
+              <a:rPr lang="en-US" altLang="ko-KR" sz="1400" b="1" dirty="0"/>
+              <a:t>“</a:t>
+            </a:r>
+            <a:r>
+              <a:rPr lang="ko-KR" altLang="en-US" sz="1400" b="1" dirty="0"/>
+              <a:t>이용자 권한</a:t>
+            </a:r>
+            <a:r>
+              <a:rPr lang="en-US" altLang="ko-KR" sz="1400" b="1" dirty="0"/>
+              <a:t>” </a:t>
+            </a:r>
+            <a:r>
+              <a:rPr lang="ko-KR" altLang="en-US" sz="1400" b="1" dirty="0"/>
+              <a:t>값은 </a:t>
+            </a:r>
+            <a:r>
+              <a:rPr lang="en-US" altLang="ko-KR" sz="1400" b="1" dirty="0"/>
+              <a:t>1</a:t>
+            </a:r>
+            <a:r>
+              <a:rPr lang="ko-KR" altLang="en-US" sz="1400" dirty="0"/>
+              <a:t>로 가진다</a:t>
+            </a:r>
+            <a:r>
+              <a:rPr lang="en-US" altLang="ko-KR" sz="1400" dirty="0"/>
+              <a:t>.</a:t>
+            </a:r>
+          </a:p>
+          <a:p>
+            <a:pPr marL="285750" indent="-285750">
+              <a:buFont typeface="Arial" panose="020B0604020202020204" pitchFamily="34" charset="0"/>
+              <a:buChar char="•"/>
+            </a:pPr>
+            <a:r>
+              <a:rPr lang="ko-KR" altLang="en-US" sz="1400" b="1" dirty="0"/>
+              <a:t>기관코드</a:t>
+            </a:r>
+            <a:r>
+              <a:rPr lang="ko-KR" altLang="en-US" sz="1400" dirty="0"/>
+              <a:t>는 발급 시</a:t>
+            </a:r>
+            <a:r>
+              <a:rPr lang="en-US" altLang="ko-KR" sz="1400" dirty="0"/>
+              <a:t>,</a:t>
+            </a:r>
+            <a:r>
+              <a:rPr lang="ko-KR" altLang="en-US" sz="1400" dirty="0"/>
+              <a:t> 기존에 동일한 키로 발급이 되었는 지 </a:t>
+            </a:r>
+            <a:r>
+              <a:rPr lang="ko-KR" altLang="en-US" sz="1400" b="1" dirty="0"/>
+              <a:t>중복 검증</a:t>
+            </a:r>
+            <a:r>
+              <a:rPr lang="ko-KR" altLang="en-US" sz="1400" dirty="0"/>
+              <a:t> 후 발급한다</a:t>
+            </a:r>
+            <a:r>
+              <a:rPr lang="en-US" altLang="ko-KR" sz="1400" dirty="0"/>
+              <a:t>.</a:t>
+            </a:r>
+            <a:r>
+              <a:rPr lang="ko-KR" altLang="en-US" sz="1400" dirty="0"/>
+              <a:t> </a:t>
+            </a:r>
+            <a:endParaRPr lang="en-US" altLang="ko-KR" sz="1400" dirty="0"/>
+          </a:p>
+          <a:p>
+            <a:pPr marL="285750" indent="-285750">
+              <a:buFont typeface="Arial" panose="020B0604020202020204" pitchFamily="34" charset="0"/>
+              <a:buChar char="•"/>
+            </a:pPr>
+            <a:r>
+              <a:rPr lang="ko-KR" altLang="en-US" sz="1400" b="1" dirty="0"/>
+              <a:t>기본키</a:t>
+            </a:r>
+            <a:r>
+              <a:rPr lang="ko-KR" altLang="en-US" sz="1400" dirty="0"/>
+              <a:t>를 </a:t>
+            </a:r>
+            <a:r>
+              <a:rPr lang="ko-KR" altLang="en-US" sz="1400" b="1" dirty="0"/>
+              <a:t>아이디와 기관코드</a:t>
+            </a:r>
+            <a:r>
+              <a:rPr lang="ko-KR" altLang="en-US" sz="1400" dirty="0"/>
+              <a:t>로 지정한 이유는</a:t>
+            </a:r>
+            <a:r>
+              <a:rPr lang="en-US" altLang="ko-KR" sz="1400" dirty="0"/>
+              <a:t>, </a:t>
+            </a:r>
+            <a:r>
+              <a:rPr lang="ko-KR" altLang="en-US" sz="1400" b="1" dirty="0"/>
+              <a:t>매칭 릴레이션의 중복 제거를 </a:t>
+            </a:r>
+            <a:r>
+              <a:rPr lang="ko-KR" altLang="en-US" sz="1400" dirty="0"/>
+              <a:t>위함이다</a:t>
+            </a:r>
+            <a:r>
+              <a:rPr lang="en-US" altLang="ko-KR" sz="1400" dirty="0"/>
+              <a:t>.</a:t>
+            </a:r>
+          </a:p>
+          <a:p>
+            <a:pPr marL="285750" indent="-285750">
+              <a:buFont typeface="Arial" panose="020B0604020202020204" pitchFamily="34" charset="0"/>
+              <a:buChar char="•"/>
+            </a:pPr>
+            <a:r>
+              <a:rPr lang="ko-KR" altLang="en-US" sz="1400" b="1" dirty="0"/>
+              <a:t>직급 </a:t>
+            </a:r>
+            <a:r>
+              <a:rPr lang="en-US" altLang="ko-KR" sz="1400" b="1" dirty="0"/>
+              <a:t>/ </a:t>
+            </a:r>
+            <a:r>
+              <a:rPr lang="ko-KR" altLang="en-US" sz="1400" b="1" dirty="0"/>
+              <a:t>부서</a:t>
+            </a:r>
+            <a:r>
+              <a:rPr lang="ko-KR" altLang="en-US" sz="1400" dirty="0"/>
+              <a:t>는 이용자가 </a:t>
+            </a:r>
+            <a:r>
+              <a:rPr lang="ko-KR" altLang="en-US" sz="1400" b="1" dirty="0"/>
+              <a:t>기관 등록 시 </a:t>
+            </a:r>
+            <a:r>
+              <a:rPr lang="ko-KR" altLang="en-US" sz="1400" dirty="0"/>
+              <a:t>입력 받는다</a:t>
+            </a:r>
+            <a:r>
+              <a:rPr lang="en-US" altLang="ko-KR" sz="1400" dirty="0"/>
+              <a:t>.</a:t>
+            </a:r>
+          </a:p>
+          <a:p>
+            <a:pPr marL="285750" indent="-285750">
+              <a:buFont typeface="Arial" panose="020B0604020202020204" pitchFamily="34" charset="0"/>
+              <a:buChar char="•"/>
+            </a:pPr>
+            <a:r>
+              <a:rPr lang="ko-KR" altLang="en-US" sz="1400" b="1" dirty="0"/>
+              <a:t>관리자</a:t>
+            </a:r>
+            <a:r>
+              <a:rPr lang="ko-KR" altLang="en-US" sz="1400" dirty="0"/>
+              <a:t>가 기관을 최초로 </a:t>
+            </a:r>
+            <a:r>
+              <a:rPr lang="ko-KR" altLang="en-US" sz="1400" b="1" dirty="0"/>
+              <a:t>등록할 때</a:t>
+            </a:r>
+            <a:r>
+              <a:rPr lang="en-US" altLang="ko-KR" sz="1400" dirty="0"/>
+              <a:t>, </a:t>
+            </a:r>
+            <a:r>
+              <a:rPr lang="ko-KR" altLang="en-US" sz="1400" b="1" dirty="0"/>
+              <a:t>기관코드</a:t>
+            </a:r>
+            <a:r>
+              <a:rPr lang="ko-KR" altLang="en-US" sz="1400" dirty="0"/>
+              <a:t>가 발급된다</a:t>
+            </a:r>
+            <a:r>
+              <a:rPr lang="en-US" altLang="ko-KR" sz="1400" dirty="0"/>
+              <a:t>. </a:t>
+            </a:r>
+            <a:r>
+              <a:rPr lang="ko-KR" altLang="en-US" sz="1400" b="1" dirty="0"/>
+              <a:t>사용자</a:t>
+            </a:r>
+            <a:r>
+              <a:rPr lang="ko-KR" altLang="en-US" sz="1400" dirty="0"/>
+              <a:t>는 등록을 원하는 기관의 </a:t>
+            </a:r>
+            <a:r>
+              <a:rPr lang="ko-KR" altLang="en-US" sz="1400" b="1" dirty="0"/>
+              <a:t>기관코드를 입력</a:t>
+            </a:r>
+            <a:r>
+              <a:rPr lang="ko-KR" altLang="en-US" sz="1400" dirty="0"/>
+              <a:t>해 가입한다</a:t>
+            </a:r>
+            <a:r>
+              <a:rPr lang="en-US" altLang="ko-KR" sz="1400" dirty="0"/>
+              <a:t>.</a:t>
+            </a:r>
+          </a:p>
+          <a:p>
+            <a:pPr marL="285750" indent="-285750">
+              <a:buFont typeface="Arial" panose="020B0604020202020204" pitchFamily="34" charset="0"/>
+              <a:buChar char="•"/>
+            </a:pPr>
+            <a:endParaRPr lang="en-US" altLang="ko-KR" sz="1400" dirty="0"/>
+          </a:p>
+          <a:p>
+            <a:pPr marL="285750" indent="-285750">
+              <a:buFont typeface="Arial" panose="020B0604020202020204" pitchFamily="34" charset="0"/>
+              <a:buChar char="•"/>
+            </a:pPr>
+            <a:endParaRPr lang="ko-KR" altLang="en-US" sz="1400" dirty="0"/>
+          </a:p>
+        </p:txBody>
+      </p:sp>
+      <p:sp>
+        <p:nvSpPr>
+          <p:cNvPr id="26" name="TextBox 25">
+            <a:extLst>
+              <a:ext uri="{FF2B5EF4-FFF2-40B4-BE49-F238E27FC236}">
+                <a16:creationId xmlns:a16="http://schemas.microsoft.com/office/drawing/2014/main" id="{01B42DDE-7A29-43B1-A678-F49DE8325CFA}"/>
+              </a:ext>
+            </a:extLst>
+          </p:cNvPr>
+          <p:cNvSpPr txBox="1"/>
+          <p:nvPr/>
+        </p:nvSpPr>
+        <p:spPr>
+          <a:xfrm>
+            <a:off x="8091054" y="1066252"/>
+            <a:ext cx="325730" cy="369332"/>
+          </a:xfrm>
+          <a:prstGeom prst="rect">
+            <a:avLst/>
+          </a:prstGeom>
+          <a:noFill/>
+        </p:spPr>
+        <p:txBody>
+          <a:bodyPr wrap="none" rtlCol="0">
+            <a:spAutoFit/>
+          </a:bodyPr>
+          <a:lstStyle/>
+          <a:p>
+            <a:r>
+              <a:rPr lang="en-US" altLang="ko-KR" b="1" dirty="0">
+                <a:solidFill>
+                  <a:srgbClr val="FF0000"/>
+                </a:solidFill>
+              </a:rPr>
+              <a:t>n</a:t>
+            </a:r>
+            <a:endParaRPr lang="ko-KR" altLang="en-US" b="1" dirty="0">
+              <a:solidFill>
+                <a:srgbClr val="FF0000"/>
+              </a:solidFill>
+            </a:endParaRPr>
+          </a:p>
+        </p:txBody>
+      </p:sp>
+      <p:sp>
+        <p:nvSpPr>
+          <p:cNvPr id="28" name="TextBox 27">
+            <a:extLst>
+              <a:ext uri="{FF2B5EF4-FFF2-40B4-BE49-F238E27FC236}">
+                <a16:creationId xmlns:a16="http://schemas.microsoft.com/office/drawing/2014/main" id="{AE3DCA35-36D3-46F4-B189-6376FC15CC11}"/>
+              </a:ext>
+            </a:extLst>
+          </p:cNvPr>
+          <p:cNvSpPr txBox="1"/>
+          <p:nvPr/>
+        </p:nvSpPr>
+        <p:spPr>
+          <a:xfrm>
+            <a:off x="3988612" y="1083472"/>
+            <a:ext cx="325730" cy="369332"/>
+          </a:xfrm>
+          <a:prstGeom prst="rect">
+            <a:avLst/>
+          </a:prstGeom>
+          <a:noFill/>
+        </p:spPr>
+        <p:txBody>
+          <a:bodyPr wrap="none" rtlCol="0">
+            <a:spAutoFit/>
+          </a:bodyPr>
+          <a:lstStyle/>
+          <a:p>
+            <a:r>
+              <a:rPr lang="en-US" altLang="ko-KR" b="1" dirty="0">
+                <a:solidFill>
+                  <a:srgbClr val="FF0000"/>
+                </a:solidFill>
+              </a:rPr>
+              <a:t>n</a:t>
+            </a:r>
+            <a:endParaRPr lang="ko-KR" altLang="en-US" b="1" dirty="0">
+              <a:solidFill>
+                <a:srgbClr val="FF0000"/>
+              </a:solidFill>
+            </a:endParaRPr>
+          </a:p>
+        </p:txBody>
+      </p:sp>
+    </p:spTree>
+    <p:extLst>
+      <p:ext uri="{BB962C8B-B14F-4D97-AF65-F5344CB8AC3E}">
+        <p14:creationId xmlns:p14="http://schemas.microsoft.com/office/powerpoint/2010/main" val="224734748"/>
+      </p:ext>
+    </p:extLst>
+  </p:cSld>
+  <p:clrMapOvr>
+    <a:masterClrMapping/>
+  </p:clrMapOvr>
+</p:sld>
+</file>
+
+<file path=ppt/slides/slide7.xml><?xml version="1.0" encoding="utf-8"?>
+<p:sld xmlns:a="http://schemas.openxmlformats.org/drawingml/2006/main" xmlns:r="http://schemas.openxmlformats.org/officeDocument/2006/relationships" xmlns:p="http://schemas.openxmlformats.org/presentationml/2006/main">
+  <p:cSld>
+    <p:spTree>
+      <p:nvGrpSpPr>
+        <p:cNvPr id="1" name=""/>
+        <p:cNvGrpSpPr/>
+        <p:nvPr/>
+      </p:nvGrpSpPr>
+      <p:grpSpPr>
+        <a:xfrm>
+          <a:off x="0" y="0"/>
+          <a:ext cx="0" cy="0"/>
+          <a:chOff x="0" y="0"/>
+          <a:chExt cx="0" cy="0"/>
+        </a:xfrm>
+      </p:grpSpPr>
+      <p:sp>
+        <p:nvSpPr>
+          <p:cNvPr id="36" name="TextBox 35">
+            <a:extLst>
+              <a:ext uri="{FF2B5EF4-FFF2-40B4-BE49-F238E27FC236}">
+                <a16:creationId xmlns:a16="http://schemas.microsoft.com/office/drawing/2014/main" id="{2190C25E-BF22-4D41-8E18-0AB4F8C8614D}"/>
+              </a:ext>
+            </a:extLst>
+          </p:cNvPr>
+          <p:cNvSpPr txBox="1"/>
+          <p:nvPr/>
+        </p:nvSpPr>
+        <p:spPr>
+          <a:xfrm>
+            <a:off x="2332332" y="113656"/>
+            <a:ext cx="7729154" cy="584775"/>
+          </a:xfrm>
+          <a:prstGeom prst="rect">
+            <a:avLst/>
+          </a:prstGeom>
+          <a:noFill/>
+        </p:spPr>
+        <p:txBody>
+          <a:bodyPr wrap="square" rtlCol="0">
+            <a:spAutoFit/>
+          </a:bodyPr>
+          <a:lstStyle/>
+          <a:p>
+            <a:pPr algn="ctr"/>
+            <a:r>
+              <a:rPr lang="ko-KR" altLang="en-US" sz="3200" b="1" dirty="0"/>
+              <a:t>이용자 </a:t>
+            </a:r>
+            <a:r>
+              <a:rPr lang="en-US" altLang="ko-KR" sz="3200" b="1" dirty="0"/>
+              <a:t>: </a:t>
+            </a:r>
+            <a:r>
+              <a:rPr lang="ko-KR" altLang="en-US" sz="3200" b="1" dirty="0"/>
+              <a:t>관리 물품 관계 </a:t>
+            </a:r>
+            <a:r>
+              <a:rPr lang="en-US" altLang="ko-KR" sz="3200" b="1" dirty="0"/>
+              <a:t>– </a:t>
+            </a:r>
+            <a:r>
+              <a:rPr lang="ko-KR" altLang="en-US" sz="3200" b="1" dirty="0"/>
+              <a:t>대여</a:t>
+            </a:r>
+            <a:r>
+              <a:rPr lang="en-US" altLang="ko-KR" sz="3200" b="1" dirty="0"/>
+              <a:t>/</a:t>
+            </a:r>
+            <a:r>
+              <a:rPr lang="ko-KR" altLang="en-US" sz="3200" b="1" dirty="0"/>
+              <a:t>반납</a:t>
+            </a:r>
+          </a:p>
+        </p:txBody>
+      </p:sp>
+      <p:sp>
+        <p:nvSpPr>
+          <p:cNvPr id="38" name="사각형: 둥근 모서리 37">
+            <a:extLst>
+              <a:ext uri="{FF2B5EF4-FFF2-40B4-BE49-F238E27FC236}">
+                <a16:creationId xmlns:a16="http://schemas.microsoft.com/office/drawing/2014/main" id="{271D29D0-25B2-4B9B-9330-692C0AE8AF4B}"/>
+              </a:ext>
+            </a:extLst>
+          </p:cNvPr>
+          <p:cNvSpPr/>
+          <p:nvPr/>
+        </p:nvSpPr>
+        <p:spPr>
+          <a:xfrm>
+            <a:off x="350807" y="4845987"/>
+            <a:ext cx="11490385" cy="1871924"/>
+          </a:xfrm>
+          <a:prstGeom prst="roundRect">
+            <a:avLst>
+              <a:gd name="adj" fmla="val 5747"/>
+            </a:avLst>
+          </a:prstGeom>
+          <a:solidFill>
+            <a:schemeClr val="accent4">
+              <a:lumMod val="20000"/>
+              <a:lumOff val="80000"/>
+            </a:schemeClr>
+          </a:solidFill>
+          <a:ln>
+            <a:noFill/>
+          </a:ln>
+        </p:spPr>
+        <p:style>
+          <a:lnRef idx="2">
+            <a:schemeClr val="accent1">
+              <a:shade val="50000"/>
+            </a:schemeClr>
+          </a:lnRef>
+          <a:fillRef idx="1">
+            <a:schemeClr val="accent1"/>
+          </a:fillRef>
+          <a:effectRef idx="0">
+            <a:schemeClr val="accent1"/>
+          </a:effectRef>
+          <a:fontRef idx="minor">
+            <a:schemeClr val="lt1"/>
+          </a:fontRef>
+        </p:style>
+        <p:txBody>
+          <a:bodyPr rtlCol="0" anchor="ctr"/>
+          <a:lstStyle/>
+          <a:p>
+            <a:pPr algn="ctr"/>
+            <a:endParaRPr lang="ko-KR" altLang="en-US"/>
+          </a:p>
+        </p:txBody>
+      </p:sp>
+      <p:graphicFrame>
+        <p:nvGraphicFramePr>
+          <p:cNvPr id="39" name="표 38">
+            <a:extLst>
+              <a:ext uri="{FF2B5EF4-FFF2-40B4-BE49-F238E27FC236}">
+                <a16:creationId xmlns:a16="http://schemas.microsoft.com/office/drawing/2014/main" id="{7D0548A1-784A-4BEA-A6FD-C57A9471EEB9}"/>
+              </a:ext>
+            </a:extLst>
+          </p:cNvPr>
+          <p:cNvGraphicFramePr>
+            <a:graphicFrameLocks noGrp="1"/>
+          </p:cNvGraphicFramePr>
+          <p:nvPr>
+            <p:extLst>
+              <p:ext uri="{D42A27DB-BD31-4B8C-83A1-F6EECF244321}">
+                <p14:modId xmlns:p14="http://schemas.microsoft.com/office/powerpoint/2010/main" val="1242039683"/>
+              </p:ext>
+            </p:extLst>
+          </p:nvPr>
+        </p:nvGraphicFramePr>
+        <p:xfrm>
+          <a:off x="786442" y="4758939"/>
+          <a:ext cx="10619112" cy="365760"/>
+        </p:xfrm>
+        <a:graphic>
+          <a:graphicData uri="http://schemas.openxmlformats.org/drawingml/2006/table">
+            <a:tbl>
+              <a:tblPr/>
+              <a:tblGrid>
+                <a:gridCol w="2654778">
+                  <a:extLst>
+                    <a:ext uri="{9D8B030D-6E8A-4147-A177-3AD203B41FA5}">
+                      <a16:colId xmlns:a16="http://schemas.microsoft.com/office/drawing/2014/main" val="3551545375"/>
+                    </a:ext>
+                  </a:extLst>
+                </a:gridCol>
+                <a:gridCol w="2654778">
+                  <a:extLst>
+                    <a:ext uri="{9D8B030D-6E8A-4147-A177-3AD203B41FA5}">
+                      <a16:colId xmlns:a16="http://schemas.microsoft.com/office/drawing/2014/main" val="330093863"/>
+                    </a:ext>
+                  </a:extLst>
+                </a:gridCol>
+                <a:gridCol w="2654778">
+                  <a:extLst>
+                    <a:ext uri="{9D8B030D-6E8A-4147-A177-3AD203B41FA5}">
+                      <a16:colId xmlns:a16="http://schemas.microsoft.com/office/drawing/2014/main" val="785465922"/>
+                    </a:ext>
+                  </a:extLst>
+                </a:gridCol>
+                <a:gridCol w="2654778">
+                  <a:extLst>
+                    <a:ext uri="{9D8B030D-6E8A-4147-A177-3AD203B41FA5}">
+                      <a16:colId xmlns:a16="http://schemas.microsoft.com/office/drawing/2014/main" val="2590393171"/>
+                    </a:ext>
+                  </a:extLst>
+                </a:gridCol>
+              </a:tblGrid>
+              <a:tr h="0">
+                <a:tc>
+                  <a:txBody>
+                    <a:bodyPr/>
+                    <a:lstStyle/>
+                    <a:p>
+                      <a:pPr algn="ctr"/>
+                      <a:r>
+                        <a:rPr lang="ko-KR" altLang="en-US">
+                          <a:solidFill>
+                            <a:srgbClr val="666666"/>
+                          </a:solidFill>
+                          <a:effectLst/>
+                          <a:latin typeface="Noto Sans" panose="020B0502040504020204" pitchFamily="34" charset="0"/>
+                        </a:rPr>
+                        <a:t>관계</a:t>
+                      </a:r>
+                    </a:p>
+                  </a:txBody>
+                  <a:tcPr anchor="ctr">
+                    <a:lnL w="7620" cap="flat" cmpd="sng" algn="ctr">
+                      <a:solidFill>
+                        <a:srgbClr val="89D7DC"/>
+                      </a:solidFill>
+                      <a:prstDash val="solid"/>
+                      <a:round/>
+                      <a:headEnd type="none" w="med" len="med"/>
+                      <a:tailEnd type="none" w="med" len="med"/>
+                    </a:lnL>
+                    <a:lnR w="7620" cap="flat" cmpd="sng" algn="ctr">
+                      <a:solidFill>
+                        <a:srgbClr val="89D7DC"/>
+                      </a:solidFill>
+                      <a:prstDash val="solid"/>
+                      <a:round/>
+                      <a:headEnd type="none" w="med" len="med"/>
+                      <a:tailEnd type="none" w="med" len="med"/>
+                    </a:lnR>
+                    <a:lnT w="7620" cap="flat" cmpd="sng" algn="ctr">
+                      <a:solidFill>
+                        <a:srgbClr val="89D7DC"/>
+                      </a:solidFill>
+                      <a:prstDash val="solid"/>
+                      <a:round/>
+                      <a:headEnd type="none" w="med" len="med"/>
+                      <a:tailEnd type="none" w="med" len="med"/>
+                    </a:lnT>
+                    <a:lnB w="7620" cap="flat" cmpd="sng" algn="ctr">
+                      <a:solidFill>
+                        <a:srgbClr val="89D7DC"/>
+                      </a:solidFill>
+                      <a:prstDash val="solid"/>
+                      <a:round/>
+                      <a:headEnd type="none" w="med" len="med"/>
+                      <a:tailEnd type="none" w="med" len="med"/>
+                    </a:lnB>
+                    <a:solidFill>
+                      <a:srgbClr val="CDEEF0"/>
+                    </a:solidFill>
+                  </a:tcPr>
+                </a:tc>
+                <a:tc>
+                  <a:txBody>
+                    <a:bodyPr/>
+                    <a:lstStyle/>
+                    <a:p>
+                      <a:pPr algn="ctr"/>
+                      <a:r>
+                        <a:rPr lang="ko-KR" altLang="en-US">
+                          <a:solidFill>
+                            <a:srgbClr val="666666"/>
+                          </a:solidFill>
+                          <a:effectLst/>
+                          <a:latin typeface="Noto Sans" panose="020B0502040504020204" pitchFamily="34" charset="0"/>
+                        </a:rPr>
+                        <a:t>관계에 참여하는 개체</a:t>
+                      </a:r>
+                    </a:p>
+                  </a:txBody>
+                  <a:tcPr anchor="ctr">
+                    <a:lnL w="7620" cap="flat" cmpd="sng" algn="ctr">
+                      <a:solidFill>
+                        <a:srgbClr val="89D7DC"/>
+                      </a:solidFill>
+                      <a:prstDash val="solid"/>
+                      <a:round/>
+                      <a:headEnd type="none" w="med" len="med"/>
+                      <a:tailEnd type="none" w="med" len="med"/>
+                    </a:lnL>
+                    <a:lnR w="7620" cap="flat" cmpd="sng" algn="ctr">
+                      <a:solidFill>
+                        <a:srgbClr val="89D7DC"/>
+                      </a:solidFill>
+                      <a:prstDash val="solid"/>
+                      <a:round/>
+                      <a:headEnd type="none" w="med" len="med"/>
+                      <a:tailEnd type="none" w="med" len="med"/>
+                    </a:lnR>
+                    <a:lnT w="7620" cap="flat" cmpd="sng" algn="ctr">
+                      <a:solidFill>
+                        <a:srgbClr val="89D7DC"/>
+                      </a:solidFill>
+                      <a:prstDash val="solid"/>
+                      <a:round/>
+                      <a:headEnd type="none" w="med" len="med"/>
+                      <a:tailEnd type="none" w="med" len="med"/>
+                    </a:lnT>
+                    <a:lnB w="7620" cap="flat" cmpd="sng" algn="ctr">
+                      <a:solidFill>
+                        <a:srgbClr val="89D7DC"/>
+                      </a:solidFill>
+                      <a:prstDash val="solid"/>
+                      <a:round/>
+                      <a:headEnd type="none" w="med" len="med"/>
+                      <a:tailEnd type="none" w="med" len="med"/>
+                    </a:lnB>
+                    <a:solidFill>
+                      <a:srgbClr val="CDEEF0"/>
+                    </a:solidFill>
+                  </a:tcPr>
+                </a:tc>
+                <a:tc>
+                  <a:txBody>
+                    <a:bodyPr/>
+                    <a:lstStyle/>
+                    <a:p>
+                      <a:pPr algn="ctr"/>
+                      <a:r>
+                        <a:rPr lang="ko-KR" altLang="en-US">
+                          <a:solidFill>
+                            <a:srgbClr val="666666"/>
+                          </a:solidFill>
+                          <a:effectLst/>
+                          <a:latin typeface="Noto Sans" panose="020B0502040504020204" pitchFamily="34" charset="0"/>
+                        </a:rPr>
+                        <a:t>관계유형</a:t>
+                      </a:r>
+                    </a:p>
+                  </a:txBody>
+                  <a:tcPr anchor="ctr">
+                    <a:lnL w="7620" cap="flat" cmpd="sng" algn="ctr">
+                      <a:solidFill>
+                        <a:srgbClr val="89D7DC"/>
+                      </a:solidFill>
+                      <a:prstDash val="solid"/>
+                      <a:round/>
+                      <a:headEnd type="none" w="med" len="med"/>
+                      <a:tailEnd type="none" w="med" len="med"/>
+                    </a:lnL>
+                    <a:lnR w="7620" cap="flat" cmpd="sng" algn="ctr">
+                      <a:solidFill>
+                        <a:srgbClr val="89D7DC"/>
+                      </a:solidFill>
+                      <a:prstDash val="solid"/>
+                      <a:round/>
+                      <a:headEnd type="none" w="med" len="med"/>
+                      <a:tailEnd type="none" w="med" len="med"/>
+                    </a:lnR>
+                    <a:lnT w="7620" cap="flat" cmpd="sng" algn="ctr">
+                      <a:solidFill>
+                        <a:srgbClr val="89D7DC"/>
+                      </a:solidFill>
+                      <a:prstDash val="solid"/>
+                      <a:round/>
+                      <a:headEnd type="none" w="med" len="med"/>
+                      <a:tailEnd type="none" w="med" len="med"/>
+                    </a:lnT>
+                    <a:lnB w="7620" cap="flat" cmpd="sng" algn="ctr">
+                      <a:solidFill>
+                        <a:srgbClr val="89D7DC"/>
+                      </a:solidFill>
+                      <a:prstDash val="solid"/>
+                      <a:round/>
+                      <a:headEnd type="none" w="med" len="med"/>
+                      <a:tailEnd type="none" w="med" len="med"/>
+                    </a:lnB>
+                    <a:solidFill>
+                      <a:srgbClr val="CDEEF0"/>
+                    </a:solidFill>
+                  </a:tcPr>
+                </a:tc>
+                <a:tc>
+                  <a:txBody>
+                    <a:bodyPr/>
+                    <a:lstStyle/>
+                    <a:p>
+                      <a:pPr algn="ctr"/>
+                      <a:r>
+                        <a:rPr lang="ko-KR" altLang="en-US" dirty="0">
+                          <a:solidFill>
+                            <a:srgbClr val="666666"/>
+                          </a:solidFill>
+                          <a:effectLst/>
+                          <a:latin typeface="Noto Sans" panose="020B0502040504020204" pitchFamily="34" charset="0"/>
+                        </a:rPr>
+                        <a:t>관계 속성</a:t>
+                      </a:r>
+                    </a:p>
+                  </a:txBody>
+                  <a:tcPr anchor="ctr">
+                    <a:lnL w="7620" cap="flat" cmpd="sng" algn="ctr">
+                      <a:solidFill>
+                        <a:srgbClr val="89D7DC"/>
+                      </a:solidFill>
+                      <a:prstDash val="solid"/>
+                      <a:round/>
+                      <a:headEnd type="none" w="med" len="med"/>
+                      <a:tailEnd type="none" w="med" len="med"/>
+                    </a:lnL>
+                    <a:lnR w="7620" cap="flat" cmpd="sng" algn="ctr">
+                      <a:solidFill>
+                        <a:srgbClr val="89D7DC"/>
+                      </a:solidFill>
+                      <a:prstDash val="solid"/>
+                      <a:round/>
+                      <a:headEnd type="none" w="med" len="med"/>
+                      <a:tailEnd type="none" w="med" len="med"/>
+                    </a:lnR>
+                    <a:lnT w="7620" cap="flat" cmpd="sng" algn="ctr">
+                      <a:solidFill>
+                        <a:srgbClr val="89D7DC"/>
+                      </a:solidFill>
+                      <a:prstDash val="solid"/>
+                      <a:round/>
+                      <a:headEnd type="none" w="med" len="med"/>
+                      <a:tailEnd type="none" w="med" len="med"/>
+                    </a:lnT>
+                    <a:lnB w="7620" cap="flat" cmpd="sng" algn="ctr">
+                      <a:solidFill>
+                        <a:srgbClr val="89D7DC"/>
+                      </a:solidFill>
+                      <a:prstDash val="solid"/>
+                      <a:round/>
+                      <a:headEnd type="none" w="med" len="med"/>
+                      <a:tailEnd type="none" w="med" len="med"/>
+                    </a:lnB>
+                    <a:solidFill>
+                      <a:srgbClr val="CDEEF0"/>
+                    </a:solidFill>
+                  </a:tcPr>
+                </a:tc>
+                <a:extLst>
+                  <a:ext uri="{0D108BD9-81ED-4DB2-BD59-A6C34878D82A}">
+                    <a16:rowId xmlns:a16="http://schemas.microsoft.com/office/drawing/2014/main" val="606524450"/>
+                  </a:ext>
+                </a:extLst>
+              </a:tr>
+            </a:tbl>
+          </a:graphicData>
+        </a:graphic>
+      </p:graphicFrame>
+      <p:sp>
+        <p:nvSpPr>
+          <p:cNvPr id="40" name="TextBox 39">
+            <a:extLst>
+              <a:ext uri="{FF2B5EF4-FFF2-40B4-BE49-F238E27FC236}">
+                <a16:creationId xmlns:a16="http://schemas.microsoft.com/office/drawing/2014/main" id="{1BE5FA69-6464-4756-A641-0CB18B54EF9B}"/>
+              </a:ext>
+            </a:extLst>
+          </p:cNvPr>
+          <p:cNvSpPr txBox="1"/>
+          <p:nvPr/>
+        </p:nvSpPr>
+        <p:spPr>
+          <a:xfrm>
+            <a:off x="523387" y="5251307"/>
+            <a:ext cx="11124626" cy="2031325"/>
+          </a:xfrm>
+          <a:prstGeom prst="rect">
+            <a:avLst/>
+          </a:prstGeom>
+          <a:noFill/>
+        </p:spPr>
+        <p:txBody>
+          <a:bodyPr wrap="square" rtlCol="0">
+            <a:spAutoFit/>
+          </a:bodyPr>
+          <a:lstStyle/>
+          <a:p>
+            <a:pPr marL="285750" indent="-285750">
+              <a:buFont typeface="Arial" panose="020B0604020202020204" pitchFamily="34" charset="0"/>
+              <a:buChar char="•"/>
+            </a:pPr>
+            <a:r>
+              <a:rPr lang="ko-KR" altLang="en-US" sz="1400" b="1" dirty="0"/>
+              <a:t>대여 횟수</a:t>
+            </a:r>
+            <a:r>
+              <a:rPr lang="ko-KR" altLang="en-US" sz="1400" dirty="0"/>
+              <a:t>는 임의의 파악을 위한 </a:t>
+            </a:r>
+            <a:r>
+              <a:rPr lang="en-US" altLang="ko-KR" sz="1400" b="1" dirty="0"/>
+              <a:t>“</a:t>
+            </a:r>
+            <a:r>
+              <a:rPr lang="ko-KR" altLang="en-US" sz="1400" b="1" dirty="0"/>
+              <a:t>조회수</a:t>
+            </a:r>
+            <a:r>
+              <a:rPr lang="en-US" altLang="ko-KR" sz="1400" b="1" dirty="0"/>
+              <a:t>” </a:t>
+            </a:r>
+            <a:r>
+              <a:rPr lang="ko-KR" altLang="en-US" sz="1400" b="1" dirty="0"/>
+              <a:t>개념</a:t>
+            </a:r>
+            <a:r>
+              <a:rPr lang="ko-KR" altLang="en-US" sz="1400" dirty="0"/>
+              <a:t>으로 두었다</a:t>
+            </a:r>
+            <a:r>
+              <a:rPr lang="en-US" altLang="ko-KR" sz="1400" dirty="0"/>
+              <a:t>.</a:t>
+            </a:r>
+          </a:p>
+          <a:p>
+            <a:pPr marL="285750" indent="-285750">
+              <a:buFont typeface="Arial" panose="020B0604020202020204" pitchFamily="34" charset="0"/>
+              <a:buChar char="•"/>
+            </a:pPr>
+            <a:r>
+              <a:rPr lang="en-US" altLang="ko-KR" sz="1400" b="1" dirty="0"/>
+              <a:t>QR</a:t>
+            </a:r>
+            <a:r>
+              <a:rPr lang="ko-KR" altLang="en-US" sz="1400" b="1" dirty="0"/>
+              <a:t>번호</a:t>
+            </a:r>
+            <a:r>
+              <a:rPr lang="ko-KR" altLang="en-US" sz="1400" dirty="0"/>
+              <a:t>는 각 </a:t>
+            </a:r>
+            <a:r>
+              <a:rPr lang="en-US" altLang="ko-KR" sz="1400" dirty="0"/>
+              <a:t>16</a:t>
+            </a:r>
+            <a:r>
+              <a:rPr lang="ko-KR" altLang="en-US" sz="1400" dirty="0"/>
+              <a:t>자의 </a:t>
+            </a:r>
+            <a:r>
+              <a:rPr lang="ko-KR" altLang="en-US" sz="1400" b="1" dirty="0"/>
+              <a:t>기관번호와 물품번호</a:t>
+            </a:r>
+            <a:r>
+              <a:rPr lang="ko-KR" altLang="en-US" sz="1400" dirty="0"/>
+              <a:t>를 조합한 </a:t>
+            </a:r>
+            <a:r>
+              <a:rPr lang="en-US" altLang="ko-KR" sz="1400" dirty="0"/>
+              <a:t>32</a:t>
+            </a:r>
+            <a:r>
+              <a:rPr lang="ko-KR" altLang="en-US" sz="1400" dirty="0"/>
+              <a:t>자리의 </a:t>
+            </a:r>
+            <a:r>
+              <a:rPr lang="en-US" altLang="ko-KR" sz="1400" dirty="0"/>
+              <a:t>QR</a:t>
+            </a:r>
+            <a:r>
+              <a:rPr lang="ko-KR" altLang="en-US" sz="1400" dirty="0"/>
+              <a:t>번호이다</a:t>
+            </a:r>
+            <a:r>
+              <a:rPr lang="en-US" altLang="ko-KR" sz="1400" dirty="0"/>
+              <a:t>.</a:t>
+            </a:r>
+          </a:p>
+          <a:p>
+            <a:pPr marL="285750" indent="-285750">
+              <a:buFont typeface="Arial" panose="020B0604020202020204" pitchFamily="34" charset="0"/>
+              <a:buChar char="•"/>
+            </a:pPr>
+            <a:r>
+              <a:rPr lang="ko-KR" altLang="en-US" sz="1400" b="1" dirty="0"/>
+              <a:t>물품번호</a:t>
+            </a:r>
+            <a:r>
+              <a:rPr lang="ko-KR" altLang="en-US" sz="1400" dirty="0"/>
+              <a:t>는 기관 내에서는 중복이 없도록</a:t>
+            </a:r>
+            <a:r>
+              <a:rPr lang="en-US" altLang="ko-KR" sz="1400" dirty="0"/>
+              <a:t>, </a:t>
+            </a:r>
+            <a:r>
+              <a:rPr lang="ko-KR" altLang="en-US" sz="1400" b="1" dirty="0"/>
+              <a:t>기관 내에서 중복 여부를 확인 </a:t>
+            </a:r>
+            <a:r>
+              <a:rPr lang="ko-KR" altLang="en-US" sz="1400" dirty="0"/>
+              <a:t>후 발급한다</a:t>
+            </a:r>
+            <a:r>
+              <a:rPr lang="en-US" altLang="ko-KR" sz="1400" dirty="0"/>
+              <a:t>.</a:t>
+            </a:r>
+          </a:p>
+          <a:p>
+            <a:pPr marL="285750" indent="-285750">
+              <a:buFont typeface="Arial" panose="020B0604020202020204" pitchFamily="34" charset="0"/>
+              <a:buChar char="•"/>
+            </a:pPr>
+            <a:r>
+              <a:rPr lang="ko-KR" altLang="en-US" sz="1400" b="1" dirty="0"/>
+              <a:t>최종 사용자</a:t>
+            </a:r>
+            <a:r>
+              <a:rPr lang="ko-KR" altLang="en-US" sz="1400" dirty="0"/>
+              <a:t> 속성의 존재 이유는</a:t>
+            </a:r>
+            <a:r>
+              <a:rPr lang="en-US" altLang="ko-KR" sz="1400" dirty="0"/>
+              <a:t>, </a:t>
+            </a:r>
+            <a:r>
+              <a:rPr lang="ko-KR" altLang="en-US" sz="1400" dirty="0"/>
+              <a:t>물품의 손상 혹은 </a:t>
+            </a:r>
+            <a:r>
+              <a:rPr lang="ko-KR" altLang="en-US" sz="1400" dirty="0" err="1"/>
+              <a:t>미반납</a:t>
+            </a:r>
+            <a:r>
+              <a:rPr lang="ko-KR" altLang="en-US" sz="1400" dirty="0"/>
+              <a:t> 상황에서의 </a:t>
+            </a:r>
+            <a:r>
+              <a:rPr lang="ko-KR" altLang="en-US" sz="1400" b="1" dirty="0"/>
+              <a:t>물품 추적</a:t>
+            </a:r>
+            <a:r>
+              <a:rPr lang="ko-KR" altLang="en-US" sz="1400" dirty="0"/>
+              <a:t>을 위함이다</a:t>
+            </a:r>
+            <a:r>
+              <a:rPr lang="en-US" altLang="ko-KR" sz="1400" dirty="0"/>
+              <a:t>.</a:t>
+            </a:r>
+          </a:p>
+          <a:p>
+            <a:pPr marL="285750" indent="-285750">
+              <a:buFont typeface="Arial" panose="020B0604020202020204" pitchFamily="34" charset="0"/>
+              <a:buChar char="•"/>
+            </a:pPr>
+            <a:r>
+              <a:rPr lang="ko-KR" altLang="en-US" sz="1400" b="1" dirty="0"/>
+              <a:t>물품 번호와 기관 번호의 분리</a:t>
+            </a:r>
+            <a:r>
+              <a:rPr lang="ko-KR" altLang="en-US" sz="1400" dirty="0"/>
+              <a:t>는</a:t>
+            </a:r>
+            <a:r>
+              <a:rPr lang="en-US" altLang="ko-KR" sz="1400" dirty="0"/>
+              <a:t>, </a:t>
+            </a:r>
+            <a:r>
+              <a:rPr lang="ko-KR" altLang="en-US" sz="1400" dirty="0"/>
+              <a:t>관리 물품 </a:t>
+            </a:r>
+            <a:r>
+              <a:rPr lang="ko-KR" altLang="en-US" sz="1400" b="1" dirty="0"/>
+              <a:t>삭제 시의 제약조건</a:t>
+            </a:r>
+            <a:r>
+              <a:rPr lang="ko-KR" altLang="en-US" sz="1400" dirty="0"/>
+              <a:t> 설정을 위함이다</a:t>
+            </a:r>
+            <a:r>
+              <a:rPr lang="en-US" altLang="ko-KR" sz="1400" dirty="0"/>
+              <a:t>.</a:t>
+            </a:r>
+          </a:p>
+          <a:p>
+            <a:pPr marL="285750" indent="-285750">
+              <a:buFont typeface="Arial" panose="020B0604020202020204" pitchFamily="34" charset="0"/>
+              <a:buChar char="•"/>
+            </a:pPr>
+            <a:endParaRPr lang="en-US" altLang="ko-KR" sz="1400" dirty="0"/>
+          </a:p>
+          <a:p>
+            <a:pPr marL="285750" indent="-285750">
+              <a:buFont typeface="Arial" panose="020B0604020202020204" pitchFamily="34" charset="0"/>
+              <a:buChar char="•"/>
+            </a:pPr>
+            <a:endParaRPr lang="en-US" altLang="ko-KR" sz="1400" dirty="0"/>
+          </a:p>
+          <a:p>
+            <a:pPr marL="285750" indent="-285750">
+              <a:buFont typeface="Arial" panose="020B0604020202020204" pitchFamily="34" charset="0"/>
+              <a:buChar char="•"/>
+            </a:pPr>
+            <a:endParaRPr lang="en-US" altLang="ko-KR" sz="1400" dirty="0"/>
+          </a:p>
+          <a:p>
+            <a:pPr marL="285750" indent="-285750">
+              <a:buFont typeface="Arial" panose="020B0604020202020204" pitchFamily="34" charset="0"/>
+              <a:buChar char="•"/>
+            </a:pPr>
+            <a:endParaRPr lang="ko-KR" altLang="en-US" sz="1400" dirty="0"/>
+          </a:p>
+        </p:txBody>
+      </p:sp>
+      <p:grpSp>
+        <p:nvGrpSpPr>
+          <p:cNvPr id="47" name="그룹 46">
+            <a:extLst>
+              <a:ext uri="{FF2B5EF4-FFF2-40B4-BE49-F238E27FC236}">
+                <a16:creationId xmlns:a16="http://schemas.microsoft.com/office/drawing/2014/main" id="{9FA0A426-B90F-4352-B85A-884DF3D9E36A}"/>
+              </a:ext>
+            </a:extLst>
+          </p:cNvPr>
+          <p:cNvGrpSpPr/>
+          <p:nvPr/>
+        </p:nvGrpSpPr>
+        <p:grpSpPr>
+          <a:xfrm>
+            <a:off x="1161534" y="747118"/>
+            <a:ext cx="10107825" cy="3914447"/>
+            <a:chOff x="1161534" y="747118"/>
+            <a:chExt cx="10107825" cy="3914447"/>
+          </a:xfrm>
+        </p:grpSpPr>
+        <p:cxnSp>
+          <p:nvCxnSpPr>
+            <p:cNvPr id="45" name="직선 연결선 44">
+              <a:extLst>
+                <a:ext uri="{FF2B5EF4-FFF2-40B4-BE49-F238E27FC236}">
+                  <a16:creationId xmlns:a16="http://schemas.microsoft.com/office/drawing/2014/main" id="{2D8D7BA8-4261-4D09-A9D1-EA0FCEBB3A1C}"/>
+                </a:ext>
+              </a:extLst>
+            </p:cNvPr>
+            <p:cNvCxnSpPr>
+              <a:cxnSpLocks/>
+              <a:stCxn id="4" idx="2"/>
+              <a:endCxn id="43" idx="0"/>
+            </p:cNvCxnSpPr>
+            <p:nvPr/>
+          </p:nvCxnSpPr>
+          <p:spPr>
+            <a:xfrm>
+              <a:off x="6215447" y="1673874"/>
+              <a:ext cx="3354857" cy="2031701"/>
+            </a:xfrm>
+            <a:prstGeom prst="line">
+              <a:avLst/>
+            </a:prstGeom>
+            <a:ln w="38100">
+              <a:solidFill>
+                <a:schemeClr val="tx1"/>
+              </a:solidFill>
+            </a:ln>
+          </p:spPr>
+          <p:style>
+            <a:lnRef idx="1">
+              <a:schemeClr val="accent1"/>
+            </a:lnRef>
+            <a:fillRef idx="0">
+              <a:schemeClr val="accent1"/>
+            </a:fillRef>
+            <a:effectRef idx="0">
+              <a:schemeClr val="accent1"/>
+            </a:effectRef>
+            <a:fontRef idx="minor">
+              <a:schemeClr val="tx1"/>
+            </a:fontRef>
+          </p:style>
+        </p:cxnSp>
+        <p:cxnSp>
+          <p:nvCxnSpPr>
+            <p:cNvPr id="34" name="직선 연결선 33">
+              <a:extLst>
+                <a:ext uri="{FF2B5EF4-FFF2-40B4-BE49-F238E27FC236}">
+                  <a16:creationId xmlns:a16="http://schemas.microsoft.com/office/drawing/2014/main" id="{D2486D29-8E0F-4292-B187-23CD41B69899}"/>
+                </a:ext>
+              </a:extLst>
+            </p:cNvPr>
+            <p:cNvCxnSpPr>
+              <a:cxnSpLocks/>
+              <a:stCxn id="4" idx="2"/>
+              <a:endCxn id="28" idx="0"/>
+            </p:cNvCxnSpPr>
+            <p:nvPr/>
+          </p:nvCxnSpPr>
+          <p:spPr>
+            <a:xfrm flipH="1">
+              <a:off x="2582561" y="1673874"/>
+              <a:ext cx="3632886" cy="2035533"/>
+            </a:xfrm>
+            <a:prstGeom prst="line">
+              <a:avLst/>
+            </a:prstGeom>
+            <a:ln w="38100">
+              <a:solidFill>
+                <a:schemeClr val="tx1"/>
+              </a:solidFill>
+            </a:ln>
+          </p:spPr>
+          <p:style>
+            <a:lnRef idx="1">
+              <a:schemeClr val="accent1"/>
+            </a:lnRef>
+            <a:fillRef idx="0">
+              <a:schemeClr val="accent1"/>
+            </a:fillRef>
+            <a:effectRef idx="0">
+              <a:schemeClr val="accent1"/>
+            </a:effectRef>
+            <a:fontRef idx="minor">
+              <a:schemeClr val="tx1"/>
+            </a:fontRef>
+          </p:style>
+        </p:cxnSp>
+        <p:cxnSp>
+          <p:nvCxnSpPr>
+            <p:cNvPr id="35" name="직선 연결선 34">
+              <a:extLst>
+                <a:ext uri="{FF2B5EF4-FFF2-40B4-BE49-F238E27FC236}">
+                  <a16:creationId xmlns:a16="http://schemas.microsoft.com/office/drawing/2014/main" id="{64C02368-004F-4C5D-AD29-EA7518F5C7D0}"/>
+                </a:ext>
+              </a:extLst>
+            </p:cNvPr>
+            <p:cNvCxnSpPr>
+              <a:cxnSpLocks/>
+              <a:stCxn id="4" idx="2"/>
+              <a:endCxn id="32" idx="0"/>
+            </p:cNvCxnSpPr>
+            <p:nvPr/>
+          </p:nvCxnSpPr>
+          <p:spPr>
+            <a:xfrm>
+              <a:off x="6215447" y="1673874"/>
+              <a:ext cx="20980" cy="2060935"/>
+            </a:xfrm>
+            <a:prstGeom prst="line">
+              <a:avLst/>
+            </a:prstGeom>
+            <a:ln w="38100">
+              <a:solidFill>
+                <a:schemeClr val="tx1"/>
+              </a:solidFill>
+            </a:ln>
+          </p:spPr>
+          <p:style>
+            <a:lnRef idx="1">
+              <a:schemeClr val="accent1"/>
+            </a:lnRef>
+            <a:fillRef idx="0">
+              <a:schemeClr val="accent1"/>
+            </a:fillRef>
+            <a:effectRef idx="0">
+              <a:schemeClr val="accent1"/>
+            </a:effectRef>
+            <a:fontRef idx="minor">
+              <a:schemeClr val="tx1"/>
+            </a:fontRef>
+          </p:style>
+        </p:cxnSp>
+        <p:sp>
+          <p:nvSpPr>
+            <p:cNvPr id="4" name="다이아몬드 3">
+              <a:extLst>
+                <a:ext uri="{FF2B5EF4-FFF2-40B4-BE49-F238E27FC236}">
+                  <a16:creationId xmlns:a16="http://schemas.microsoft.com/office/drawing/2014/main" id="{923F19B7-88BB-4694-B38E-6B2A8B638877}"/>
+                </a:ext>
+              </a:extLst>
+            </p:cNvPr>
+            <p:cNvSpPr/>
+            <p:nvPr/>
+          </p:nvSpPr>
+          <p:spPr>
+            <a:xfrm>
+              <a:off x="4720279" y="747118"/>
+              <a:ext cx="2990335" cy="926756"/>
+            </a:xfrm>
+            <a:prstGeom prst="diamond">
+              <a:avLst/>
+            </a:prstGeom>
+            <a:solidFill>
+              <a:schemeClr val="accent4">
+                <a:lumMod val="40000"/>
+                <a:lumOff val="60000"/>
+              </a:schemeClr>
+            </a:solidFill>
+            <a:ln>
+              <a:solidFill>
+                <a:schemeClr val="bg2">
+                  <a:lumMod val="10000"/>
+                </a:schemeClr>
+              </a:solidFill>
+            </a:ln>
+          </p:spPr>
+          <p:style>
+            <a:lnRef idx="2">
+              <a:schemeClr val="accent1">
+                <a:shade val="50000"/>
+              </a:schemeClr>
+            </a:lnRef>
+            <a:fillRef idx="1">
+              <a:schemeClr val="accent1"/>
+            </a:fillRef>
+            <a:effectRef idx="0">
+              <a:schemeClr val="accent1"/>
+            </a:effectRef>
+            <a:fontRef idx="minor">
+              <a:schemeClr val="lt1"/>
+            </a:fontRef>
+          </p:style>
+          <p:txBody>
+            <a:bodyPr rtlCol="0" anchor="ctr"/>
+            <a:lstStyle/>
+            <a:p>
+              <a:pPr algn="ctr"/>
+              <a:r>
+                <a:rPr lang="ko-KR" altLang="en-US" b="1" dirty="0">
+                  <a:solidFill>
+                    <a:schemeClr val="tx1">
+                      <a:lumMod val="95000"/>
+                      <a:lumOff val="5000"/>
+                    </a:schemeClr>
+                  </a:solidFill>
+                </a:rPr>
+                <a:t>대여 </a:t>
+              </a:r>
+              <a:r>
+                <a:rPr lang="en-US" altLang="ko-KR" b="1" dirty="0">
+                  <a:solidFill>
+                    <a:schemeClr val="tx1">
+                      <a:lumMod val="95000"/>
+                      <a:lumOff val="5000"/>
+                    </a:schemeClr>
+                  </a:solidFill>
+                </a:rPr>
+                <a:t>/ </a:t>
+              </a:r>
+              <a:r>
+                <a:rPr lang="ko-KR" altLang="en-US" b="1" dirty="0">
+                  <a:solidFill>
+                    <a:schemeClr val="tx1">
+                      <a:lumMod val="95000"/>
+                      <a:lumOff val="5000"/>
+                    </a:schemeClr>
+                  </a:solidFill>
+                </a:rPr>
+                <a:t>반납</a:t>
+              </a:r>
+              <a:endParaRPr lang="en-US" altLang="ko-KR" b="1" dirty="0">
+                <a:solidFill>
+                  <a:schemeClr val="tx1">
+                    <a:lumMod val="95000"/>
+                    <a:lumOff val="5000"/>
+                  </a:schemeClr>
+                </a:solidFill>
+              </a:endParaRPr>
+            </a:p>
+            <a:p>
+              <a:pPr algn="ctr"/>
+              <a:r>
+                <a:rPr lang="ko-KR" altLang="en-US" sz="1400" b="1" dirty="0">
+                  <a:solidFill>
+                    <a:schemeClr val="tx1">
+                      <a:lumMod val="95000"/>
+                      <a:lumOff val="5000"/>
+                    </a:schemeClr>
+                  </a:solidFill>
+                </a:rPr>
+                <a:t>릴레이션</a:t>
+              </a:r>
+              <a:endParaRPr lang="ko-KR" altLang="en-US" b="1" dirty="0">
+                <a:solidFill>
+                  <a:schemeClr val="tx1">
+                    <a:lumMod val="95000"/>
+                    <a:lumOff val="5000"/>
+                  </a:schemeClr>
+                </a:solidFill>
+              </a:endParaRPr>
+            </a:p>
+          </p:txBody>
+        </p:sp>
+        <p:sp>
+          <p:nvSpPr>
+            <p:cNvPr id="5" name="직사각형 4">
+              <a:extLst>
+                <a:ext uri="{FF2B5EF4-FFF2-40B4-BE49-F238E27FC236}">
+                  <a16:creationId xmlns:a16="http://schemas.microsoft.com/office/drawing/2014/main" id="{C690AA2D-6C48-4671-A163-B017C3B671DD}"/>
+                </a:ext>
+              </a:extLst>
+            </p:cNvPr>
+            <p:cNvSpPr/>
+            <p:nvPr/>
+          </p:nvSpPr>
+          <p:spPr>
+            <a:xfrm>
+              <a:off x="1161534" y="747118"/>
+              <a:ext cx="2446638" cy="926756"/>
+            </a:xfrm>
+            <a:prstGeom prst="rect">
+              <a:avLst/>
+            </a:prstGeom>
+            <a:solidFill>
+              <a:schemeClr val="accent1">
+                <a:lumMod val="40000"/>
+                <a:lumOff val="60000"/>
+              </a:schemeClr>
+            </a:solidFill>
+            <a:ln>
+              <a:solidFill>
+                <a:schemeClr val="tx1">
+                  <a:lumMod val="95000"/>
+                  <a:lumOff val="5000"/>
+                </a:schemeClr>
+              </a:solidFill>
+            </a:ln>
+          </p:spPr>
+          <p:style>
+            <a:lnRef idx="2">
+              <a:schemeClr val="accent1">
+                <a:shade val="50000"/>
+              </a:schemeClr>
+            </a:lnRef>
+            <a:fillRef idx="1">
+              <a:schemeClr val="accent1"/>
+            </a:fillRef>
+            <a:effectRef idx="0">
+              <a:schemeClr val="accent1"/>
+            </a:effectRef>
+            <a:fontRef idx="minor">
+              <a:schemeClr val="lt1"/>
+            </a:fontRef>
+          </p:style>
+          <p:txBody>
+            <a:bodyPr rtlCol="0" anchor="ctr"/>
+            <a:lstStyle/>
+            <a:p>
+              <a:pPr algn="ctr"/>
+              <a:r>
+                <a:rPr lang="ko-KR" altLang="en-US" b="1" dirty="0">
+                  <a:solidFill>
+                    <a:schemeClr val="tx1">
+                      <a:lumMod val="95000"/>
+                      <a:lumOff val="5000"/>
+                    </a:schemeClr>
+                  </a:solidFill>
+                </a:rPr>
+                <a:t>이용자</a:t>
+              </a:r>
+            </a:p>
+          </p:txBody>
+        </p:sp>
+        <p:sp>
+          <p:nvSpPr>
+            <p:cNvPr id="6" name="직사각형 5">
+              <a:extLst>
+                <a:ext uri="{FF2B5EF4-FFF2-40B4-BE49-F238E27FC236}">
+                  <a16:creationId xmlns:a16="http://schemas.microsoft.com/office/drawing/2014/main" id="{4FEB578B-60A0-4369-8C6B-A7DCBE096DAD}"/>
+                </a:ext>
+              </a:extLst>
+            </p:cNvPr>
+            <p:cNvSpPr/>
+            <p:nvPr/>
+          </p:nvSpPr>
+          <p:spPr>
+            <a:xfrm>
+              <a:off x="8822721" y="747118"/>
+              <a:ext cx="2446638" cy="926756"/>
+            </a:xfrm>
+            <a:prstGeom prst="rect">
+              <a:avLst/>
+            </a:prstGeom>
+            <a:solidFill>
+              <a:schemeClr val="accent1">
+                <a:lumMod val="40000"/>
+                <a:lumOff val="60000"/>
+              </a:schemeClr>
+            </a:solidFill>
+            <a:ln>
+              <a:solidFill>
+                <a:schemeClr val="tx1">
+                  <a:lumMod val="95000"/>
+                  <a:lumOff val="5000"/>
+                </a:schemeClr>
+              </a:solidFill>
+            </a:ln>
+          </p:spPr>
+          <p:style>
+            <a:lnRef idx="2">
+              <a:schemeClr val="accent1">
+                <a:shade val="50000"/>
+              </a:schemeClr>
+            </a:lnRef>
+            <a:fillRef idx="1">
+              <a:schemeClr val="accent1"/>
+            </a:fillRef>
+            <a:effectRef idx="0">
+              <a:schemeClr val="accent1"/>
+            </a:effectRef>
+            <a:fontRef idx="minor">
+              <a:schemeClr val="lt1"/>
+            </a:fontRef>
+          </p:style>
+          <p:txBody>
+            <a:bodyPr rtlCol="0" anchor="ctr"/>
+            <a:lstStyle/>
+            <a:p>
+              <a:pPr algn="ctr"/>
+              <a:r>
+                <a:rPr lang="ko-KR" altLang="en-US" b="1" dirty="0">
+                  <a:solidFill>
+                    <a:schemeClr val="tx1">
+                      <a:lumMod val="95000"/>
+                      <a:lumOff val="5000"/>
+                    </a:schemeClr>
+                  </a:solidFill>
+                </a:rPr>
+                <a:t>관리물품</a:t>
+              </a:r>
+            </a:p>
+          </p:txBody>
+        </p:sp>
+        <p:sp>
+          <p:nvSpPr>
+            <p:cNvPr id="8" name="타원 7">
+              <a:extLst>
+                <a:ext uri="{FF2B5EF4-FFF2-40B4-BE49-F238E27FC236}">
+                  <a16:creationId xmlns:a16="http://schemas.microsoft.com/office/drawing/2014/main" id="{CF0D123B-D7D0-414C-A2AF-680436128C83}"/>
+                </a:ext>
+              </a:extLst>
+            </p:cNvPr>
+            <p:cNvSpPr/>
+            <p:nvPr/>
+          </p:nvSpPr>
+          <p:spPr>
+            <a:xfrm>
+              <a:off x="1421026" y="2692456"/>
+              <a:ext cx="2323070" cy="926756"/>
+            </a:xfrm>
+            <a:prstGeom prst="ellipse">
+              <a:avLst/>
+            </a:prstGeom>
+            <a:solidFill>
+              <a:schemeClr val="accent6">
+                <a:lumMod val="60000"/>
+                <a:lumOff val="40000"/>
+              </a:schemeClr>
+            </a:solidFill>
+            <a:ln>
+              <a:solidFill>
+                <a:schemeClr val="tx1">
+                  <a:lumMod val="95000"/>
+                  <a:lumOff val="5000"/>
+                </a:schemeClr>
+              </a:solidFill>
+            </a:ln>
+          </p:spPr>
+          <p:style>
+            <a:lnRef idx="2">
+              <a:schemeClr val="accent1">
+                <a:shade val="50000"/>
+              </a:schemeClr>
+            </a:lnRef>
+            <a:fillRef idx="1">
+              <a:schemeClr val="accent1"/>
+            </a:fillRef>
+            <a:effectRef idx="0">
+              <a:schemeClr val="accent1"/>
+            </a:effectRef>
+            <a:fontRef idx="minor">
+              <a:schemeClr val="lt1"/>
+            </a:fontRef>
+          </p:style>
+          <p:txBody>
+            <a:bodyPr rtlCol="0" anchor="ctr"/>
+            <a:lstStyle/>
+            <a:p>
+              <a:pPr algn="ctr"/>
+              <a:endParaRPr lang="ko-KR" altLang="en-US">
+                <a:solidFill>
+                  <a:schemeClr val="tx1">
+                    <a:lumMod val="95000"/>
+                    <a:lumOff val="5000"/>
+                  </a:schemeClr>
+                </a:solidFill>
+              </a:endParaRPr>
+            </a:p>
+          </p:txBody>
+        </p:sp>
+        <p:sp>
+          <p:nvSpPr>
+            <p:cNvPr id="9" name="TextBox 8">
+              <a:extLst>
+                <a:ext uri="{FF2B5EF4-FFF2-40B4-BE49-F238E27FC236}">
+                  <a16:creationId xmlns:a16="http://schemas.microsoft.com/office/drawing/2014/main" id="{152D5636-0012-48EC-822B-5B0D2EB8B484}"/>
+                </a:ext>
+              </a:extLst>
+            </p:cNvPr>
+            <p:cNvSpPr txBox="1"/>
+            <p:nvPr/>
+          </p:nvSpPr>
+          <p:spPr>
+            <a:xfrm>
+              <a:off x="1161534" y="2850089"/>
+              <a:ext cx="2842054" cy="646331"/>
+            </a:xfrm>
+            <a:prstGeom prst="rect">
+              <a:avLst/>
+            </a:prstGeom>
+            <a:noFill/>
+          </p:spPr>
+          <p:txBody>
+            <a:bodyPr wrap="square" rtlCol="0">
+              <a:spAutoFit/>
+            </a:bodyPr>
+            <a:lstStyle/>
+            <a:p>
+              <a:pPr algn="ctr"/>
+              <a:r>
+                <a:rPr lang="ko-KR" altLang="en-US" b="1" dirty="0"/>
+                <a:t>대여 번호</a:t>
+              </a:r>
+              <a:endParaRPr lang="en-US" altLang="ko-KR" b="1" dirty="0"/>
+            </a:p>
+            <a:p>
+              <a:pPr algn="ctr"/>
+              <a:r>
+                <a:rPr lang="en-US" altLang="ko-KR" b="1" dirty="0"/>
+                <a:t>(</a:t>
+              </a:r>
+              <a:r>
+                <a:rPr lang="ko-KR" altLang="en-US" b="1" dirty="0"/>
+                <a:t>인덱스</a:t>
+              </a:r>
+              <a:r>
+                <a:rPr lang="en-US" altLang="ko-KR" b="1" dirty="0"/>
+                <a:t>)</a:t>
+              </a:r>
+              <a:endParaRPr lang="ko-KR" altLang="en-US" b="1" dirty="0"/>
+            </a:p>
+          </p:txBody>
+        </p:sp>
+        <p:cxnSp>
+          <p:nvCxnSpPr>
+            <p:cNvPr id="11" name="직선 연결선 10">
+              <a:extLst>
+                <a:ext uri="{FF2B5EF4-FFF2-40B4-BE49-F238E27FC236}">
+                  <a16:creationId xmlns:a16="http://schemas.microsoft.com/office/drawing/2014/main" id="{581A6D25-F1D4-477D-965A-66966817953C}"/>
+                </a:ext>
+              </a:extLst>
+            </p:cNvPr>
+            <p:cNvCxnSpPr>
+              <a:stCxn id="5" idx="3"/>
+              <a:endCxn id="4" idx="1"/>
+            </p:cNvCxnSpPr>
+            <p:nvPr/>
+          </p:nvCxnSpPr>
+          <p:spPr>
+            <a:xfrm>
+              <a:off x="3608172" y="1210496"/>
+              <a:ext cx="1112107" cy="0"/>
+            </a:xfrm>
+            <a:prstGeom prst="line">
+              <a:avLst/>
+            </a:prstGeom>
+            <a:ln w="38100">
+              <a:solidFill>
+                <a:schemeClr val="tx1"/>
+              </a:solidFill>
+            </a:ln>
+          </p:spPr>
+          <p:style>
+            <a:lnRef idx="1">
+              <a:schemeClr val="accent1"/>
+            </a:lnRef>
+            <a:fillRef idx="0">
+              <a:schemeClr val="accent1"/>
+            </a:fillRef>
+            <a:effectRef idx="0">
+              <a:schemeClr val="accent1"/>
+            </a:effectRef>
+            <a:fontRef idx="minor">
+              <a:schemeClr val="tx1"/>
+            </a:fontRef>
+          </p:style>
+        </p:cxnSp>
+        <p:cxnSp>
+          <p:nvCxnSpPr>
+            <p:cNvPr id="12" name="직선 연결선 11">
+              <a:extLst>
+                <a:ext uri="{FF2B5EF4-FFF2-40B4-BE49-F238E27FC236}">
+                  <a16:creationId xmlns:a16="http://schemas.microsoft.com/office/drawing/2014/main" id="{409B6CA8-D712-4F76-B216-3B7B60A0DA92}"/>
+                </a:ext>
+              </a:extLst>
+            </p:cNvPr>
+            <p:cNvCxnSpPr>
+              <a:cxnSpLocks/>
+              <a:stCxn id="4" idx="3"/>
+              <a:endCxn id="6" idx="1"/>
+            </p:cNvCxnSpPr>
+            <p:nvPr/>
+          </p:nvCxnSpPr>
+          <p:spPr>
+            <a:xfrm>
+              <a:off x="7710614" y="1210496"/>
+              <a:ext cx="1112107" cy="0"/>
+            </a:xfrm>
+            <a:prstGeom prst="line">
+              <a:avLst/>
+            </a:prstGeom>
+            <a:ln w="38100">
+              <a:solidFill>
+                <a:schemeClr val="tx1"/>
+              </a:solidFill>
+            </a:ln>
+          </p:spPr>
+          <p:style>
+            <a:lnRef idx="1">
+              <a:schemeClr val="accent1"/>
+            </a:lnRef>
+            <a:fillRef idx="0">
+              <a:schemeClr val="accent1"/>
+            </a:fillRef>
+            <a:effectRef idx="0">
+              <a:schemeClr val="accent1"/>
+            </a:effectRef>
+            <a:fontRef idx="minor">
+              <a:schemeClr val="tx1"/>
+            </a:fontRef>
+          </p:style>
+        </p:cxnSp>
+        <p:cxnSp>
+          <p:nvCxnSpPr>
+            <p:cNvPr id="15" name="직선 연결선 14">
+              <a:extLst>
+                <a:ext uri="{FF2B5EF4-FFF2-40B4-BE49-F238E27FC236}">
+                  <a16:creationId xmlns:a16="http://schemas.microsoft.com/office/drawing/2014/main" id="{E292E08A-9C07-4DFE-B647-4B1429978A6E}"/>
+                </a:ext>
+              </a:extLst>
+            </p:cNvPr>
+            <p:cNvCxnSpPr>
+              <a:cxnSpLocks/>
+              <a:stCxn id="4" idx="2"/>
+              <a:endCxn id="8" idx="0"/>
+            </p:cNvCxnSpPr>
+            <p:nvPr/>
+          </p:nvCxnSpPr>
+          <p:spPr>
+            <a:xfrm flipH="1">
+              <a:off x="2582561" y="1673874"/>
+              <a:ext cx="3632886" cy="1018582"/>
+            </a:xfrm>
+            <a:prstGeom prst="line">
+              <a:avLst/>
+            </a:prstGeom>
+            <a:ln w="38100">
+              <a:solidFill>
+                <a:schemeClr val="tx1"/>
+              </a:solidFill>
+            </a:ln>
+          </p:spPr>
+          <p:style>
+            <a:lnRef idx="1">
+              <a:schemeClr val="accent1"/>
+            </a:lnRef>
+            <a:fillRef idx="0">
+              <a:schemeClr val="accent1"/>
+            </a:fillRef>
+            <a:effectRef idx="0">
+              <a:schemeClr val="accent1"/>
+            </a:effectRef>
+            <a:fontRef idx="minor">
+              <a:schemeClr val="tx1"/>
+            </a:fontRef>
+          </p:style>
+        </p:cxnSp>
+        <p:sp>
+          <p:nvSpPr>
+            <p:cNvPr id="14" name="타원 13">
+              <a:extLst>
+                <a:ext uri="{FF2B5EF4-FFF2-40B4-BE49-F238E27FC236}">
+                  <a16:creationId xmlns:a16="http://schemas.microsoft.com/office/drawing/2014/main" id="{CA04C02D-F156-4E46-A3E7-F14D6FF3BE0B}"/>
+                </a:ext>
+              </a:extLst>
+            </p:cNvPr>
+            <p:cNvSpPr/>
+            <p:nvPr/>
+          </p:nvSpPr>
+          <p:spPr>
+            <a:xfrm>
+              <a:off x="3744096" y="2692456"/>
+              <a:ext cx="2323070" cy="926756"/>
+            </a:xfrm>
+            <a:prstGeom prst="ellipse">
+              <a:avLst/>
+            </a:prstGeom>
+            <a:solidFill>
+              <a:schemeClr val="accent6">
+                <a:lumMod val="60000"/>
+                <a:lumOff val="40000"/>
+              </a:schemeClr>
+            </a:solidFill>
+            <a:ln>
+              <a:solidFill>
+                <a:schemeClr val="tx1">
+                  <a:lumMod val="95000"/>
+                  <a:lumOff val="5000"/>
+                </a:schemeClr>
+              </a:solidFill>
+            </a:ln>
+          </p:spPr>
+          <p:style>
+            <a:lnRef idx="2">
+              <a:schemeClr val="accent1">
+                <a:shade val="50000"/>
+              </a:schemeClr>
+            </a:lnRef>
+            <a:fillRef idx="1">
+              <a:schemeClr val="accent1"/>
+            </a:fillRef>
+            <a:effectRef idx="0">
+              <a:schemeClr val="accent1"/>
+            </a:effectRef>
+            <a:fontRef idx="minor">
+              <a:schemeClr val="lt1"/>
+            </a:fontRef>
+          </p:style>
+          <p:txBody>
+            <a:bodyPr rtlCol="0" anchor="ctr"/>
+            <a:lstStyle/>
+            <a:p>
+              <a:pPr algn="ctr"/>
+              <a:endParaRPr lang="ko-KR" altLang="en-US">
+                <a:solidFill>
+                  <a:schemeClr val="tx1">
+                    <a:lumMod val="95000"/>
+                    <a:lumOff val="5000"/>
+                  </a:schemeClr>
+                </a:solidFill>
+              </a:endParaRPr>
+            </a:p>
+          </p:txBody>
+        </p:sp>
+        <p:sp>
+          <p:nvSpPr>
+            <p:cNvPr id="16" name="TextBox 15">
+              <a:extLst>
+                <a:ext uri="{FF2B5EF4-FFF2-40B4-BE49-F238E27FC236}">
+                  <a16:creationId xmlns:a16="http://schemas.microsoft.com/office/drawing/2014/main" id="{F915B0F0-FD45-4CCA-AFDB-92333D2EA85C}"/>
+                </a:ext>
+              </a:extLst>
+            </p:cNvPr>
+            <p:cNvSpPr txBox="1"/>
+            <p:nvPr/>
+          </p:nvSpPr>
+          <p:spPr>
+            <a:xfrm>
+              <a:off x="3484604" y="2977530"/>
+              <a:ext cx="2842054" cy="369332"/>
+            </a:xfrm>
+            <a:prstGeom prst="rect">
+              <a:avLst/>
+            </a:prstGeom>
+            <a:noFill/>
+          </p:spPr>
+          <p:txBody>
+            <a:bodyPr wrap="square" rtlCol="0">
+              <a:spAutoFit/>
+            </a:bodyPr>
+            <a:lstStyle/>
+            <a:p>
+              <a:pPr algn="ctr"/>
+              <a:r>
+                <a:rPr lang="ko-KR" altLang="en-US" b="1" dirty="0"/>
+                <a:t>대여 횟수</a:t>
+              </a:r>
+            </a:p>
+          </p:txBody>
+        </p:sp>
+        <p:sp>
+          <p:nvSpPr>
+            <p:cNvPr id="17" name="타원 16">
+              <a:extLst>
+                <a:ext uri="{FF2B5EF4-FFF2-40B4-BE49-F238E27FC236}">
+                  <a16:creationId xmlns:a16="http://schemas.microsoft.com/office/drawing/2014/main" id="{AB0AC44E-1978-45F8-A905-7925876EEB3E}"/>
+                </a:ext>
+              </a:extLst>
+            </p:cNvPr>
+            <p:cNvSpPr/>
+            <p:nvPr/>
+          </p:nvSpPr>
+          <p:spPr>
+            <a:xfrm>
+              <a:off x="6085699" y="2692456"/>
+              <a:ext cx="2323070" cy="926756"/>
+            </a:xfrm>
+            <a:prstGeom prst="ellipse">
+              <a:avLst/>
+            </a:prstGeom>
+            <a:solidFill>
+              <a:schemeClr val="accent6">
+                <a:lumMod val="60000"/>
+                <a:lumOff val="40000"/>
+              </a:schemeClr>
+            </a:solidFill>
+            <a:ln>
+              <a:solidFill>
+                <a:schemeClr val="tx1">
+                  <a:lumMod val="95000"/>
+                  <a:lumOff val="5000"/>
+                </a:schemeClr>
+              </a:solidFill>
+            </a:ln>
+          </p:spPr>
+          <p:style>
+            <a:lnRef idx="2">
+              <a:schemeClr val="accent1">
+                <a:shade val="50000"/>
+              </a:schemeClr>
+            </a:lnRef>
+            <a:fillRef idx="1">
+              <a:schemeClr val="accent1"/>
+            </a:fillRef>
+            <a:effectRef idx="0">
+              <a:schemeClr val="accent1"/>
+            </a:effectRef>
+            <a:fontRef idx="minor">
+              <a:schemeClr val="lt1"/>
+            </a:fontRef>
+          </p:style>
+          <p:txBody>
+            <a:bodyPr rtlCol="0" anchor="ctr"/>
+            <a:lstStyle/>
+            <a:p>
+              <a:pPr algn="ctr"/>
+              <a:endParaRPr lang="ko-KR" altLang="en-US">
+                <a:solidFill>
+                  <a:schemeClr val="tx1">
+                    <a:lumMod val="95000"/>
+                    <a:lumOff val="5000"/>
+                  </a:schemeClr>
+                </a:solidFill>
+              </a:endParaRPr>
+            </a:p>
+          </p:txBody>
+        </p:sp>
+        <p:sp>
+          <p:nvSpPr>
+            <p:cNvPr id="21" name="TextBox 20">
+              <a:extLst>
+                <a:ext uri="{FF2B5EF4-FFF2-40B4-BE49-F238E27FC236}">
+                  <a16:creationId xmlns:a16="http://schemas.microsoft.com/office/drawing/2014/main" id="{D383D57B-346B-4ADA-A066-E35F16297A8B}"/>
+                </a:ext>
+              </a:extLst>
+            </p:cNvPr>
+            <p:cNvSpPr txBox="1"/>
+            <p:nvPr/>
+          </p:nvSpPr>
+          <p:spPr>
+            <a:xfrm>
+              <a:off x="5826207" y="2971168"/>
+              <a:ext cx="2842054" cy="369332"/>
+            </a:xfrm>
+            <a:prstGeom prst="rect">
+              <a:avLst/>
+            </a:prstGeom>
+            <a:noFill/>
+          </p:spPr>
+          <p:txBody>
+            <a:bodyPr wrap="square" rtlCol="0">
+              <a:spAutoFit/>
+            </a:bodyPr>
+            <a:lstStyle/>
+            <a:p>
+              <a:pPr algn="ctr"/>
+              <a:r>
+                <a:rPr lang="ko-KR" altLang="en-US" b="1" dirty="0"/>
+                <a:t>대여 </a:t>
+              </a:r>
+              <a:r>
+                <a:rPr lang="en-US" altLang="ko-KR" b="1" dirty="0"/>
+                <a:t>/ </a:t>
+              </a:r>
+              <a:r>
+                <a:rPr lang="ko-KR" altLang="en-US" b="1" dirty="0"/>
+                <a:t>반납 상태</a:t>
+              </a:r>
+            </a:p>
+          </p:txBody>
+        </p:sp>
+        <p:sp>
+          <p:nvSpPr>
+            <p:cNvPr id="22" name="타원 21">
+              <a:extLst>
+                <a:ext uri="{FF2B5EF4-FFF2-40B4-BE49-F238E27FC236}">
+                  <a16:creationId xmlns:a16="http://schemas.microsoft.com/office/drawing/2014/main" id="{21E95030-2B54-4CE7-809B-875190EC452C}"/>
+                </a:ext>
+              </a:extLst>
+            </p:cNvPr>
+            <p:cNvSpPr/>
+            <p:nvPr/>
+          </p:nvSpPr>
+          <p:spPr>
+            <a:xfrm>
+              <a:off x="8408769" y="2692456"/>
+              <a:ext cx="2323070" cy="926756"/>
+            </a:xfrm>
+            <a:prstGeom prst="ellipse">
+              <a:avLst/>
+            </a:prstGeom>
+            <a:solidFill>
+              <a:schemeClr val="accent6">
+                <a:lumMod val="60000"/>
+                <a:lumOff val="40000"/>
+              </a:schemeClr>
+            </a:solidFill>
+            <a:ln>
+              <a:solidFill>
+                <a:schemeClr val="tx1">
+                  <a:lumMod val="95000"/>
+                  <a:lumOff val="5000"/>
+                </a:schemeClr>
+              </a:solidFill>
+            </a:ln>
+          </p:spPr>
+          <p:style>
+            <a:lnRef idx="2">
+              <a:schemeClr val="accent1">
+                <a:shade val="50000"/>
+              </a:schemeClr>
+            </a:lnRef>
+            <a:fillRef idx="1">
+              <a:schemeClr val="accent1"/>
+            </a:fillRef>
+            <a:effectRef idx="0">
+              <a:schemeClr val="accent1"/>
+            </a:effectRef>
+            <a:fontRef idx="minor">
+              <a:schemeClr val="lt1"/>
+            </a:fontRef>
+          </p:style>
+          <p:txBody>
+            <a:bodyPr rtlCol="0" anchor="ctr"/>
+            <a:lstStyle/>
+            <a:p>
+              <a:pPr algn="ctr"/>
+              <a:endParaRPr lang="ko-KR" altLang="en-US">
+                <a:solidFill>
+                  <a:schemeClr val="tx1">
+                    <a:lumMod val="95000"/>
+                    <a:lumOff val="5000"/>
+                  </a:schemeClr>
+                </a:solidFill>
+              </a:endParaRPr>
+            </a:p>
+          </p:txBody>
+        </p:sp>
+        <p:sp>
+          <p:nvSpPr>
+            <p:cNvPr id="23" name="TextBox 22">
+              <a:extLst>
+                <a:ext uri="{FF2B5EF4-FFF2-40B4-BE49-F238E27FC236}">
+                  <a16:creationId xmlns:a16="http://schemas.microsoft.com/office/drawing/2014/main" id="{8B4B0FB7-5B28-4B91-8D38-95F14F69DD4F}"/>
+                </a:ext>
+              </a:extLst>
+            </p:cNvPr>
+            <p:cNvSpPr txBox="1"/>
+            <p:nvPr/>
+          </p:nvSpPr>
+          <p:spPr>
+            <a:xfrm>
+              <a:off x="8149277" y="2971168"/>
+              <a:ext cx="2842054" cy="369332"/>
+            </a:xfrm>
+            <a:prstGeom prst="rect">
+              <a:avLst/>
+            </a:prstGeom>
+            <a:noFill/>
+          </p:spPr>
+          <p:txBody>
+            <a:bodyPr wrap="square" rtlCol="0">
+              <a:spAutoFit/>
+            </a:bodyPr>
+            <a:lstStyle/>
+            <a:p>
+              <a:pPr algn="ctr"/>
+              <a:r>
+                <a:rPr lang="ko-KR" altLang="en-US" b="1" dirty="0"/>
+                <a:t>최종 사용자</a:t>
+              </a:r>
+            </a:p>
+          </p:txBody>
+        </p:sp>
+        <p:cxnSp>
+          <p:nvCxnSpPr>
+            <p:cNvPr id="24" name="직선 연결선 23">
+              <a:extLst>
+                <a:ext uri="{FF2B5EF4-FFF2-40B4-BE49-F238E27FC236}">
+                  <a16:creationId xmlns:a16="http://schemas.microsoft.com/office/drawing/2014/main" id="{E564EB82-011D-4DE7-91DF-5E8FFE77E638}"/>
+                </a:ext>
+              </a:extLst>
+            </p:cNvPr>
+            <p:cNvCxnSpPr>
+              <a:cxnSpLocks/>
+              <a:stCxn id="4" idx="2"/>
+              <a:endCxn id="14" idx="0"/>
+            </p:cNvCxnSpPr>
+            <p:nvPr/>
+          </p:nvCxnSpPr>
+          <p:spPr>
+            <a:xfrm flipH="1">
+              <a:off x="4905631" y="1673874"/>
+              <a:ext cx="1309816" cy="1018582"/>
+            </a:xfrm>
+            <a:prstGeom prst="line">
+              <a:avLst/>
+            </a:prstGeom>
+            <a:ln w="38100">
+              <a:solidFill>
+                <a:schemeClr val="tx1"/>
+              </a:solidFill>
+            </a:ln>
+          </p:spPr>
+          <p:style>
+            <a:lnRef idx="1">
+              <a:schemeClr val="accent1"/>
+            </a:lnRef>
+            <a:fillRef idx="0">
+              <a:schemeClr val="accent1"/>
+            </a:fillRef>
+            <a:effectRef idx="0">
+              <a:schemeClr val="accent1"/>
+            </a:effectRef>
+            <a:fontRef idx="minor">
+              <a:schemeClr val="tx1"/>
+            </a:fontRef>
+          </p:style>
+        </p:cxnSp>
+        <p:cxnSp>
+          <p:nvCxnSpPr>
+            <p:cNvPr id="25" name="직선 연결선 24">
+              <a:extLst>
+                <a:ext uri="{FF2B5EF4-FFF2-40B4-BE49-F238E27FC236}">
+                  <a16:creationId xmlns:a16="http://schemas.microsoft.com/office/drawing/2014/main" id="{8219D2B1-023E-4B79-B70A-85ACF71E0C02}"/>
+                </a:ext>
+              </a:extLst>
+            </p:cNvPr>
+            <p:cNvCxnSpPr>
+              <a:cxnSpLocks/>
+              <a:stCxn id="4" idx="2"/>
+              <a:endCxn id="17" idx="0"/>
+            </p:cNvCxnSpPr>
+            <p:nvPr/>
+          </p:nvCxnSpPr>
+          <p:spPr>
+            <a:xfrm>
+              <a:off x="6215447" y="1673874"/>
+              <a:ext cx="1031787" cy="1018582"/>
+            </a:xfrm>
+            <a:prstGeom prst="line">
+              <a:avLst/>
+            </a:prstGeom>
+            <a:ln w="38100">
+              <a:solidFill>
+                <a:schemeClr val="tx1"/>
+              </a:solidFill>
+            </a:ln>
+          </p:spPr>
+          <p:style>
+            <a:lnRef idx="1">
+              <a:schemeClr val="accent1"/>
+            </a:lnRef>
+            <a:fillRef idx="0">
+              <a:schemeClr val="accent1"/>
+            </a:fillRef>
+            <a:effectRef idx="0">
+              <a:schemeClr val="accent1"/>
+            </a:effectRef>
+            <a:fontRef idx="minor">
+              <a:schemeClr val="tx1"/>
+            </a:fontRef>
+          </p:style>
+        </p:cxnSp>
+        <p:cxnSp>
+          <p:nvCxnSpPr>
+            <p:cNvPr id="27" name="직선 연결선 26">
+              <a:extLst>
+                <a:ext uri="{FF2B5EF4-FFF2-40B4-BE49-F238E27FC236}">
+                  <a16:creationId xmlns:a16="http://schemas.microsoft.com/office/drawing/2014/main" id="{7FEB68DB-2281-4693-A156-A3437FCA2591}"/>
+                </a:ext>
+              </a:extLst>
+            </p:cNvPr>
+            <p:cNvCxnSpPr>
+              <a:cxnSpLocks/>
+              <a:stCxn id="4" idx="2"/>
+              <a:endCxn id="22" idx="0"/>
+            </p:cNvCxnSpPr>
+            <p:nvPr/>
+          </p:nvCxnSpPr>
+          <p:spPr>
+            <a:xfrm>
+              <a:off x="6215447" y="1673874"/>
+              <a:ext cx="3354857" cy="1018582"/>
+            </a:xfrm>
+            <a:prstGeom prst="line">
+              <a:avLst/>
+            </a:prstGeom>
+            <a:ln w="38100">
+              <a:solidFill>
+                <a:schemeClr val="tx1"/>
+              </a:solidFill>
+            </a:ln>
+          </p:spPr>
+          <p:style>
+            <a:lnRef idx="1">
+              <a:schemeClr val="accent1"/>
+            </a:lnRef>
+            <a:fillRef idx="0">
+              <a:schemeClr val="accent1"/>
+            </a:fillRef>
+            <a:effectRef idx="0">
+              <a:schemeClr val="accent1"/>
+            </a:effectRef>
+            <a:fontRef idx="minor">
+              <a:schemeClr val="tx1"/>
+            </a:fontRef>
+          </p:style>
+        </p:cxnSp>
+        <p:sp>
+          <p:nvSpPr>
+            <p:cNvPr id="28" name="타원 27">
+              <a:extLst>
+                <a:ext uri="{FF2B5EF4-FFF2-40B4-BE49-F238E27FC236}">
+                  <a16:creationId xmlns:a16="http://schemas.microsoft.com/office/drawing/2014/main" id="{0555FA45-F0E3-46B2-847C-E1183ADF5978}"/>
+                </a:ext>
+              </a:extLst>
+            </p:cNvPr>
+            <p:cNvSpPr/>
+            <p:nvPr/>
+          </p:nvSpPr>
+          <p:spPr>
+            <a:xfrm>
+              <a:off x="1421026" y="3709407"/>
+              <a:ext cx="2323070" cy="926756"/>
+            </a:xfrm>
+            <a:prstGeom prst="ellipse">
+              <a:avLst/>
+            </a:prstGeom>
+            <a:solidFill>
+              <a:schemeClr val="accent6">
+                <a:lumMod val="60000"/>
+                <a:lumOff val="40000"/>
+              </a:schemeClr>
+            </a:solidFill>
+            <a:ln>
+              <a:solidFill>
+                <a:schemeClr val="tx1">
+                  <a:lumMod val="95000"/>
+                  <a:lumOff val="5000"/>
+                </a:schemeClr>
+              </a:solidFill>
+            </a:ln>
+          </p:spPr>
+          <p:style>
+            <a:lnRef idx="2">
+              <a:schemeClr val="accent1">
+                <a:shade val="50000"/>
+              </a:schemeClr>
+            </a:lnRef>
+            <a:fillRef idx="1">
+              <a:schemeClr val="accent1"/>
+            </a:fillRef>
+            <a:effectRef idx="0">
+              <a:schemeClr val="accent1"/>
+            </a:effectRef>
+            <a:fontRef idx="minor">
+              <a:schemeClr val="lt1"/>
+            </a:fontRef>
+          </p:style>
+          <p:txBody>
+            <a:bodyPr rtlCol="0" anchor="ctr"/>
+            <a:lstStyle/>
+            <a:p>
+              <a:pPr algn="ctr"/>
+              <a:endParaRPr lang="ko-KR" altLang="en-US" dirty="0">
+                <a:solidFill>
+                  <a:schemeClr val="tx1">
+                    <a:lumMod val="95000"/>
+                    <a:lumOff val="5000"/>
+                  </a:schemeClr>
+                </a:solidFill>
+              </a:endParaRPr>
+            </a:p>
+          </p:txBody>
+        </p:sp>
+        <p:sp>
+          <p:nvSpPr>
+            <p:cNvPr id="29" name="TextBox 28">
+              <a:extLst>
+                <a:ext uri="{FF2B5EF4-FFF2-40B4-BE49-F238E27FC236}">
+                  <a16:creationId xmlns:a16="http://schemas.microsoft.com/office/drawing/2014/main" id="{D387056B-B09E-43A3-980F-8DACEE559685}"/>
+                </a:ext>
+              </a:extLst>
+            </p:cNvPr>
+            <p:cNvSpPr txBox="1"/>
+            <p:nvPr/>
+          </p:nvSpPr>
+          <p:spPr>
+            <a:xfrm>
+              <a:off x="1161534" y="3988119"/>
+              <a:ext cx="2842054" cy="369332"/>
+            </a:xfrm>
+            <a:prstGeom prst="rect">
+              <a:avLst/>
+            </a:prstGeom>
+            <a:noFill/>
+          </p:spPr>
+          <p:txBody>
+            <a:bodyPr wrap="square" rtlCol="0">
+              <a:spAutoFit/>
+            </a:bodyPr>
+            <a:lstStyle/>
+            <a:p>
+              <a:pPr algn="ctr"/>
+              <a:r>
+                <a:rPr lang="ko-KR" altLang="en-US" b="1" dirty="0"/>
+                <a:t>최종 수정일</a:t>
+              </a:r>
+            </a:p>
+          </p:txBody>
+        </p:sp>
+        <p:sp>
+          <p:nvSpPr>
+            <p:cNvPr id="32" name="타원 31">
+              <a:extLst>
+                <a:ext uri="{FF2B5EF4-FFF2-40B4-BE49-F238E27FC236}">
+                  <a16:creationId xmlns:a16="http://schemas.microsoft.com/office/drawing/2014/main" id="{100FA948-8EF1-44C7-B7FC-600BC7D5B140}"/>
+                </a:ext>
+              </a:extLst>
+            </p:cNvPr>
+            <p:cNvSpPr/>
+            <p:nvPr/>
+          </p:nvSpPr>
+          <p:spPr>
+            <a:xfrm>
+              <a:off x="5074892" y="3734809"/>
+              <a:ext cx="2323070" cy="926756"/>
+            </a:xfrm>
+            <a:prstGeom prst="ellipse">
+              <a:avLst/>
+            </a:prstGeom>
+            <a:solidFill>
+              <a:schemeClr val="accent6">
+                <a:lumMod val="60000"/>
+                <a:lumOff val="40000"/>
+              </a:schemeClr>
+            </a:solidFill>
+            <a:ln>
+              <a:solidFill>
+                <a:schemeClr val="tx1">
+                  <a:lumMod val="95000"/>
+                  <a:lumOff val="5000"/>
+                </a:schemeClr>
+              </a:solidFill>
+            </a:ln>
+          </p:spPr>
+          <p:style>
+            <a:lnRef idx="2">
+              <a:schemeClr val="accent1">
+                <a:shade val="50000"/>
+              </a:schemeClr>
+            </a:lnRef>
+            <a:fillRef idx="1">
+              <a:schemeClr val="accent1"/>
+            </a:fillRef>
+            <a:effectRef idx="0">
+              <a:schemeClr val="accent1"/>
+            </a:effectRef>
+            <a:fontRef idx="minor">
+              <a:schemeClr val="lt1"/>
+            </a:fontRef>
+          </p:style>
+          <p:txBody>
+            <a:bodyPr rtlCol="0" anchor="ctr"/>
+            <a:lstStyle/>
+            <a:p>
+              <a:pPr algn="ctr"/>
+              <a:endParaRPr lang="ko-KR" altLang="en-US">
+                <a:solidFill>
+                  <a:schemeClr val="tx1">
+                    <a:lumMod val="95000"/>
+                    <a:lumOff val="5000"/>
+                  </a:schemeClr>
+                </a:solidFill>
+              </a:endParaRPr>
+            </a:p>
+          </p:txBody>
+        </p:sp>
+        <p:sp>
+          <p:nvSpPr>
+            <p:cNvPr id="33" name="TextBox 32">
+              <a:extLst>
+                <a:ext uri="{FF2B5EF4-FFF2-40B4-BE49-F238E27FC236}">
+                  <a16:creationId xmlns:a16="http://schemas.microsoft.com/office/drawing/2014/main" id="{4EB66EDC-B19B-4BB8-89C5-CDB5E1C243DB}"/>
+                </a:ext>
+              </a:extLst>
+            </p:cNvPr>
+            <p:cNvSpPr txBox="1"/>
+            <p:nvPr/>
+          </p:nvSpPr>
+          <p:spPr>
+            <a:xfrm>
+              <a:off x="4815400" y="4013521"/>
+              <a:ext cx="2842054" cy="369332"/>
+            </a:xfrm>
+            <a:prstGeom prst="rect">
+              <a:avLst/>
+            </a:prstGeom>
+            <a:noFill/>
+          </p:spPr>
+          <p:txBody>
+            <a:bodyPr wrap="square" rtlCol="0">
+              <a:spAutoFit/>
+            </a:bodyPr>
+            <a:lstStyle/>
+            <a:p>
+              <a:pPr algn="ctr"/>
+              <a:r>
+                <a:rPr lang="ko-KR" altLang="en-US" b="1" dirty="0"/>
+                <a:t>물품 번호</a:t>
+              </a:r>
+            </a:p>
+          </p:txBody>
+        </p:sp>
+        <p:sp>
+          <p:nvSpPr>
+            <p:cNvPr id="3" name="TextBox 2">
+              <a:extLst>
+                <a:ext uri="{FF2B5EF4-FFF2-40B4-BE49-F238E27FC236}">
+                  <a16:creationId xmlns:a16="http://schemas.microsoft.com/office/drawing/2014/main" id="{01601837-CA99-4A0D-B6C5-7AF52987858F}"/>
+                </a:ext>
+              </a:extLst>
+            </p:cNvPr>
+            <p:cNvSpPr txBox="1"/>
+            <p:nvPr/>
+          </p:nvSpPr>
+          <p:spPr>
+            <a:xfrm>
+              <a:off x="3977564" y="849876"/>
+              <a:ext cx="317716" cy="369332"/>
+            </a:xfrm>
+            <a:prstGeom prst="rect">
+              <a:avLst/>
+            </a:prstGeom>
+            <a:noFill/>
+          </p:spPr>
+          <p:txBody>
+            <a:bodyPr wrap="none" rtlCol="0">
+              <a:spAutoFit/>
+            </a:bodyPr>
+            <a:lstStyle/>
+            <a:p>
+              <a:r>
+                <a:rPr lang="en-US" altLang="ko-KR" b="1" dirty="0">
+                  <a:solidFill>
+                    <a:srgbClr val="FF0000"/>
+                  </a:solidFill>
+                </a:rPr>
+                <a:t>1</a:t>
+              </a:r>
+              <a:endParaRPr lang="ko-KR" altLang="en-US" b="1" dirty="0">
+                <a:solidFill>
+                  <a:srgbClr val="FF0000"/>
+                </a:solidFill>
+              </a:endParaRPr>
+            </a:p>
+          </p:txBody>
+        </p:sp>
+        <p:sp>
+          <p:nvSpPr>
+            <p:cNvPr id="41" name="TextBox 40">
+              <a:extLst>
+                <a:ext uri="{FF2B5EF4-FFF2-40B4-BE49-F238E27FC236}">
+                  <a16:creationId xmlns:a16="http://schemas.microsoft.com/office/drawing/2014/main" id="{6992EDC1-345D-435D-8FD9-A1AD7EE0D0CE}"/>
+                </a:ext>
+              </a:extLst>
+            </p:cNvPr>
+            <p:cNvSpPr txBox="1"/>
+            <p:nvPr/>
+          </p:nvSpPr>
+          <p:spPr>
+            <a:xfrm>
+              <a:off x="8115761" y="832624"/>
+              <a:ext cx="325730" cy="369332"/>
+            </a:xfrm>
+            <a:prstGeom prst="rect">
+              <a:avLst/>
+            </a:prstGeom>
+            <a:noFill/>
+          </p:spPr>
+          <p:txBody>
+            <a:bodyPr wrap="none" rtlCol="0">
+              <a:spAutoFit/>
+            </a:bodyPr>
+            <a:lstStyle/>
+            <a:p>
+              <a:r>
+                <a:rPr lang="en-US" altLang="ko-KR" b="1" dirty="0">
+                  <a:solidFill>
+                    <a:srgbClr val="FF0000"/>
+                  </a:solidFill>
+                </a:rPr>
+                <a:t>n</a:t>
+              </a:r>
+              <a:endParaRPr lang="ko-KR" altLang="en-US" b="1" dirty="0">
+                <a:solidFill>
+                  <a:srgbClr val="FF0000"/>
+                </a:solidFill>
+              </a:endParaRPr>
+            </a:p>
+          </p:txBody>
+        </p:sp>
+        <p:sp>
+          <p:nvSpPr>
+            <p:cNvPr id="43" name="타원 42">
+              <a:extLst>
+                <a:ext uri="{FF2B5EF4-FFF2-40B4-BE49-F238E27FC236}">
+                  <a16:creationId xmlns:a16="http://schemas.microsoft.com/office/drawing/2014/main" id="{E2405FF4-A419-48DE-B5B4-A792A70D4A55}"/>
+                </a:ext>
+              </a:extLst>
+            </p:cNvPr>
+            <p:cNvSpPr/>
+            <p:nvPr/>
+          </p:nvSpPr>
+          <p:spPr>
+            <a:xfrm>
+              <a:off x="8408769" y="3705575"/>
+              <a:ext cx="2323070" cy="926756"/>
+            </a:xfrm>
+            <a:prstGeom prst="ellipse">
+              <a:avLst/>
+            </a:prstGeom>
+            <a:solidFill>
+              <a:schemeClr val="accent6">
+                <a:lumMod val="60000"/>
+                <a:lumOff val="40000"/>
+              </a:schemeClr>
+            </a:solidFill>
+            <a:ln>
+              <a:solidFill>
+                <a:schemeClr val="tx1">
+                  <a:lumMod val="95000"/>
+                  <a:lumOff val="5000"/>
+                </a:schemeClr>
+              </a:solidFill>
+            </a:ln>
+          </p:spPr>
+          <p:style>
+            <a:lnRef idx="2">
+              <a:schemeClr val="accent1">
+                <a:shade val="50000"/>
+              </a:schemeClr>
+            </a:lnRef>
+            <a:fillRef idx="1">
+              <a:schemeClr val="accent1"/>
+            </a:fillRef>
+            <a:effectRef idx="0">
+              <a:schemeClr val="accent1"/>
+            </a:effectRef>
+            <a:fontRef idx="minor">
+              <a:schemeClr val="lt1"/>
+            </a:fontRef>
+          </p:style>
+          <p:txBody>
+            <a:bodyPr rtlCol="0" anchor="ctr"/>
+            <a:lstStyle/>
+            <a:p>
+              <a:pPr algn="ctr"/>
+              <a:endParaRPr lang="ko-KR" altLang="en-US" dirty="0">
+                <a:solidFill>
+                  <a:schemeClr val="tx1">
+                    <a:lumMod val="95000"/>
+                    <a:lumOff val="5000"/>
+                  </a:schemeClr>
+                </a:solidFill>
+              </a:endParaRPr>
+            </a:p>
+          </p:txBody>
+        </p:sp>
+        <p:sp>
+          <p:nvSpPr>
+            <p:cNvPr id="44" name="TextBox 43">
+              <a:extLst>
+                <a:ext uri="{FF2B5EF4-FFF2-40B4-BE49-F238E27FC236}">
+                  <a16:creationId xmlns:a16="http://schemas.microsoft.com/office/drawing/2014/main" id="{72E77053-51A4-4967-8064-CE83094C123E}"/>
+                </a:ext>
+              </a:extLst>
+            </p:cNvPr>
+            <p:cNvSpPr txBox="1"/>
+            <p:nvPr/>
+          </p:nvSpPr>
+          <p:spPr>
+            <a:xfrm>
+              <a:off x="8149277" y="3984287"/>
+              <a:ext cx="2842054" cy="369332"/>
+            </a:xfrm>
+            <a:prstGeom prst="rect">
+              <a:avLst/>
+            </a:prstGeom>
+            <a:noFill/>
+          </p:spPr>
+          <p:txBody>
+            <a:bodyPr wrap="square" rtlCol="0">
+              <a:spAutoFit/>
+            </a:bodyPr>
+            <a:lstStyle/>
+            <a:p>
+              <a:pPr algn="ctr"/>
+              <a:r>
+                <a:rPr lang="ko-KR" altLang="en-US" b="1" dirty="0"/>
+                <a:t>기관 번호</a:t>
+              </a:r>
+            </a:p>
+          </p:txBody>
+        </p:sp>
+      </p:grpSp>
+    </p:spTree>
+    <p:extLst>
+      <p:ext uri="{BB962C8B-B14F-4D97-AF65-F5344CB8AC3E}">
+        <p14:creationId xmlns:p14="http://schemas.microsoft.com/office/powerpoint/2010/main" val="731555472"/>
+      </p:ext>
+    </p:extLst>
+  </p:cSld>
+  <p:clrMapOvr>
+    <a:masterClrMapping/>
+  </p:clrMapOvr>
+</p:sld>
+</file>
+
+<file path=ppt/slides/slide8.xml><?xml version="1.0" encoding="utf-8"?>
+<p:sld xmlns:a="http://schemas.openxmlformats.org/drawingml/2006/main" xmlns:r="http://schemas.openxmlformats.org/officeDocument/2006/relationships" xmlns:p="http://schemas.openxmlformats.org/presentationml/2006/main">
+  <p:cSld>
+    <p:spTree>
+      <p:nvGrpSpPr>
+        <p:cNvPr id="1" name=""/>
+        <p:cNvGrpSpPr/>
+        <p:nvPr/>
+      </p:nvGrpSpPr>
+      <p:grpSpPr>
+        <a:xfrm>
+          <a:off x="0" y="0"/>
+          <a:ext cx="0" cy="0"/>
+          <a:chOff x="0" y="0"/>
+          <a:chExt cx="0" cy="0"/>
+        </a:xfrm>
+      </p:grpSpPr>
+      <p:sp>
+        <p:nvSpPr>
+          <p:cNvPr id="26" name="TextBox 25">
+            <a:extLst>
+              <a:ext uri="{FF2B5EF4-FFF2-40B4-BE49-F238E27FC236}">
+                <a16:creationId xmlns:a16="http://schemas.microsoft.com/office/drawing/2014/main" id="{A59622A2-3F27-4A92-9E96-CFA9874535F6}"/>
+              </a:ext>
+            </a:extLst>
+          </p:cNvPr>
+          <p:cNvSpPr txBox="1"/>
+          <p:nvPr/>
+        </p:nvSpPr>
+        <p:spPr>
+          <a:xfrm>
+            <a:off x="3052117" y="337341"/>
+            <a:ext cx="6326659" cy="584775"/>
+          </a:xfrm>
+          <a:prstGeom prst="rect">
+            <a:avLst/>
+          </a:prstGeom>
+          <a:noFill/>
+        </p:spPr>
+        <p:txBody>
+          <a:bodyPr wrap="square" rtlCol="0">
+            <a:spAutoFit/>
+          </a:bodyPr>
+          <a:lstStyle/>
+          <a:p>
+            <a:pPr algn="ctr"/>
+            <a:r>
+              <a:rPr lang="ko-KR" altLang="en-US" sz="3200" b="1" dirty="0"/>
+              <a:t>기관 </a:t>
+            </a:r>
+            <a:r>
+              <a:rPr lang="en-US" altLang="ko-KR" sz="3200" b="1" dirty="0"/>
+              <a:t>: </a:t>
+            </a:r>
+            <a:r>
+              <a:rPr lang="ko-KR" altLang="en-US" sz="3200" b="1" dirty="0"/>
+              <a:t>관리물품 관계 </a:t>
+            </a:r>
+            <a:r>
+              <a:rPr lang="en-US" altLang="ko-KR" sz="3200" b="1" dirty="0"/>
+              <a:t>- </a:t>
+            </a:r>
+            <a:r>
+              <a:rPr lang="ko-KR" altLang="en-US" sz="3200" b="1" dirty="0"/>
+              <a:t>등록 </a:t>
+            </a:r>
+          </a:p>
+        </p:txBody>
+      </p:sp>
+      <p:grpSp>
+        <p:nvGrpSpPr>
+          <p:cNvPr id="3" name="그룹 2">
+            <a:extLst>
+              <a:ext uri="{FF2B5EF4-FFF2-40B4-BE49-F238E27FC236}">
+                <a16:creationId xmlns:a16="http://schemas.microsoft.com/office/drawing/2014/main" id="{2FBD37B0-6481-4E9E-AAB9-EAF958A69719}"/>
+              </a:ext>
+            </a:extLst>
+          </p:cNvPr>
+          <p:cNvGrpSpPr/>
+          <p:nvPr/>
+        </p:nvGrpSpPr>
+        <p:grpSpPr>
+          <a:xfrm>
+            <a:off x="1161533" y="1130643"/>
+            <a:ext cx="10107825" cy="2872094"/>
+            <a:chOff x="1161533" y="1130643"/>
+            <a:chExt cx="10107825" cy="2872094"/>
+          </a:xfrm>
+        </p:grpSpPr>
+        <p:grpSp>
+          <p:nvGrpSpPr>
+            <p:cNvPr id="2" name="그룹 1">
+              <a:extLst>
+                <a:ext uri="{FF2B5EF4-FFF2-40B4-BE49-F238E27FC236}">
+                  <a16:creationId xmlns:a16="http://schemas.microsoft.com/office/drawing/2014/main" id="{857895C4-AF3E-42DB-8673-FC53053DBA04}"/>
+                </a:ext>
+              </a:extLst>
+            </p:cNvPr>
+            <p:cNvGrpSpPr/>
+            <p:nvPr/>
+          </p:nvGrpSpPr>
+          <p:grpSpPr>
+            <a:xfrm>
+              <a:off x="1161533" y="1130643"/>
+              <a:ext cx="10107825" cy="2872094"/>
+              <a:chOff x="1161535" y="1329051"/>
+              <a:chExt cx="10107825" cy="2872094"/>
+            </a:xfrm>
+          </p:grpSpPr>
+          <p:sp>
+            <p:nvSpPr>
+              <p:cNvPr id="4" name="다이아몬드 3">
+                <a:extLst>
+                  <a:ext uri="{FF2B5EF4-FFF2-40B4-BE49-F238E27FC236}">
+                    <a16:creationId xmlns:a16="http://schemas.microsoft.com/office/drawing/2014/main" id="{923F19B7-88BB-4694-B38E-6B2A8B638877}"/>
+                  </a:ext>
+                </a:extLst>
+              </p:cNvPr>
+              <p:cNvSpPr/>
+              <p:nvPr/>
+            </p:nvSpPr>
+            <p:spPr>
+              <a:xfrm>
+                <a:off x="4720280" y="1329051"/>
+                <a:ext cx="2990335" cy="926756"/>
+              </a:xfrm>
+              <a:prstGeom prst="diamond">
+                <a:avLst/>
+              </a:prstGeom>
+              <a:solidFill>
+                <a:schemeClr val="accent4">
+                  <a:lumMod val="40000"/>
+                  <a:lumOff val="60000"/>
+                </a:schemeClr>
+              </a:solidFill>
+              <a:ln>
+                <a:solidFill>
+                  <a:schemeClr val="bg2">
+                    <a:lumMod val="10000"/>
+                  </a:schemeClr>
+                </a:solidFill>
+              </a:ln>
+            </p:spPr>
+            <p:style>
+              <a:lnRef idx="2">
+                <a:schemeClr val="accent1">
+                  <a:shade val="50000"/>
+                </a:schemeClr>
+              </a:lnRef>
+              <a:fillRef idx="1">
+                <a:schemeClr val="accent1"/>
+              </a:fillRef>
+              <a:effectRef idx="0">
+                <a:schemeClr val="accent1"/>
+              </a:effectRef>
+              <a:fontRef idx="minor">
+                <a:schemeClr val="lt1"/>
+              </a:fontRef>
+            </p:style>
+            <p:txBody>
+              <a:bodyPr rtlCol="0" anchor="ctr"/>
+              <a:lstStyle/>
+              <a:p>
+                <a:pPr algn="ctr"/>
+                <a:r>
+                  <a:rPr lang="ko-KR" altLang="en-US" b="1" dirty="0">
+                    <a:solidFill>
+                      <a:schemeClr val="tx1">
+                        <a:lumMod val="95000"/>
+                        <a:lumOff val="5000"/>
+                      </a:schemeClr>
+                    </a:solidFill>
+                  </a:rPr>
+                  <a:t>등록</a:t>
+                </a:r>
+                <a:endParaRPr lang="en-US" altLang="ko-KR" b="1" dirty="0">
+                  <a:solidFill>
+                    <a:schemeClr val="tx1">
+                      <a:lumMod val="95000"/>
+                      <a:lumOff val="5000"/>
+                    </a:schemeClr>
+                  </a:solidFill>
+                </a:endParaRPr>
+              </a:p>
+              <a:p>
+                <a:pPr algn="ctr"/>
+                <a:r>
+                  <a:rPr lang="ko-KR" altLang="en-US" sz="1200" b="1" dirty="0">
+                    <a:solidFill>
+                      <a:schemeClr val="tx1">
+                        <a:lumMod val="95000"/>
+                        <a:lumOff val="5000"/>
+                      </a:schemeClr>
+                    </a:solidFill>
+                  </a:rPr>
+                  <a:t>관리물품의 </a:t>
+                </a:r>
+                <a:r>
+                  <a:rPr lang="ko-KR" altLang="en-US" sz="1200" b="1" dirty="0" err="1">
+                    <a:solidFill>
+                      <a:schemeClr val="tx1">
+                        <a:lumMod val="95000"/>
+                        <a:lumOff val="5000"/>
+                      </a:schemeClr>
+                    </a:solidFill>
+                  </a:rPr>
+                  <a:t>외래키</a:t>
+                </a:r>
+                <a:endParaRPr lang="ko-KR" altLang="en-US" sz="1200" b="1" dirty="0">
+                  <a:solidFill>
+                    <a:schemeClr val="tx1">
+                      <a:lumMod val="95000"/>
+                      <a:lumOff val="5000"/>
+                    </a:schemeClr>
+                  </a:solidFill>
+                </a:endParaRPr>
+              </a:p>
+            </p:txBody>
+          </p:sp>
+          <p:sp>
+            <p:nvSpPr>
+              <p:cNvPr id="5" name="직사각형 4">
+                <a:extLst>
+                  <a:ext uri="{FF2B5EF4-FFF2-40B4-BE49-F238E27FC236}">
+                    <a16:creationId xmlns:a16="http://schemas.microsoft.com/office/drawing/2014/main" id="{C690AA2D-6C48-4671-A163-B017C3B671DD}"/>
+                  </a:ext>
+                </a:extLst>
+              </p:cNvPr>
+              <p:cNvSpPr/>
+              <p:nvPr/>
+            </p:nvSpPr>
+            <p:spPr>
+              <a:xfrm>
+                <a:off x="1161535" y="1329051"/>
+                <a:ext cx="2446638" cy="926756"/>
+              </a:xfrm>
+              <a:prstGeom prst="rect">
+                <a:avLst/>
+              </a:prstGeom>
+              <a:solidFill>
+                <a:schemeClr val="accent1">
+                  <a:lumMod val="40000"/>
+                  <a:lumOff val="60000"/>
+                </a:schemeClr>
+              </a:solidFill>
+              <a:ln>
+                <a:solidFill>
+                  <a:schemeClr val="tx1">
+                    <a:lumMod val="95000"/>
+                    <a:lumOff val="5000"/>
+                  </a:schemeClr>
+                </a:solidFill>
+              </a:ln>
+            </p:spPr>
+            <p:style>
+              <a:lnRef idx="2">
+                <a:schemeClr val="accent1">
+                  <a:shade val="50000"/>
+                </a:schemeClr>
+              </a:lnRef>
+              <a:fillRef idx="1">
+                <a:schemeClr val="accent1"/>
+              </a:fillRef>
+              <a:effectRef idx="0">
+                <a:schemeClr val="accent1"/>
+              </a:effectRef>
+              <a:fontRef idx="minor">
+                <a:schemeClr val="lt1"/>
+              </a:fontRef>
+            </p:style>
+            <p:txBody>
+              <a:bodyPr rtlCol="0" anchor="ctr"/>
+              <a:lstStyle/>
+              <a:p>
+                <a:pPr algn="ctr"/>
+                <a:r>
+                  <a:rPr lang="ko-KR" altLang="en-US" b="1" dirty="0">
+                    <a:solidFill>
+                      <a:schemeClr val="tx1">
+                        <a:lumMod val="95000"/>
+                        <a:lumOff val="5000"/>
+                      </a:schemeClr>
+                    </a:solidFill>
+                  </a:rPr>
+                  <a:t>기관</a:t>
+                </a:r>
+              </a:p>
+            </p:txBody>
+          </p:sp>
+          <p:sp>
+            <p:nvSpPr>
+              <p:cNvPr id="6" name="직사각형 5">
+                <a:extLst>
+                  <a:ext uri="{FF2B5EF4-FFF2-40B4-BE49-F238E27FC236}">
+                    <a16:creationId xmlns:a16="http://schemas.microsoft.com/office/drawing/2014/main" id="{4FEB578B-60A0-4369-8C6B-A7DCBE096DAD}"/>
+                  </a:ext>
+                </a:extLst>
+              </p:cNvPr>
+              <p:cNvSpPr/>
+              <p:nvPr/>
+            </p:nvSpPr>
+            <p:spPr>
+              <a:xfrm>
+                <a:off x="8822722" y="1329051"/>
+                <a:ext cx="2446638" cy="926756"/>
+              </a:xfrm>
+              <a:prstGeom prst="rect">
+                <a:avLst/>
+              </a:prstGeom>
+              <a:solidFill>
+                <a:schemeClr val="accent1">
+                  <a:lumMod val="40000"/>
+                  <a:lumOff val="60000"/>
+                </a:schemeClr>
+              </a:solidFill>
+              <a:ln>
+                <a:solidFill>
+                  <a:schemeClr val="tx1">
+                    <a:lumMod val="95000"/>
+                    <a:lumOff val="5000"/>
+                  </a:schemeClr>
+                </a:solidFill>
+              </a:ln>
+            </p:spPr>
+            <p:style>
+              <a:lnRef idx="2">
+                <a:schemeClr val="accent1">
+                  <a:shade val="50000"/>
+                </a:schemeClr>
+              </a:lnRef>
+              <a:fillRef idx="1">
+                <a:schemeClr val="accent1"/>
+              </a:fillRef>
+              <a:effectRef idx="0">
+                <a:schemeClr val="accent1"/>
+              </a:effectRef>
+              <a:fontRef idx="minor">
+                <a:schemeClr val="lt1"/>
+              </a:fontRef>
+            </p:style>
+            <p:txBody>
+              <a:bodyPr rtlCol="0" anchor="ctr"/>
+              <a:lstStyle/>
+              <a:p>
+                <a:pPr algn="ctr"/>
+                <a:r>
+                  <a:rPr lang="ko-KR" altLang="en-US" b="1" dirty="0">
+                    <a:solidFill>
+                      <a:schemeClr val="tx1">
+                        <a:lumMod val="95000"/>
+                        <a:lumOff val="5000"/>
+                      </a:schemeClr>
+                    </a:solidFill>
+                  </a:rPr>
+                  <a:t>관리물품</a:t>
+                </a:r>
+              </a:p>
+            </p:txBody>
+          </p:sp>
+          <p:sp>
+            <p:nvSpPr>
+              <p:cNvPr id="8" name="타원 7">
+                <a:extLst>
+                  <a:ext uri="{FF2B5EF4-FFF2-40B4-BE49-F238E27FC236}">
+                    <a16:creationId xmlns:a16="http://schemas.microsoft.com/office/drawing/2014/main" id="{CF0D123B-D7D0-414C-A2AF-680436128C83}"/>
+                  </a:ext>
+                </a:extLst>
+              </p:cNvPr>
+              <p:cNvSpPr/>
+              <p:nvPr/>
+            </p:nvSpPr>
+            <p:spPr>
+              <a:xfrm>
+                <a:off x="2743200" y="3274389"/>
+                <a:ext cx="2323070" cy="926756"/>
+              </a:xfrm>
+              <a:prstGeom prst="ellipse">
+                <a:avLst/>
+              </a:prstGeom>
+              <a:solidFill>
+                <a:schemeClr val="accent6">
+                  <a:lumMod val="60000"/>
+                  <a:lumOff val="40000"/>
+                </a:schemeClr>
+              </a:solidFill>
+              <a:ln>
+                <a:solidFill>
+                  <a:schemeClr val="tx1">
+                    <a:lumMod val="95000"/>
+                    <a:lumOff val="5000"/>
+                  </a:schemeClr>
+                </a:solidFill>
+              </a:ln>
+            </p:spPr>
+            <p:style>
+              <a:lnRef idx="2">
+                <a:schemeClr val="accent1">
+                  <a:shade val="50000"/>
+                </a:schemeClr>
+              </a:lnRef>
+              <a:fillRef idx="1">
+                <a:schemeClr val="accent1"/>
+              </a:fillRef>
+              <a:effectRef idx="0">
+                <a:schemeClr val="accent1"/>
+              </a:effectRef>
+              <a:fontRef idx="minor">
+                <a:schemeClr val="lt1"/>
+              </a:fontRef>
+            </p:style>
+            <p:txBody>
+              <a:bodyPr rtlCol="0" anchor="ctr"/>
+              <a:lstStyle/>
+              <a:p>
+                <a:pPr algn="ctr"/>
+                <a:endParaRPr lang="ko-KR" altLang="en-US">
+                  <a:solidFill>
+                    <a:schemeClr val="tx1">
+                      <a:lumMod val="95000"/>
+                      <a:lumOff val="5000"/>
+                    </a:schemeClr>
+                  </a:solidFill>
+                </a:endParaRPr>
+              </a:p>
+            </p:txBody>
+          </p:sp>
+          <p:sp>
+            <p:nvSpPr>
+              <p:cNvPr id="9" name="TextBox 8">
+                <a:extLst>
+                  <a:ext uri="{FF2B5EF4-FFF2-40B4-BE49-F238E27FC236}">
+                    <a16:creationId xmlns:a16="http://schemas.microsoft.com/office/drawing/2014/main" id="{152D5636-0012-48EC-822B-5B0D2EB8B484}"/>
+                  </a:ext>
+                </a:extLst>
+              </p:cNvPr>
+              <p:cNvSpPr txBox="1"/>
+              <p:nvPr/>
+            </p:nvSpPr>
+            <p:spPr>
+              <a:xfrm>
+                <a:off x="2483708" y="3553101"/>
+                <a:ext cx="2842054" cy="369332"/>
+              </a:xfrm>
+              <a:prstGeom prst="rect">
+                <a:avLst/>
+              </a:prstGeom>
+              <a:noFill/>
+            </p:spPr>
+            <p:txBody>
+              <a:bodyPr wrap="square" rtlCol="0">
+                <a:spAutoFit/>
+              </a:bodyPr>
+              <a:lstStyle/>
+              <a:p>
+                <a:pPr algn="ctr"/>
+                <a:r>
+                  <a:rPr lang="ko-KR" altLang="en-US" b="1" dirty="0"/>
+                  <a:t>물품 코드</a:t>
+                </a:r>
+              </a:p>
+            </p:txBody>
+          </p:sp>
+          <p:cxnSp>
+            <p:nvCxnSpPr>
+              <p:cNvPr id="11" name="직선 연결선 10">
+                <a:extLst>
+                  <a:ext uri="{FF2B5EF4-FFF2-40B4-BE49-F238E27FC236}">
+                    <a16:creationId xmlns:a16="http://schemas.microsoft.com/office/drawing/2014/main" id="{581A6D25-F1D4-477D-965A-66966817953C}"/>
+                  </a:ext>
+                </a:extLst>
+              </p:cNvPr>
+              <p:cNvCxnSpPr>
+                <a:stCxn id="5" idx="3"/>
+                <a:endCxn id="4" idx="1"/>
+              </p:cNvCxnSpPr>
+              <p:nvPr/>
+            </p:nvCxnSpPr>
+            <p:spPr>
+              <a:xfrm>
+                <a:off x="3608173" y="1792429"/>
+                <a:ext cx="1112107" cy="0"/>
+              </a:xfrm>
+              <a:prstGeom prst="line">
+                <a:avLst/>
+              </a:prstGeom>
+              <a:ln w="38100">
+                <a:solidFill>
+                  <a:schemeClr val="tx1"/>
+                </a:solidFill>
+              </a:ln>
+            </p:spPr>
+            <p:style>
+              <a:lnRef idx="1">
+                <a:schemeClr val="accent1"/>
+              </a:lnRef>
+              <a:fillRef idx="0">
+                <a:schemeClr val="accent1"/>
+              </a:fillRef>
+              <a:effectRef idx="0">
+                <a:schemeClr val="accent1"/>
+              </a:effectRef>
+              <a:fontRef idx="minor">
+                <a:schemeClr val="tx1"/>
+              </a:fontRef>
+            </p:style>
+          </p:cxnSp>
+          <p:cxnSp>
+            <p:nvCxnSpPr>
+              <p:cNvPr id="12" name="직선 연결선 11">
+                <a:extLst>
+                  <a:ext uri="{FF2B5EF4-FFF2-40B4-BE49-F238E27FC236}">
+                    <a16:creationId xmlns:a16="http://schemas.microsoft.com/office/drawing/2014/main" id="{409B6CA8-D712-4F76-B216-3B7B60A0DA92}"/>
+                  </a:ext>
+                </a:extLst>
+              </p:cNvPr>
+              <p:cNvCxnSpPr>
+                <a:cxnSpLocks/>
+                <a:stCxn id="4" idx="3"/>
+                <a:endCxn id="6" idx="1"/>
+              </p:cNvCxnSpPr>
+              <p:nvPr/>
+            </p:nvCxnSpPr>
+            <p:spPr>
+              <a:xfrm>
+                <a:off x="7710615" y="1792429"/>
+                <a:ext cx="1112107" cy="0"/>
+              </a:xfrm>
+              <a:prstGeom prst="line">
+                <a:avLst/>
+              </a:prstGeom>
+              <a:ln w="38100">
+                <a:solidFill>
+                  <a:schemeClr val="tx1"/>
+                </a:solidFill>
+              </a:ln>
+            </p:spPr>
+            <p:style>
+              <a:lnRef idx="1">
+                <a:schemeClr val="accent1"/>
+              </a:lnRef>
+              <a:fillRef idx="0">
+                <a:schemeClr val="accent1"/>
+              </a:fillRef>
+              <a:effectRef idx="0">
+                <a:schemeClr val="accent1"/>
+              </a:effectRef>
+              <a:fontRef idx="minor">
+                <a:schemeClr val="tx1"/>
+              </a:fontRef>
+            </p:style>
+          </p:cxnSp>
+          <p:cxnSp>
+            <p:nvCxnSpPr>
+              <p:cNvPr id="15" name="직선 연결선 14">
+                <a:extLst>
+                  <a:ext uri="{FF2B5EF4-FFF2-40B4-BE49-F238E27FC236}">
+                    <a16:creationId xmlns:a16="http://schemas.microsoft.com/office/drawing/2014/main" id="{E292E08A-9C07-4DFE-B647-4B1429978A6E}"/>
+                  </a:ext>
+                </a:extLst>
+              </p:cNvPr>
+              <p:cNvCxnSpPr>
+                <a:cxnSpLocks/>
+                <a:stCxn id="4" idx="2"/>
+                <a:endCxn id="8" idx="0"/>
+              </p:cNvCxnSpPr>
+              <p:nvPr/>
+            </p:nvCxnSpPr>
+            <p:spPr>
+              <a:xfrm flipH="1">
+                <a:off x="3904735" y="2255807"/>
+                <a:ext cx="2310713" cy="1018582"/>
+              </a:xfrm>
+              <a:prstGeom prst="line">
+                <a:avLst/>
+              </a:prstGeom>
+              <a:ln w="38100">
+                <a:solidFill>
+                  <a:schemeClr val="tx1"/>
+                </a:solidFill>
+              </a:ln>
+            </p:spPr>
+            <p:style>
+              <a:lnRef idx="1">
+                <a:schemeClr val="accent1"/>
+              </a:lnRef>
+              <a:fillRef idx="0">
+                <a:schemeClr val="accent1"/>
+              </a:fillRef>
+              <a:effectRef idx="0">
+                <a:schemeClr val="accent1"/>
+              </a:effectRef>
+              <a:fontRef idx="minor">
+                <a:schemeClr val="tx1"/>
+              </a:fontRef>
+            </p:style>
+          </p:cxnSp>
+          <p:sp>
+            <p:nvSpPr>
+              <p:cNvPr id="14" name="타원 13">
+                <a:extLst>
+                  <a:ext uri="{FF2B5EF4-FFF2-40B4-BE49-F238E27FC236}">
+                    <a16:creationId xmlns:a16="http://schemas.microsoft.com/office/drawing/2014/main" id="{CA04C02D-F156-4E46-A3E7-F14D6FF3BE0B}"/>
+                  </a:ext>
+                </a:extLst>
+              </p:cNvPr>
+              <p:cNvSpPr/>
+              <p:nvPr/>
+            </p:nvSpPr>
+            <p:spPr>
+              <a:xfrm>
+                <a:off x="5066270" y="3274389"/>
+                <a:ext cx="2323070" cy="926756"/>
+              </a:xfrm>
+              <a:prstGeom prst="ellipse">
+                <a:avLst/>
+              </a:prstGeom>
+              <a:solidFill>
+                <a:schemeClr val="accent6">
+                  <a:lumMod val="60000"/>
+                  <a:lumOff val="40000"/>
+                </a:schemeClr>
+              </a:solidFill>
+              <a:ln>
+                <a:solidFill>
+                  <a:schemeClr val="tx1">
+                    <a:lumMod val="95000"/>
+                    <a:lumOff val="5000"/>
+                  </a:schemeClr>
+                </a:solidFill>
+              </a:ln>
+            </p:spPr>
+            <p:style>
+              <a:lnRef idx="2">
+                <a:schemeClr val="accent1">
+                  <a:shade val="50000"/>
+                </a:schemeClr>
+              </a:lnRef>
+              <a:fillRef idx="1">
+                <a:schemeClr val="accent1"/>
+              </a:fillRef>
+              <a:effectRef idx="0">
+                <a:schemeClr val="accent1"/>
+              </a:effectRef>
+              <a:fontRef idx="minor">
+                <a:schemeClr val="lt1"/>
+              </a:fontRef>
+            </p:style>
+            <p:txBody>
+              <a:bodyPr rtlCol="0" anchor="ctr"/>
+              <a:lstStyle/>
+              <a:p>
+                <a:pPr algn="ctr"/>
+                <a:endParaRPr lang="ko-KR" altLang="en-US">
+                  <a:solidFill>
+                    <a:schemeClr val="tx1">
+                      <a:lumMod val="95000"/>
+                      <a:lumOff val="5000"/>
+                    </a:schemeClr>
+                  </a:solidFill>
+                </a:endParaRPr>
+              </a:p>
+            </p:txBody>
+          </p:sp>
+          <p:sp>
+            <p:nvSpPr>
+              <p:cNvPr id="16" name="TextBox 15">
+                <a:extLst>
+                  <a:ext uri="{FF2B5EF4-FFF2-40B4-BE49-F238E27FC236}">
+                    <a16:creationId xmlns:a16="http://schemas.microsoft.com/office/drawing/2014/main" id="{F915B0F0-FD45-4CCA-AFDB-92333D2EA85C}"/>
+                  </a:ext>
+                </a:extLst>
+              </p:cNvPr>
+              <p:cNvSpPr txBox="1"/>
+              <p:nvPr/>
+            </p:nvSpPr>
+            <p:spPr>
+              <a:xfrm>
+                <a:off x="4806778" y="3553101"/>
+                <a:ext cx="2842054" cy="369332"/>
+              </a:xfrm>
+              <a:prstGeom prst="rect">
+                <a:avLst/>
+              </a:prstGeom>
+              <a:noFill/>
+            </p:spPr>
+            <p:txBody>
+              <a:bodyPr wrap="square" rtlCol="0">
+                <a:spAutoFit/>
+              </a:bodyPr>
+              <a:lstStyle/>
+              <a:p>
+                <a:pPr algn="ctr"/>
+                <a:r>
+                  <a:rPr lang="ko-KR" altLang="en-US" b="1" dirty="0"/>
+                  <a:t>기관 코드</a:t>
+                </a:r>
+              </a:p>
+            </p:txBody>
+          </p:sp>
+          <p:sp>
+            <p:nvSpPr>
+              <p:cNvPr id="17" name="타원 16">
+                <a:extLst>
+                  <a:ext uri="{FF2B5EF4-FFF2-40B4-BE49-F238E27FC236}">
+                    <a16:creationId xmlns:a16="http://schemas.microsoft.com/office/drawing/2014/main" id="{AB0AC44E-1978-45F8-A905-7925876EEB3E}"/>
+                  </a:ext>
+                </a:extLst>
+              </p:cNvPr>
+              <p:cNvSpPr/>
+              <p:nvPr/>
+            </p:nvSpPr>
+            <p:spPr>
+              <a:xfrm>
+                <a:off x="7407873" y="3274389"/>
+                <a:ext cx="2323070" cy="926756"/>
+              </a:xfrm>
+              <a:prstGeom prst="ellipse">
+                <a:avLst/>
+              </a:prstGeom>
+              <a:solidFill>
+                <a:schemeClr val="accent6">
+                  <a:lumMod val="60000"/>
+                  <a:lumOff val="40000"/>
+                </a:schemeClr>
+              </a:solidFill>
+              <a:ln>
+                <a:solidFill>
+                  <a:schemeClr val="tx1">
+                    <a:lumMod val="95000"/>
+                    <a:lumOff val="5000"/>
+                  </a:schemeClr>
+                </a:solidFill>
+              </a:ln>
+            </p:spPr>
+            <p:style>
+              <a:lnRef idx="2">
+                <a:schemeClr val="accent1">
+                  <a:shade val="50000"/>
+                </a:schemeClr>
+              </a:lnRef>
+              <a:fillRef idx="1">
+                <a:schemeClr val="accent1"/>
+              </a:fillRef>
+              <a:effectRef idx="0">
+                <a:schemeClr val="accent1"/>
+              </a:effectRef>
+              <a:fontRef idx="minor">
+                <a:schemeClr val="lt1"/>
+              </a:fontRef>
+            </p:style>
+            <p:txBody>
+              <a:bodyPr rtlCol="0" anchor="ctr"/>
+              <a:lstStyle/>
+              <a:p>
+                <a:pPr algn="ctr"/>
+                <a:endParaRPr lang="ko-KR" altLang="en-US">
+                  <a:solidFill>
+                    <a:schemeClr val="tx1">
+                      <a:lumMod val="95000"/>
+                      <a:lumOff val="5000"/>
+                    </a:schemeClr>
+                  </a:solidFill>
+                </a:endParaRPr>
+              </a:p>
+            </p:txBody>
+          </p:sp>
+          <p:sp>
+            <p:nvSpPr>
+              <p:cNvPr id="21" name="TextBox 20">
+                <a:extLst>
+                  <a:ext uri="{FF2B5EF4-FFF2-40B4-BE49-F238E27FC236}">
+                    <a16:creationId xmlns:a16="http://schemas.microsoft.com/office/drawing/2014/main" id="{D383D57B-346B-4ADA-A066-E35F16297A8B}"/>
+                  </a:ext>
+                </a:extLst>
+              </p:cNvPr>
+              <p:cNvSpPr txBox="1"/>
+              <p:nvPr/>
+            </p:nvSpPr>
+            <p:spPr>
+              <a:xfrm>
+                <a:off x="7148381" y="3553101"/>
+                <a:ext cx="2842054" cy="369332"/>
+              </a:xfrm>
+              <a:prstGeom prst="rect">
+                <a:avLst/>
+              </a:prstGeom>
+              <a:noFill/>
+            </p:spPr>
+            <p:txBody>
+              <a:bodyPr wrap="square" rtlCol="0">
+                <a:spAutoFit/>
+              </a:bodyPr>
+              <a:lstStyle/>
+              <a:p>
+                <a:pPr algn="ctr"/>
+                <a:r>
+                  <a:rPr lang="ko-KR" altLang="en-US" b="1" dirty="0"/>
+                  <a:t>등록일</a:t>
+                </a:r>
+              </a:p>
+            </p:txBody>
+          </p:sp>
+          <p:cxnSp>
+            <p:nvCxnSpPr>
+              <p:cNvPr id="24" name="직선 연결선 23">
+                <a:extLst>
+                  <a:ext uri="{FF2B5EF4-FFF2-40B4-BE49-F238E27FC236}">
+                    <a16:creationId xmlns:a16="http://schemas.microsoft.com/office/drawing/2014/main" id="{E564EB82-011D-4DE7-91DF-5E8FFE77E638}"/>
+                  </a:ext>
+                </a:extLst>
+              </p:cNvPr>
+              <p:cNvCxnSpPr>
+                <a:cxnSpLocks/>
+                <a:stCxn id="4" idx="2"/>
+                <a:endCxn id="14" idx="0"/>
+              </p:cNvCxnSpPr>
+              <p:nvPr/>
+            </p:nvCxnSpPr>
+            <p:spPr>
+              <a:xfrm>
+                <a:off x="6215448" y="2255807"/>
+                <a:ext cx="12357" cy="1018582"/>
+              </a:xfrm>
+              <a:prstGeom prst="line">
+                <a:avLst/>
+              </a:prstGeom>
+              <a:ln w="38100">
+                <a:solidFill>
+                  <a:schemeClr val="tx1"/>
+                </a:solidFill>
+              </a:ln>
+            </p:spPr>
+            <p:style>
+              <a:lnRef idx="1">
+                <a:schemeClr val="accent1"/>
+              </a:lnRef>
+              <a:fillRef idx="0">
+                <a:schemeClr val="accent1"/>
+              </a:fillRef>
+              <a:effectRef idx="0">
+                <a:schemeClr val="accent1"/>
+              </a:effectRef>
+              <a:fontRef idx="minor">
+                <a:schemeClr val="tx1"/>
+              </a:fontRef>
+            </p:style>
+          </p:cxnSp>
+          <p:cxnSp>
+            <p:nvCxnSpPr>
+              <p:cNvPr id="25" name="직선 연결선 24">
+                <a:extLst>
+                  <a:ext uri="{FF2B5EF4-FFF2-40B4-BE49-F238E27FC236}">
+                    <a16:creationId xmlns:a16="http://schemas.microsoft.com/office/drawing/2014/main" id="{8219D2B1-023E-4B79-B70A-85ACF71E0C02}"/>
+                  </a:ext>
+                </a:extLst>
+              </p:cNvPr>
+              <p:cNvCxnSpPr>
+                <a:cxnSpLocks/>
+                <a:stCxn id="4" idx="2"/>
+                <a:endCxn id="17" idx="0"/>
+              </p:cNvCxnSpPr>
+              <p:nvPr/>
+            </p:nvCxnSpPr>
+            <p:spPr>
+              <a:xfrm>
+                <a:off x="6215448" y="2255807"/>
+                <a:ext cx="2353960" cy="1018582"/>
+              </a:xfrm>
+              <a:prstGeom prst="line">
+                <a:avLst/>
+              </a:prstGeom>
+              <a:ln w="38100">
+                <a:solidFill>
+                  <a:schemeClr val="tx1"/>
+                </a:solidFill>
+              </a:ln>
+            </p:spPr>
+            <p:style>
+              <a:lnRef idx="1">
+                <a:schemeClr val="accent1"/>
+              </a:lnRef>
+              <a:fillRef idx="0">
+                <a:schemeClr val="accent1"/>
+              </a:fillRef>
+              <a:effectRef idx="0">
+                <a:schemeClr val="accent1"/>
+              </a:effectRef>
+              <a:fontRef idx="minor">
+                <a:schemeClr val="tx1"/>
+              </a:fontRef>
+            </p:style>
+          </p:cxnSp>
+        </p:grpSp>
+        <p:sp>
+          <p:nvSpPr>
+            <p:cNvPr id="18" name="TextBox 17">
+              <a:extLst>
+                <a:ext uri="{FF2B5EF4-FFF2-40B4-BE49-F238E27FC236}">
+                  <a16:creationId xmlns:a16="http://schemas.microsoft.com/office/drawing/2014/main" id="{C5CB1EC5-53DF-40E4-AEAB-0093F39FD796}"/>
+                </a:ext>
+              </a:extLst>
+            </p:cNvPr>
+            <p:cNvSpPr txBox="1"/>
+            <p:nvPr/>
+          </p:nvSpPr>
+          <p:spPr>
+            <a:xfrm>
+              <a:off x="4005366" y="1177666"/>
+              <a:ext cx="317716" cy="369332"/>
+            </a:xfrm>
+            <a:prstGeom prst="rect">
+              <a:avLst/>
+            </a:prstGeom>
+            <a:noFill/>
+          </p:spPr>
+          <p:txBody>
+            <a:bodyPr wrap="none" rtlCol="0">
+              <a:spAutoFit/>
+            </a:bodyPr>
+            <a:lstStyle/>
+            <a:p>
+              <a:r>
+                <a:rPr lang="en-US" altLang="ko-KR" b="1" dirty="0">
+                  <a:solidFill>
+                    <a:srgbClr val="FF0000"/>
+                  </a:solidFill>
+                </a:rPr>
+                <a:t>1</a:t>
+              </a:r>
+              <a:endParaRPr lang="ko-KR" altLang="en-US" b="1" dirty="0">
+                <a:solidFill>
+                  <a:srgbClr val="FF0000"/>
+                </a:solidFill>
+              </a:endParaRPr>
+            </a:p>
+          </p:txBody>
+        </p:sp>
+        <p:sp>
+          <p:nvSpPr>
+            <p:cNvPr id="19" name="TextBox 18">
+              <a:extLst>
+                <a:ext uri="{FF2B5EF4-FFF2-40B4-BE49-F238E27FC236}">
+                  <a16:creationId xmlns:a16="http://schemas.microsoft.com/office/drawing/2014/main" id="{D737861B-68BE-4A10-93AD-BB8B7668280F}"/>
+                </a:ext>
+              </a:extLst>
+            </p:cNvPr>
+            <p:cNvSpPr txBox="1"/>
+            <p:nvPr/>
+          </p:nvSpPr>
+          <p:spPr>
+            <a:xfrm>
+              <a:off x="8107808" y="1200827"/>
+              <a:ext cx="325730" cy="369332"/>
+            </a:xfrm>
+            <a:prstGeom prst="rect">
+              <a:avLst/>
+            </a:prstGeom>
+            <a:noFill/>
+          </p:spPr>
+          <p:txBody>
+            <a:bodyPr wrap="none" rtlCol="0">
+              <a:spAutoFit/>
+            </a:bodyPr>
+            <a:lstStyle/>
+            <a:p>
+              <a:r>
+                <a:rPr lang="en-US" altLang="ko-KR" b="1" dirty="0">
+                  <a:solidFill>
+                    <a:srgbClr val="FF0000"/>
+                  </a:solidFill>
+                </a:rPr>
+                <a:t>n</a:t>
+              </a:r>
+              <a:endParaRPr lang="ko-KR" altLang="en-US" b="1" dirty="0">
+                <a:solidFill>
+                  <a:srgbClr val="FF0000"/>
+                </a:solidFill>
+              </a:endParaRPr>
+            </a:p>
+          </p:txBody>
+        </p:sp>
+      </p:grpSp>
+      <p:sp>
+        <p:nvSpPr>
+          <p:cNvPr id="22" name="사각형: 둥근 모서리 21">
+            <a:extLst>
+              <a:ext uri="{FF2B5EF4-FFF2-40B4-BE49-F238E27FC236}">
+                <a16:creationId xmlns:a16="http://schemas.microsoft.com/office/drawing/2014/main" id="{0B21F6B3-B168-4075-B3C1-3E7BC8C20DA8}"/>
+              </a:ext>
+            </a:extLst>
+          </p:cNvPr>
+          <p:cNvSpPr/>
+          <p:nvPr/>
+        </p:nvSpPr>
+        <p:spPr>
+          <a:xfrm>
+            <a:off x="350807" y="4845987"/>
+            <a:ext cx="11490385" cy="1871924"/>
+          </a:xfrm>
+          <a:prstGeom prst="roundRect">
+            <a:avLst>
+              <a:gd name="adj" fmla="val 5747"/>
+            </a:avLst>
+          </a:prstGeom>
+          <a:solidFill>
+            <a:schemeClr val="accent4">
+              <a:lumMod val="20000"/>
+              <a:lumOff val="80000"/>
+            </a:schemeClr>
+          </a:solidFill>
+          <a:ln>
+            <a:noFill/>
+          </a:ln>
+        </p:spPr>
+        <p:style>
+          <a:lnRef idx="2">
+            <a:schemeClr val="accent1">
+              <a:shade val="50000"/>
+            </a:schemeClr>
+          </a:lnRef>
+          <a:fillRef idx="1">
+            <a:schemeClr val="accent1"/>
+          </a:fillRef>
+          <a:effectRef idx="0">
+            <a:schemeClr val="accent1"/>
+          </a:effectRef>
+          <a:fontRef idx="minor">
+            <a:schemeClr val="lt1"/>
+          </a:fontRef>
+        </p:style>
+        <p:txBody>
+          <a:bodyPr rtlCol="0" anchor="ctr"/>
+          <a:lstStyle/>
+          <a:p>
+            <a:pPr algn="ctr"/>
+            <a:endParaRPr lang="ko-KR" altLang="en-US"/>
+          </a:p>
+        </p:txBody>
+      </p:sp>
+      <p:graphicFrame>
+        <p:nvGraphicFramePr>
+          <p:cNvPr id="23" name="표 22">
+            <a:extLst>
+              <a:ext uri="{FF2B5EF4-FFF2-40B4-BE49-F238E27FC236}">
+                <a16:creationId xmlns:a16="http://schemas.microsoft.com/office/drawing/2014/main" id="{EF3D376D-4B62-4949-80F9-3F90FCBB66A3}"/>
+              </a:ext>
+            </a:extLst>
+          </p:cNvPr>
+          <p:cNvGraphicFramePr>
+            <a:graphicFrameLocks noGrp="1"/>
+          </p:cNvGraphicFramePr>
+          <p:nvPr>
+            <p:extLst>
+              <p:ext uri="{D42A27DB-BD31-4B8C-83A1-F6EECF244321}">
+                <p14:modId xmlns:p14="http://schemas.microsoft.com/office/powerpoint/2010/main" val="2656084334"/>
+              </p:ext>
+            </p:extLst>
+          </p:nvPr>
+        </p:nvGraphicFramePr>
+        <p:xfrm>
+          <a:off x="786442" y="4758939"/>
+          <a:ext cx="10619112" cy="365760"/>
+        </p:xfrm>
+        <a:graphic>
+          <a:graphicData uri="http://schemas.openxmlformats.org/drawingml/2006/table">
+            <a:tbl>
+              <a:tblPr/>
+              <a:tblGrid>
+                <a:gridCol w="2654778">
+                  <a:extLst>
+                    <a:ext uri="{9D8B030D-6E8A-4147-A177-3AD203B41FA5}">
+                      <a16:colId xmlns:a16="http://schemas.microsoft.com/office/drawing/2014/main" val="3551545375"/>
+                    </a:ext>
+                  </a:extLst>
+                </a:gridCol>
+                <a:gridCol w="2654778">
+                  <a:extLst>
+                    <a:ext uri="{9D8B030D-6E8A-4147-A177-3AD203B41FA5}">
+                      <a16:colId xmlns:a16="http://schemas.microsoft.com/office/drawing/2014/main" val="330093863"/>
+                    </a:ext>
+                  </a:extLst>
+                </a:gridCol>
+                <a:gridCol w="2654778">
+                  <a:extLst>
+                    <a:ext uri="{9D8B030D-6E8A-4147-A177-3AD203B41FA5}">
+                      <a16:colId xmlns:a16="http://schemas.microsoft.com/office/drawing/2014/main" val="785465922"/>
+                    </a:ext>
+                  </a:extLst>
+                </a:gridCol>
+                <a:gridCol w="2654778">
+                  <a:extLst>
+                    <a:ext uri="{9D8B030D-6E8A-4147-A177-3AD203B41FA5}">
+                      <a16:colId xmlns:a16="http://schemas.microsoft.com/office/drawing/2014/main" val="2590393171"/>
+                    </a:ext>
+                  </a:extLst>
+                </a:gridCol>
+              </a:tblGrid>
+              <a:tr h="0">
+                <a:tc>
+                  <a:txBody>
+                    <a:bodyPr/>
+                    <a:lstStyle/>
+                    <a:p>
+                      <a:pPr algn="ctr"/>
+                      <a:r>
+                        <a:rPr lang="ko-KR" altLang="en-US">
+                          <a:solidFill>
+                            <a:srgbClr val="666666"/>
+                          </a:solidFill>
+                          <a:effectLst/>
+                          <a:latin typeface="Noto Sans" panose="020B0502040504020204" pitchFamily="34" charset="0"/>
+                        </a:rPr>
+                        <a:t>관계</a:t>
+                      </a:r>
+                    </a:p>
+                  </a:txBody>
+                  <a:tcPr anchor="ctr">
+                    <a:lnL w="7620" cap="flat" cmpd="sng" algn="ctr">
+                      <a:solidFill>
+                        <a:srgbClr val="89D7DC"/>
+                      </a:solidFill>
+                      <a:prstDash val="solid"/>
+                      <a:round/>
+                      <a:headEnd type="none" w="med" len="med"/>
+                      <a:tailEnd type="none" w="med" len="med"/>
+                    </a:lnL>
+                    <a:lnR w="7620" cap="flat" cmpd="sng" algn="ctr">
+                      <a:solidFill>
+                        <a:srgbClr val="89D7DC"/>
+                      </a:solidFill>
+                      <a:prstDash val="solid"/>
+                      <a:round/>
+                      <a:headEnd type="none" w="med" len="med"/>
+                      <a:tailEnd type="none" w="med" len="med"/>
+                    </a:lnR>
+                    <a:lnT w="7620" cap="flat" cmpd="sng" algn="ctr">
+                      <a:solidFill>
+                        <a:srgbClr val="89D7DC"/>
+                      </a:solidFill>
+                      <a:prstDash val="solid"/>
+                      <a:round/>
+                      <a:headEnd type="none" w="med" len="med"/>
+                      <a:tailEnd type="none" w="med" len="med"/>
+                    </a:lnT>
+                    <a:lnB w="7620" cap="flat" cmpd="sng" algn="ctr">
+                      <a:solidFill>
+                        <a:srgbClr val="89D7DC"/>
+                      </a:solidFill>
+                      <a:prstDash val="solid"/>
+                      <a:round/>
+                      <a:headEnd type="none" w="med" len="med"/>
+                      <a:tailEnd type="none" w="med" len="med"/>
+                    </a:lnB>
+                    <a:solidFill>
+                      <a:srgbClr val="CDEEF0"/>
+                    </a:solidFill>
+                  </a:tcPr>
+                </a:tc>
+                <a:tc>
+                  <a:txBody>
+                    <a:bodyPr/>
+                    <a:lstStyle/>
+                    <a:p>
+                      <a:pPr algn="ctr"/>
+                      <a:r>
+                        <a:rPr lang="ko-KR" altLang="en-US">
+                          <a:solidFill>
+                            <a:srgbClr val="666666"/>
+                          </a:solidFill>
+                          <a:effectLst/>
+                          <a:latin typeface="Noto Sans" panose="020B0502040504020204" pitchFamily="34" charset="0"/>
+                        </a:rPr>
+                        <a:t>관계에 참여하는 개체</a:t>
+                      </a:r>
+                    </a:p>
+                  </a:txBody>
+                  <a:tcPr anchor="ctr">
+                    <a:lnL w="7620" cap="flat" cmpd="sng" algn="ctr">
+                      <a:solidFill>
+                        <a:srgbClr val="89D7DC"/>
+                      </a:solidFill>
+                      <a:prstDash val="solid"/>
+                      <a:round/>
+                      <a:headEnd type="none" w="med" len="med"/>
+                      <a:tailEnd type="none" w="med" len="med"/>
+                    </a:lnL>
+                    <a:lnR w="7620" cap="flat" cmpd="sng" algn="ctr">
+                      <a:solidFill>
+                        <a:srgbClr val="89D7DC"/>
+                      </a:solidFill>
+                      <a:prstDash val="solid"/>
+                      <a:round/>
+                      <a:headEnd type="none" w="med" len="med"/>
+                      <a:tailEnd type="none" w="med" len="med"/>
+                    </a:lnR>
+                    <a:lnT w="7620" cap="flat" cmpd="sng" algn="ctr">
+                      <a:solidFill>
+                        <a:srgbClr val="89D7DC"/>
+                      </a:solidFill>
+                      <a:prstDash val="solid"/>
+                      <a:round/>
+                      <a:headEnd type="none" w="med" len="med"/>
+                      <a:tailEnd type="none" w="med" len="med"/>
+                    </a:lnT>
+                    <a:lnB w="7620" cap="flat" cmpd="sng" algn="ctr">
+                      <a:solidFill>
+                        <a:srgbClr val="89D7DC"/>
+                      </a:solidFill>
+                      <a:prstDash val="solid"/>
+                      <a:round/>
+                      <a:headEnd type="none" w="med" len="med"/>
+                      <a:tailEnd type="none" w="med" len="med"/>
+                    </a:lnB>
+                    <a:solidFill>
+                      <a:srgbClr val="CDEEF0"/>
+                    </a:solidFill>
+                  </a:tcPr>
+                </a:tc>
+                <a:tc>
+                  <a:txBody>
+                    <a:bodyPr/>
+                    <a:lstStyle/>
+                    <a:p>
+                      <a:pPr algn="ctr"/>
+                      <a:r>
+                        <a:rPr lang="ko-KR" altLang="en-US">
+                          <a:solidFill>
+                            <a:srgbClr val="666666"/>
+                          </a:solidFill>
+                          <a:effectLst/>
+                          <a:latin typeface="Noto Sans" panose="020B0502040504020204" pitchFamily="34" charset="0"/>
+                        </a:rPr>
+                        <a:t>관계유형</a:t>
+                      </a:r>
+                    </a:p>
+                  </a:txBody>
+                  <a:tcPr anchor="ctr">
+                    <a:lnL w="7620" cap="flat" cmpd="sng" algn="ctr">
+                      <a:solidFill>
+                        <a:srgbClr val="89D7DC"/>
+                      </a:solidFill>
+                      <a:prstDash val="solid"/>
+                      <a:round/>
+                      <a:headEnd type="none" w="med" len="med"/>
+                      <a:tailEnd type="none" w="med" len="med"/>
+                    </a:lnL>
+                    <a:lnR w="7620" cap="flat" cmpd="sng" algn="ctr">
+                      <a:solidFill>
+                        <a:srgbClr val="89D7DC"/>
+                      </a:solidFill>
+                      <a:prstDash val="solid"/>
+                      <a:round/>
+                      <a:headEnd type="none" w="med" len="med"/>
+                      <a:tailEnd type="none" w="med" len="med"/>
+                    </a:lnR>
+                    <a:lnT w="7620" cap="flat" cmpd="sng" algn="ctr">
+                      <a:solidFill>
+                        <a:srgbClr val="89D7DC"/>
+                      </a:solidFill>
+                      <a:prstDash val="solid"/>
+                      <a:round/>
+                      <a:headEnd type="none" w="med" len="med"/>
+                      <a:tailEnd type="none" w="med" len="med"/>
+                    </a:lnT>
+                    <a:lnB w="7620" cap="flat" cmpd="sng" algn="ctr">
+                      <a:solidFill>
+                        <a:srgbClr val="89D7DC"/>
+                      </a:solidFill>
+                      <a:prstDash val="solid"/>
+                      <a:round/>
+                      <a:headEnd type="none" w="med" len="med"/>
+                      <a:tailEnd type="none" w="med" len="med"/>
+                    </a:lnB>
+                    <a:solidFill>
+                      <a:srgbClr val="CDEEF0"/>
+                    </a:solidFill>
+                  </a:tcPr>
+                </a:tc>
+                <a:tc>
+                  <a:txBody>
+                    <a:bodyPr/>
+                    <a:lstStyle/>
+                    <a:p>
+                      <a:pPr algn="ctr"/>
+                      <a:r>
+                        <a:rPr lang="ko-KR" altLang="en-US" dirty="0">
+                          <a:solidFill>
+                            <a:srgbClr val="666666"/>
+                          </a:solidFill>
+                          <a:effectLst/>
+                          <a:latin typeface="Noto Sans" panose="020B0502040504020204" pitchFamily="34" charset="0"/>
+                        </a:rPr>
+                        <a:t>관계 속성</a:t>
+                      </a:r>
+                    </a:p>
+                  </a:txBody>
+                  <a:tcPr anchor="ctr">
+                    <a:lnL w="7620" cap="flat" cmpd="sng" algn="ctr">
+                      <a:solidFill>
+                        <a:srgbClr val="89D7DC"/>
+                      </a:solidFill>
+                      <a:prstDash val="solid"/>
+                      <a:round/>
+                      <a:headEnd type="none" w="med" len="med"/>
+                      <a:tailEnd type="none" w="med" len="med"/>
+                    </a:lnL>
+                    <a:lnR w="7620" cap="flat" cmpd="sng" algn="ctr">
+                      <a:solidFill>
+                        <a:srgbClr val="89D7DC"/>
+                      </a:solidFill>
+                      <a:prstDash val="solid"/>
+                      <a:round/>
+                      <a:headEnd type="none" w="med" len="med"/>
+                      <a:tailEnd type="none" w="med" len="med"/>
+                    </a:lnR>
+                    <a:lnT w="7620" cap="flat" cmpd="sng" algn="ctr">
+                      <a:solidFill>
+                        <a:srgbClr val="89D7DC"/>
+                      </a:solidFill>
+                      <a:prstDash val="solid"/>
+                      <a:round/>
+                      <a:headEnd type="none" w="med" len="med"/>
+                      <a:tailEnd type="none" w="med" len="med"/>
+                    </a:lnT>
+                    <a:lnB w="7620" cap="flat" cmpd="sng" algn="ctr">
+                      <a:solidFill>
+                        <a:srgbClr val="89D7DC"/>
+                      </a:solidFill>
+                      <a:prstDash val="solid"/>
+                      <a:round/>
+                      <a:headEnd type="none" w="med" len="med"/>
+                      <a:tailEnd type="none" w="med" len="med"/>
+                    </a:lnB>
+                    <a:solidFill>
+                      <a:srgbClr val="CDEEF0"/>
+                    </a:solidFill>
+                  </a:tcPr>
+                </a:tc>
+                <a:extLst>
+                  <a:ext uri="{0D108BD9-81ED-4DB2-BD59-A6C34878D82A}">
+                    <a16:rowId xmlns:a16="http://schemas.microsoft.com/office/drawing/2014/main" val="606524450"/>
+                  </a:ext>
+                </a:extLst>
+              </a:tr>
+            </a:tbl>
+          </a:graphicData>
+        </a:graphic>
+      </p:graphicFrame>
+      <p:sp>
+        <p:nvSpPr>
+          <p:cNvPr id="27" name="TextBox 26">
+            <a:extLst>
+              <a:ext uri="{FF2B5EF4-FFF2-40B4-BE49-F238E27FC236}">
+                <a16:creationId xmlns:a16="http://schemas.microsoft.com/office/drawing/2014/main" id="{1832281D-C180-417B-B62D-0CC3457B0903}"/>
+              </a:ext>
+            </a:extLst>
+          </p:cNvPr>
+          <p:cNvSpPr txBox="1"/>
+          <p:nvPr/>
+        </p:nvSpPr>
+        <p:spPr>
+          <a:xfrm>
+            <a:off x="523387" y="5251307"/>
+            <a:ext cx="11124626" cy="1384995"/>
+          </a:xfrm>
+          <a:prstGeom prst="rect">
+            <a:avLst/>
+          </a:prstGeom>
+          <a:noFill/>
+        </p:spPr>
+        <p:txBody>
+          <a:bodyPr wrap="square" rtlCol="0">
+            <a:spAutoFit/>
+          </a:bodyPr>
+          <a:lstStyle/>
+          <a:p>
+            <a:pPr marL="285750" indent="-285750">
+              <a:buFont typeface="Arial" panose="020B0604020202020204" pitchFamily="34" charset="0"/>
+              <a:buChar char="•"/>
+            </a:pPr>
+            <a:r>
+              <a:rPr lang="ko-KR" altLang="en-US" sz="1400" dirty="0"/>
+              <a:t>관리물품 내의 외래키로만 관리</a:t>
+            </a:r>
+            <a:endParaRPr lang="en-US" altLang="ko-KR" sz="1400" dirty="0"/>
+          </a:p>
+          <a:p>
+            <a:pPr marL="285750" indent="-285750">
+              <a:buFont typeface="Arial" panose="020B0604020202020204" pitchFamily="34" charset="0"/>
+              <a:buChar char="•"/>
+            </a:pPr>
+            <a:r>
+              <a:rPr lang="ko-KR" altLang="en-US" sz="1400" dirty="0"/>
+              <a:t>이미 관리 물품 내부에 있는 속성이기 때문</a:t>
+            </a:r>
+            <a:r>
+              <a:rPr lang="en-US" altLang="ko-KR" sz="1400" dirty="0"/>
+              <a:t>.</a:t>
+            </a:r>
+          </a:p>
+          <a:p>
+            <a:pPr marL="285750" indent="-285750">
+              <a:buFont typeface="Arial" panose="020B0604020202020204" pitchFamily="34" charset="0"/>
+              <a:buChar char="•"/>
+            </a:pPr>
+            <a:endParaRPr lang="en-US" altLang="ko-KR" sz="1400" dirty="0"/>
+          </a:p>
+          <a:p>
+            <a:pPr marL="285750" indent="-285750">
+              <a:buFont typeface="Arial" panose="020B0604020202020204" pitchFamily="34" charset="0"/>
+              <a:buChar char="•"/>
+            </a:pPr>
+            <a:endParaRPr lang="en-US" altLang="ko-KR" sz="1400" dirty="0"/>
+          </a:p>
+          <a:p>
+            <a:pPr marL="285750" indent="-285750">
+              <a:buFont typeface="Arial" panose="020B0604020202020204" pitchFamily="34" charset="0"/>
+              <a:buChar char="•"/>
+            </a:pPr>
+            <a:endParaRPr lang="en-US" altLang="ko-KR" sz="1400" dirty="0"/>
+          </a:p>
+          <a:p>
+            <a:pPr marL="285750" indent="-285750">
+              <a:buFont typeface="Arial" panose="020B0604020202020204" pitchFamily="34" charset="0"/>
+              <a:buChar char="•"/>
+            </a:pPr>
+            <a:endParaRPr lang="ko-KR" altLang="en-US" sz="1400" dirty="0"/>
+          </a:p>
+        </p:txBody>
+      </p:sp>
+    </p:spTree>
+    <p:extLst>
+      <p:ext uri="{BB962C8B-B14F-4D97-AF65-F5344CB8AC3E}">
+        <p14:creationId xmlns:p14="http://schemas.microsoft.com/office/powerpoint/2010/main" val="2113875129"/>
       </p:ext>
     </p:extLst>
   </p:cSld>
